--- a/第七课seq2seq.pptx
+++ b/第七课seq2seq.pptx
@@ -5,19 +5,23 @@
     <p:sldMasterId id="2147483648" r:id="rId1"/>
   </p:sldMasterIdLst>
   <p:notesMasterIdLst>
-    <p:notesMasterId r:id="rId9"/>
+    <p:notesMasterId r:id="rId13"/>
   </p:notesMasterIdLst>
   <p:handoutMasterIdLst>
-    <p:handoutMasterId r:id="rId10"/>
+    <p:handoutMasterId r:id="rId14"/>
   </p:handoutMasterIdLst>
   <p:sldIdLst>
     <p:sldId id="256" r:id="rId2"/>
-    <p:sldId id="1707" r:id="rId3"/>
+    <p:sldId id="1739" r:id="rId3"/>
     <p:sldId id="262" r:id="rId4"/>
     <p:sldId id="1734" r:id="rId5"/>
     <p:sldId id="1735" r:id="rId6"/>
     <p:sldId id="1736" r:id="rId7"/>
-    <p:sldId id="261" r:id="rId8"/>
+    <p:sldId id="1737" r:id="rId8"/>
+    <p:sldId id="1738" r:id="rId9"/>
+    <p:sldId id="1740" r:id="rId10"/>
+    <p:sldId id="1741" r:id="rId11"/>
+    <p:sldId id="261" r:id="rId12"/>
   </p:sldIdLst>
   <p:sldSz cx="12192000" cy="6858000"/>
   <p:notesSz cx="6858000" cy="9144000"/>
@@ -201,7 +205,7 @@
           <a:p>
             <a:fld id="{0F9B84EA-7D68-4D60-9CB1-D50884785D1C}" type="datetimeFigureOut">
               <a:rPr lang="zh-CN" altLang="en-US" smtClean="0"/>
-              <a:t>4/19/19</a:t>
+              <a:t>4/20/19</a:t>
             </a:fld>
             <a:endParaRPr lang="zh-CN" altLang="en-US"/>
           </a:p>
@@ -367,7 +371,7 @@
           <a:p>
             <a:fld id="{B543DE76-AB28-4417-8D9D-28409C43EEBE}" type="datetimeFigureOut">
               <a:rPr lang="zh-CN" altLang="en-US" smtClean="0"/>
-              <a:t>4/19/19</a:t>
+              <a:t>4/20/19</a:t>
             </a:fld>
             <a:endParaRPr lang="zh-CN" altLang="en-US"/>
           </a:p>
@@ -938,6 +942,85 @@
             <a:fld id="{6C557799-C120-4320-A1EE-38D8F89076F9}" type="slidenum">
               <a:rPr lang="zh-CN" altLang="en-US" smtClean="0"/>
               <a:t>7</a:t>
+            </a:fld>
+            <a:endParaRPr lang="zh-CN" altLang="en-US"/>
+          </a:p>
+        </p:txBody>
+      </p:sp>
+    </p:spTree>
+  </p:cSld>
+  <p:clrMapOvr>
+    <a:masterClrMapping/>
+  </p:clrMapOvr>
+</p:notes>
+</file>
+
+<file path=ppt/notesSlides/notesSlide5.xml><?xml version="1.0" encoding="utf-8"?>
+<p:notes xmlns:a="http://schemas.openxmlformats.org/drawingml/2006/main" xmlns:r="http://schemas.openxmlformats.org/officeDocument/2006/relationships" xmlns:p="http://schemas.openxmlformats.org/presentationml/2006/main">
+  <p:cSld>
+    <p:spTree>
+      <p:nvGrpSpPr>
+        <p:cNvPr id="1" name=""/>
+        <p:cNvGrpSpPr/>
+        <p:nvPr/>
+      </p:nvGrpSpPr>
+      <p:grpSpPr>
+        <a:xfrm>
+          <a:off x="0" y="0"/>
+          <a:ext cx="0" cy="0"/>
+          <a:chOff x="0" y="0"/>
+          <a:chExt cx="0" cy="0"/>
+        </a:xfrm>
+      </p:grpSpPr>
+      <p:sp>
+        <p:nvSpPr>
+          <p:cNvPr id="2" name="幻灯片图像占位符 1"/>
+          <p:cNvSpPr>
+            <a:spLocks noGrp="1" noRot="1" noChangeAspect="1"/>
+          </p:cNvSpPr>
+          <p:nvPr>
+            <p:ph type="sldImg" idx="2"/>
+          </p:nvPr>
+        </p:nvSpPr>
+        <p:spPr/>
+      </p:sp>
+      <p:sp>
+        <p:nvSpPr>
+          <p:cNvPr id="3" name="文本占位符 2"/>
+          <p:cNvSpPr>
+            <a:spLocks noGrp="1"/>
+          </p:cNvSpPr>
+          <p:nvPr>
+            <p:ph type="body" idx="3"/>
+          </p:nvPr>
+        </p:nvSpPr>
+        <p:spPr/>
+        <p:txBody>
+          <a:bodyPr/>
+          <a:lstStyle/>
+          <a:p>
+            <a:endParaRPr lang="zh-CN" altLang="en-US"/>
+          </a:p>
+        </p:txBody>
+      </p:sp>
+      <p:sp>
+        <p:nvSpPr>
+          <p:cNvPr id="4" name="灯片编号占位符 3"/>
+          <p:cNvSpPr>
+            <a:spLocks noGrp="1"/>
+          </p:cNvSpPr>
+          <p:nvPr>
+            <p:ph type="sldNum" sz="quarter" idx="5"/>
+          </p:nvPr>
+        </p:nvSpPr>
+        <p:spPr/>
+        <p:txBody>
+          <a:bodyPr/>
+          <a:lstStyle/>
+          <a:p>
+            <a:fld id="{6C557799-C120-4320-A1EE-38D8F89076F9}" type="slidenum">
+              <a:rPr lang="zh-CN" altLang="en-US" smtClean="0"/>
+              <a:t>11</a:t>
             </a:fld>
             <a:endParaRPr lang="zh-CN" altLang="en-US"/>
           </a:p>
@@ -3191,1396 +3274,7 @@
 </p:sld>
 </file>
 
-<file path=ppt/slides/slide2.xml><?xml version="1.0" encoding="utf-8"?>
-<p:sld xmlns:a="http://schemas.openxmlformats.org/drawingml/2006/main" xmlns:r="http://schemas.openxmlformats.org/officeDocument/2006/relationships" xmlns:p="http://schemas.openxmlformats.org/presentationml/2006/main">
-  <p:cSld>
-    <p:spTree>
-      <p:nvGrpSpPr>
-        <p:cNvPr id="1" name=""/>
-        <p:cNvGrpSpPr/>
-        <p:nvPr/>
-      </p:nvGrpSpPr>
-      <p:grpSpPr>
-        <a:xfrm>
-          <a:off x="0" y="0"/>
-          <a:ext cx="0" cy="0"/>
-          <a:chOff x="0" y="0"/>
-          <a:chExt cx="0" cy="0"/>
-        </a:xfrm>
-      </p:grpSpPr>
-      <p:grpSp>
-        <p:nvGrpSpPr>
-          <p:cNvPr id="34" name="3259" descr="本素材由iSlide™ 提供&#10;iSlide™尊重知识产权并注重保护用户享有的各项权利。郑重提醒您：&#10;iSlide™插件中提供的任何信息内容的所有权、知识产权归其原始权利人或权利受让人所有，您免费/购买获得的是信息内容的使用权，并受下述条款的约束；&#10;1. 您仅可以个人非商业用途使用该等信息内容，不可将信息内容的全部或部分用于出售，或以出租、出借、转让、分销、发布等其他任何方式供他人使用；&#10;2. 禁止在接入互联网或移动互联网的任何网站、平台、应用或程序上以任何方式为他人提供iSlide™插件资源内容的下载。&#10;The resource is supplied by iSlide™.&#10;iSlide™ respects all intellectual property rights and protects all the rights its users acquired.Solemnly remind you:&#10;The ownership and intellectual property of the resources supplied in iSlide Add-in belongs to its owner or the assignee of this ownership.you only acquired the usage of the resources supplied in iSlide Add-in, as well as respected the following restrain terms:&#10;1.You are only allowed to use such resource for personal and non-commercial aim, not allowed to use such resource or part of it for the sale; or rent, lend, transfer to others; or distribution or release it in any way.&#10;2.You are not permitted to provide the resource of iSlide Add-in in any website, platform, application access to the Internet or mobile Internet." title="iSlide™ 版权声明  COPYRIGHT NOTICE"/>
-          <p:cNvGrpSpPr>
-            <a:grpSpLocks noChangeAspect="1"/>
-          </p:cNvGrpSpPr>
-          <p:nvPr>
-            <p:custDataLst>
-              <p:tags r:id="rId1"/>
-            </p:custDataLst>
-          </p:nvPr>
-        </p:nvGrpSpPr>
-        <p:grpSpPr>
-          <a:xfrm>
-            <a:off x="669926" y="1169733"/>
-            <a:ext cx="10850559" cy="1624267"/>
-            <a:chOff x="669926" y="1169733"/>
-            <a:chExt cx="10850559" cy="1624267"/>
-          </a:xfrm>
-        </p:grpSpPr>
-        <p:sp>
-          <p:nvSpPr>
-            <p:cNvPr id="35" name="ï$ľiďe"/>
-            <p:cNvSpPr txBox="1"/>
-            <p:nvPr/>
-          </p:nvSpPr>
-          <p:spPr>
-            <a:xfrm>
-              <a:off x="669926" y="1614821"/>
-              <a:ext cx="2077704" cy="322992"/>
-            </a:xfrm>
-            <a:prstGeom prst="rect">
-              <a:avLst/>
-            </a:prstGeom>
-            <a:noFill/>
-          </p:spPr>
-          <p:txBody>
-            <a:bodyPr wrap="square" lIns="91440" tIns="45720" rIns="91440" bIns="45720" anchor="ctr">
-              <a:normAutofit fontScale="92500" lnSpcReduction="20000"/>
-            </a:bodyPr>
-            <a:lstStyle/>
-            <a:p>
-              <a:pPr algn="r"/>
-              <a:r>
-                <a:rPr lang="en-US" altLang="zh-CN" b="1" dirty="0">
-                  <a:solidFill>
-                    <a:schemeClr val="accent1"/>
-                  </a:solidFill>
-                </a:rPr>
-                <a:t>CONTENTS</a:t>
-              </a:r>
-            </a:p>
-          </p:txBody>
-        </p:sp>
-        <p:sp>
-          <p:nvSpPr>
-            <p:cNvPr id="36" name="ï$ḻîḓê"/>
-            <p:cNvSpPr/>
-            <p:nvPr/>
-          </p:nvSpPr>
-          <p:spPr bwMode="auto">
-            <a:xfrm>
-              <a:off x="2305050" y="1169733"/>
-              <a:ext cx="347330" cy="293912"/>
-            </a:xfrm>
-            <a:custGeom>
-              <a:avLst/>
-              <a:gdLst>
-                <a:gd name="T0" fmla="*/ 106 w 484"/>
-                <a:gd name="T1" fmla="*/ 172 h 410"/>
-                <a:gd name="T2" fmla="*/ 106 w 484"/>
-                <a:gd name="T3" fmla="*/ 238 h 410"/>
-                <a:gd name="T4" fmla="*/ 86 w 484"/>
-                <a:gd name="T5" fmla="*/ 258 h 410"/>
-                <a:gd name="T6" fmla="*/ 20 w 484"/>
-                <a:gd name="T7" fmla="*/ 258 h 410"/>
-                <a:gd name="T8" fmla="*/ 0 w 484"/>
-                <a:gd name="T9" fmla="*/ 238 h 410"/>
-                <a:gd name="T10" fmla="*/ 0 w 484"/>
-                <a:gd name="T11" fmla="*/ 172 h 410"/>
-                <a:gd name="T12" fmla="*/ 20 w 484"/>
-                <a:gd name="T13" fmla="*/ 152 h 410"/>
-                <a:gd name="T14" fmla="*/ 86 w 484"/>
-                <a:gd name="T15" fmla="*/ 152 h 410"/>
-                <a:gd name="T16" fmla="*/ 106 w 484"/>
-                <a:gd name="T17" fmla="*/ 172 h 410"/>
-                <a:gd name="T18" fmla="*/ 464 w 484"/>
-                <a:gd name="T19" fmla="*/ 152 h 410"/>
-                <a:gd name="T20" fmla="*/ 177 w 484"/>
-                <a:gd name="T21" fmla="*/ 152 h 410"/>
-                <a:gd name="T22" fmla="*/ 167 w 484"/>
-                <a:gd name="T23" fmla="*/ 152 h 410"/>
-                <a:gd name="T24" fmla="*/ 147 w 484"/>
-                <a:gd name="T25" fmla="*/ 172 h 410"/>
-                <a:gd name="T26" fmla="*/ 147 w 484"/>
-                <a:gd name="T27" fmla="*/ 238 h 410"/>
-                <a:gd name="T28" fmla="*/ 167 w 484"/>
-                <a:gd name="T29" fmla="*/ 258 h 410"/>
-                <a:gd name="T30" fmla="*/ 177 w 484"/>
-                <a:gd name="T31" fmla="*/ 258 h 410"/>
-                <a:gd name="T32" fmla="*/ 464 w 484"/>
-                <a:gd name="T33" fmla="*/ 258 h 410"/>
-                <a:gd name="T34" fmla="*/ 484 w 484"/>
-                <a:gd name="T35" fmla="*/ 238 h 410"/>
-                <a:gd name="T36" fmla="*/ 484 w 484"/>
-                <a:gd name="T37" fmla="*/ 172 h 410"/>
-                <a:gd name="T38" fmla="*/ 464 w 484"/>
-                <a:gd name="T39" fmla="*/ 152 h 410"/>
-                <a:gd name="T40" fmla="*/ 86 w 484"/>
-                <a:gd name="T41" fmla="*/ 0 h 410"/>
-                <a:gd name="T42" fmla="*/ 20 w 484"/>
-                <a:gd name="T43" fmla="*/ 0 h 410"/>
-                <a:gd name="T44" fmla="*/ 0 w 484"/>
-                <a:gd name="T45" fmla="*/ 20 h 410"/>
-                <a:gd name="T46" fmla="*/ 0 w 484"/>
-                <a:gd name="T47" fmla="*/ 87 h 410"/>
-                <a:gd name="T48" fmla="*/ 20 w 484"/>
-                <a:gd name="T49" fmla="*/ 107 h 410"/>
-                <a:gd name="T50" fmla="*/ 86 w 484"/>
-                <a:gd name="T51" fmla="*/ 107 h 410"/>
-                <a:gd name="T52" fmla="*/ 106 w 484"/>
-                <a:gd name="T53" fmla="*/ 87 h 410"/>
-                <a:gd name="T54" fmla="*/ 106 w 484"/>
-                <a:gd name="T55" fmla="*/ 20 h 410"/>
-                <a:gd name="T56" fmla="*/ 86 w 484"/>
-                <a:gd name="T57" fmla="*/ 0 h 410"/>
-                <a:gd name="T58" fmla="*/ 464 w 484"/>
-                <a:gd name="T59" fmla="*/ 0 h 410"/>
-                <a:gd name="T60" fmla="*/ 177 w 484"/>
-                <a:gd name="T61" fmla="*/ 0 h 410"/>
-                <a:gd name="T62" fmla="*/ 167 w 484"/>
-                <a:gd name="T63" fmla="*/ 0 h 410"/>
-                <a:gd name="T64" fmla="*/ 147 w 484"/>
-                <a:gd name="T65" fmla="*/ 20 h 410"/>
-                <a:gd name="T66" fmla="*/ 147 w 484"/>
-                <a:gd name="T67" fmla="*/ 87 h 410"/>
-                <a:gd name="T68" fmla="*/ 167 w 484"/>
-                <a:gd name="T69" fmla="*/ 107 h 410"/>
-                <a:gd name="T70" fmla="*/ 177 w 484"/>
-                <a:gd name="T71" fmla="*/ 107 h 410"/>
-                <a:gd name="T72" fmla="*/ 464 w 484"/>
-                <a:gd name="T73" fmla="*/ 107 h 410"/>
-                <a:gd name="T74" fmla="*/ 484 w 484"/>
-                <a:gd name="T75" fmla="*/ 87 h 410"/>
-                <a:gd name="T76" fmla="*/ 484 w 484"/>
-                <a:gd name="T77" fmla="*/ 20 h 410"/>
-                <a:gd name="T78" fmla="*/ 464 w 484"/>
-                <a:gd name="T79" fmla="*/ 0 h 410"/>
-                <a:gd name="T80" fmla="*/ 86 w 484"/>
-                <a:gd name="T81" fmla="*/ 303 h 410"/>
-                <a:gd name="T82" fmla="*/ 20 w 484"/>
-                <a:gd name="T83" fmla="*/ 303 h 410"/>
-                <a:gd name="T84" fmla="*/ 0 w 484"/>
-                <a:gd name="T85" fmla="*/ 323 h 410"/>
-                <a:gd name="T86" fmla="*/ 0 w 484"/>
-                <a:gd name="T87" fmla="*/ 390 h 410"/>
-                <a:gd name="T88" fmla="*/ 20 w 484"/>
-                <a:gd name="T89" fmla="*/ 410 h 410"/>
-                <a:gd name="T90" fmla="*/ 86 w 484"/>
-                <a:gd name="T91" fmla="*/ 410 h 410"/>
-                <a:gd name="T92" fmla="*/ 106 w 484"/>
-                <a:gd name="T93" fmla="*/ 390 h 410"/>
-                <a:gd name="T94" fmla="*/ 106 w 484"/>
-                <a:gd name="T95" fmla="*/ 323 h 410"/>
-                <a:gd name="T96" fmla="*/ 86 w 484"/>
-                <a:gd name="T97" fmla="*/ 303 h 410"/>
-                <a:gd name="T98" fmla="*/ 464 w 484"/>
-                <a:gd name="T99" fmla="*/ 303 h 410"/>
-                <a:gd name="T100" fmla="*/ 177 w 484"/>
-                <a:gd name="T101" fmla="*/ 303 h 410"/>
-                <a:gd name="T102" fmla="*/ 167 w 484"/>
-                <a:gd name="T103" fmla="*/ 303 h 410"/>
-                <a:gd name="T104" fmla="*/ 147 w 484"/>
-                <a:gd name="T105" fmla="*/ 323 h 410"/>
-                <a:gd name="T106" fmla="*/ 147 w 484"/>
-                <a:gd name="T107" fmla="*/ 390 h 410"/>
-                <a:gd name="T108" fmla="*/ 167 w 484"/>
-                <a:gd name="T109" fmla="*/ 410 h 410"/>
-                <a:gd name="T110" fmla="*/ 177 w 484"/>
-                <a:gd name="T111" fmla="*/ 410 h 410"/>
-                <a:gd name="T112" fmla="*/ 464 w 484"/>
-                <a:gd name="T113" fmla="*/ 410 h 410"/>
-                <a:gd name="T114" fmla="*/ 484 w 484"/>
-                <a:gd name="T115" fmla="*/ 390 h 410"/>
-                <a:gd name="T116" fmla="*/ 484 w 484"/>
-                <a:gd name="T117" fmla="*/ 323 h 410"/>
-                <a:gd name="T118" fmla="*/ 464 w 484"/>
-                <a:gd name="T119" fmla="*/ 303 h 410"/>
-              </a:gdLst>
-              <a:ahLst/>
-              <a:cxnLst>
-                <a:cxn ang="0">
-                  <a:pos x="T0" y="T1"/>
-                </a:cxn>
-                <a:cxn ang="0">
-                  <a:pos x="T2" y="T3"/>
-                </a:cxn>
-                <a:cxn ang="0">
-                  <a:pos x="T4" y="T5"/>
-                </a:cxn>
-                <a:cxn ang="0">
-                  <a:pos x="T6" y="T7"/>
-                </a:cxn>
-                <a:cxn ang="0">
-                  <a:pos x="T8" y="T9"/>
-                </a:cxn>
-                <a:cxn ang="0">
-                  <a:pos x="T10" y="T11"/>
-                </a:cxn>
-                <a:cxn ang="0">
-                  <a:pos x="T12" y="T13"/>
-                </a:cxn>
-                <a:cxn ang="0">
-                  <a:pos x="T14" y="T15"/>
-                </a:cxn>
-                <a:cxn ang="0">
-                  <a:pos x="T16" y="T17"/>
-                </a:cxn>
-                <a:cxn ang="0">
-                  <a:pos x="T18" y="T19"/>
-                </a:cxn>
-                <a:cxn ang="0">
-                  <a:pos x="T20" y="T21"/>
-                </a:cxn>
-                <a:cxn ang="0">
-                  <a:pos x="T22" y="T23"/>
-                </a:cxn>
-                <a:cxn ang="0">
-                  <a:pos x="T24" y="T25"/>
-                </a:cxn>
-                <a:cxn ang="0">
-                  <a:pos x="T26" y="T27"/>
-                </a:cxn>
-                <a:cxn ang="0">
-                  <a:pos x="T28" y="T29"/>
-                </a:cxn>
-                <a:cxn ang="0">
-                  <a:pos x="T30" y="T31"/>
-                </a:cxn>
-                <a:cxn ang="0">
-                  <a:pos x="T32" y="T33"/>
-                </a:cxn>
-                <a:cxn ang="0">
-                  <a:pos x="T34" y="T35"/>
-                </a:cxn>
-                <a:cxn ang="0">
-                  <a:pos x="T36" y="T37"/>
-                </a:cxn>
-                <a:cxn ang="0">
-                  <a:pos x="T38" y="T39"/>
-                </a:cxn>
-                <a:cxn ang="0">
-                  <a:pos x="T40" y="T41"/>
-                </a:cxn>
-                <a:cxn ang="0">
-                  <a:pos x="T42" y="T43"/>
-                </a:cxn>
-                <a:cxn ang="0">
-                  <a:pos x="T44" y="T45"/>
-                </a:cxn>
-                <a:cxn ang="0">
-                  <a:pos x="T46" y="T47"/>
-                </a:cxn>
-                <a:cxn ang="0">
-                  <a:pos x="T48" y="T49"/>
-                </a:cxn>
-                <a:cxn ang="0">
-                  <a:pos x="T50" y="T51"/>
-                </a:cxn>
-                <a:cxn ang="0">
-                  <a:pos x="T52" y="T53"/>
-                </a:cxn>
-                <a:cxn ang="0">
-                  <a:pos x="T54" y="T55"/>
-                </a:cxn>
-                <a:cxn ang="0">
-                  <a:pos x="T56" y="T57"/>
-                </a:cxn>
-                <a:cxn ang="0">
-                  <a:pos x="T58" y="T59"/>
-                </a:cxn>
-                <a:cxn ang="0">
-                  <a:pos x="T60" y="T61"/>
-                </a:cxn>
-                <a:cxn ang="0">
-                  <a:pos x="T62" y="T63"/>
-                </a:cxn>
-                <a:cxn ang="0">
-                  <a:pos x="T64" y="T65"/>
-                </a:cxn>
-                <a:cxn ang="0">
-                  <a:pos x="T66" y="T67"/>
-                </a:cxn>
-                <a:cxn ang="0">
-                  <a:pos x="T68" y="T69"/>
-                </a:cxn>
-                <a:cxn ang="0">
-                  <a:pos x="T70" y="T71"/>
-                </a:cxn>
-                <a:cxn ang="0">
-                  <a:pos x="T72" y="T73"/>
-                </a:cxn>
-                <a:cxn ang="0">
-                  <a:pos x="T74" y="T75"/>
-                </a:cxn>
-                <a:cxn ang="0">
-                  <a:pos x="T76" y="T77"/>
-                </a:cxn>
-                <a:cxn ang="0">
-                  <a:pos x="T78" y="T79"/>
-                </a:cxn>
-                <a:cxn ang="0">
-                  <a:pos x="T80" y="T81"/>
-                </a:cxn>
-                <a:cxn ang="0">
-                  <a:pos x="T82" y="T83"/>
-                </a:cxn>
-                <a:cxn ang="0">
-                  <a:pos x="T84" y="T85"/>
-                </a:cxn>
-                <a:cxn ang="0">
-                  <a:pos x="T86" y="T87"/>
-                </a:cxn>
-                <a:cxn ang="0">
-                  <a:pos x="T88" y="T89"/>
-                </a:cxn>
-                <a:cxn ang="0">
-                  <a:pos x="T90" y="T91"/>
-                </a:cxn>
-                <a:cxn ang="0">
-                  <a:pos x="T92" y="T93"/>
-                </a:cxn>
-                <a:cxn ang="0">
-                  <a:pos x="T94" y="T95"/>
-                </a:cxn>
-                <a:cxn ang="0">
-                  <a:pos x="T96" y="T97"/>
-                </a:cxn>
-                <a:cxn ang="0">
-                  <a:pos x="T98" y="T99"/>
-                </a:cxn>
-                <a:cxn ang="0">
-                  <a:pos x="T100" y="T101"/>
-                </a:cxn>
-                <a:cxn ang="0">
-                  <a:pos x="T102" y="T103"/>
-                </a:cxn>
-                <a:cxn ang="0">
-                  <a:pos x="T104" y="T105"/>
-                </a:cxn>
-                <a:cxn ang="0">
-                  <a:pos x="T106" y="T107"/>
-                </a:cxn>
-                <a:cxn ang="0">
-                  <a:pos x="T108" y="T109"/>
-                </a:cxn>
-                <a:cxn ang="0">
-                  <a:pos x="T110" y="T111"/>
-                </a:cxn>
-                <a:cxn ang="0">
-                  <a:pos x="T112" y="T113"/>
-                </a:cxn>
-                <a:cxn ang="0">
-                  <a:pos x="T114" y="T115"/>
-                </a:cxn>
-                <a:cxn ang="0">
-                  <a:pos x="T116" y="T117"/>
-                </a:cxn>
-                <a:cxn ang="0">
-                  <a:pos x="T118" y="T119"/>
-                </a:cxn>
-              </a:cxnLst>
-              <a:rect l="0" t="0" r="r" b="b"/>
-              <a:pathLst>
-                <a:path w="484" h="410">
-                  <a:moveTo>
-                    <a:pt x="106" y="172"/>
-                  </a:moveTo>
-                  <a:lnTo>
-                    <a:pt x="106" y="238"/>
-                  </a:lnTo>
-                  <a:cubicBezTo>
-                    <a:pt x="106" y="249"/>
-                    <a:pt x="97" y="258"/>
-                    <a:pt x="86" y="258"/>
-                  </a:cubicBezTo>
-                  <a:lnTo>
-                    <a:pt x="20" y="258"/>
-                  </a:lnTo>
-                  <a:cubicBezTo>
-                    <a:pt x="9" y="258"/>
-                    <a:pt x="0" y="249"/>
-                    <a:pt x="0" y="238"/>
-                  </a:cubicBezTo>
-                  <a:lnTo>
-                    <a:pt x="0" y="172"/>
-                  </a:lnTo>
-                  <a:cubicBezTo>
-                    <a:pt x="0" y="161"/>
-                    <a:pt x="9" y="152"/>
-                    <a:pt x="20" y="152"/>
-                  </a:cubicBezTo>
-                  <a:lnTo>
-                    <a:pt x="86" y="152"/>
-                  </a:lnTo>
-                  <a:cubicBezTo>
-                    <a:pt x="97" y="152"/>
-                    <a:pt x="106" y="161"/>
-                    <a:pt x="106" y="172"/>
-                  </a:cubicBezTo>
-                  <a:close/>
-                  <a:moveTo>
-                    <a:pt x="464" y="152"/>
-                  </a:moveTo>
-                  <a:lnTo>
-                    <a:pt x="177" y="152"/>
-                  </a:lnTo>
-                  <a:lnTo>
-                    <a:pt x="167" y="152"/>
-                  </a:lnTo>
-                  <a:cubicBezTo>
-                    <a:pt x="156" y="152"/>
-                    <a:pt x="147" y="161"/>
-                    <a:pt x="147" y="172"/>
-                  </a:cubicBezTo>
-                  <a:lnTo>
-                    <a:pt x="147" y="238"/>
-                  </a:lnTo>
-                  <a:cubicBezTo>
-                    <a:pt x="147" y="249"/>
-                    <a:pt x="156" y="258"/>
-                    <a:pt x="167" y="258"/>
-                  </a:cubicBezTo>
-                  <a:lnTo>
-                    <a:pt x="177" y="258"/>
-                  </a:lnTo>
-                  <a:lnTo>
-                    <a:pt x="464" y="258"/>
-                  </a:lnTo>
-                  <a:cubicBezTo>
-                    <a:pt x="475" y="258"/>
-                    <a:pt x="484" y="249"/>
-                    <a:pt x="484" y="238"/>
-                  </a:cubicBezTo>
-                  <a:lnTo>
-                    <a:pt x="484" y="172"/>
-                  </a:lnTo>
-                  <a:cubicBezTo>
-                    <a:pt x="484" y="161"/>
-                    <a:pt x="475" y="152"/>
-                    <a:pt x="464" y="152"/>
-                  </a:cubicBezTo>
-                  <a:close/>
-                  <a:moveTo>
-                    <a:pt x="86" y="0"/>
-                  </a:moveTo>
-                  <a:lnTo>
-                    <a:pt x="20" y="0"/>
-                  </a:lnTo>
-                  <a:cubicBezTo>
-                    <a:pt x="9" y="0"/>
-                    <a:pt x="0" y="9"/>
-                    <a:pt x="0" y="20"/>
-                  </a:cubicBezTo>
-                  <a:lnTo>
-                    <a:pt x="0" y="87"/>
-                  </a:lnTo>
-                  <a:cubicBezTo>
-                    <a:pt x="0" y="98"/>
-                    <a:pt x="9" y="107"/>
-                    <a:pt x="20" y="107"/>
-                  </a:cubicBezTo>
-                  <a:lnTo>
-                    <a:pt x="86" y="107"/>
-                  </a:lnTo>
-                  <a:cubicBezTo>
-                    <a:pt x="97" y="107"/>
-                    <a:pt x="106" y="98"/>
-                    <a:pt x="106" y="87"/>
-                  </a:cubicBezTo>
-                  <a:lnTo>
-                    <a:pt x="106" y="20"/>
-                  </a:lnTo>
-                  <a:cubicBezTo>
-                    <a:pt x="106" y="9"/>
-                    <a:pt x="97" y="0"/>
-                    <a:pt x="86" y="0"/>
-                  </a:cubicBezTo>
-                  <a:close/>
-                  <a:moveTo>
-                    <a:pt x="464" y="0"/>
-                  </a:moveTo>
-                  <a:lnTo>
-                    <a:pt x="177" y="0"/>
-                  </a:lnTo>
-                  <a:lnTo>
-                    <a:pt x="167" y="0"/>
-                  </a:lnTo>
-                  <a:cubicBezTo>
-                    <a:pt x="156" y="0"/>
-                    <a:pt x="147" y="9"/>
-                    <a:pt x="147" y="20"/>
-                  </a:cubicBezTo>
-                  <a:lnTo>
-                    <a:pt x="147" y="87"/>
-                  </a:lnTo>
-                  <a:cubicBezTo>
-                    <a:pt x="147" y="98"/>
-                    <a:pt x="156" y="107"/>
-                    <a:pt x="167" y="107"/>
-                  </a:cubicBezTo>
-                  <a:lnTo>
-                    <a:pt x="177" y="107"/>
-                  </a:lnTo>
-                  <a:lnTo>
-                    <a:pt x="464" y="107"/>
-                  </a:lnTo>
-                  <a:cubicBezTo>
-                    <a:pt x="475" y="107"/>
-                    <a:pt x="484" y="98"/>
-                    <a:pt x="484" y="87"/>
-                  </a:cubicBezTo>
-                  <a:lnTo>
-                    <a:pt x="484" y="20"/>
-                  </a:lnTo>
-                  <a:cubicBezTo>
-                    <a:pt x="484" y="9"/>
-                    <a:pt x="475" y="0"/>
-                    <a:pt x="464" y="0"/>
-                  </a:cubicBezTo>
-                  <a:close/>
-                  <a:moveTo>
-                    <a:pt x="86" y="303"/>
-                  </a:moveTo>
-                  <a:lnTo>
-                    <a:pt x="20" y="303"/>
-                  </a:lnTo>
-                  <a:cubicBezTo>
-                    <a:pt x="9" y="303"/>
-                    <a:pt x="0" y="312"/>
-                    <a:pt x="0" y="323"/>
-                  </a:cubicBezTo>
-                  <a:lnTo>
-                    <a:pt x="0" y="390"/>
-                  </a:lnTo>
-                  <a:cubicBezTo>
-                    <a:pt x="0" y="401"/>
-                    <a:pt x="9" y="410"/>
-                    <a:pt x="20" y="410"/>
-                  </a:cubicBezTo>
-                  <a:lnTo>
-                    <a:pt x="86" y="410"/>
-                  </a:lnTo>
-                  <a:cubicBezTo>
-                    <a:pt x="97" y="410"/>
-                    <a:pt x="106" y="401"/>
-                    <a:pt x="106" y="390"/>
-                  </a:cubicBezTo>
-                  <a:lnTo>
-                    <a:pt x="106" y="323"/>
-                  </a:lnTo>
-                  <a:cubicBezTo>
-                    <a:pt x="106" y="312"/>
-                    <a:pt x="97" y="303"/>
-                    <a:pt x="86" y="303"/>
-                  </a:cubicBezTo>
-                  <a:close/>
-                  <a:moveTo>
-                    <a:pt x="464" y="303"/>
-                  </a:moveTo>
-                  <a:lnTo>
-                    <a:pt x="177" y="303"/>
-                  </a:lnTo>
-                  <a:lnTo>
-                    <a:pt x="167" y="303"/>
-                  </a:lnTo>
-                  <a:cubicBezTo>
-                    <a:pt x="156" y="303"/>
-                    <a:pt x="147" y="312"/>
-                    <a:pt x="147" y="323"/>
-                  </a:cubicBezTo>
-                  <a:lnTo>
-                    <a:pt x="147" y="390"/>
-                  </a:lnTo>
-                  <a:cubicBezTo>
-                    <a:pt x="147" y="401"/>
-                    <a:pt x="156" y="410"/>
-                    <a:pt x="167" y="410"/>
-                  </a:cubicBezTo>
-                  <a:lnTo>
-                    <a:pt x="177" y="410"/>
-                  </a:lnTo>
-                  <a:lnTo>
-                    <a:pt x="464" y="410"/>
-                  </a:lnTo>
-                  <a:cubicBezTo>
-                    <a:pt x="475" y="410"/>
-                    <a:pt x="484" y="401"/>
-                    <a:pt x="484" y="390"/>
-                  </a:cubicBezTo>
-                  <a:lnTo>
-                    <a:pt x="484" y="323"/>
-                  </a:lnTo>
-                  <a:cubicBezTo>
-                    <a:pt x="484" y="312"/>
-                    <a:pt x="475" y="303"/>
-                    <a:pt x="464" y="303"/>
-                  </a:cubicBezTo>
-                  <a:close/>
-                </a:path>
-              </a:pathLst>
-            </a:custGeom>
-            <a:solidFill>
-              <a:schemeClr val="bg1">
-                <a:lumMod val="85000"/>
-              </a:schemeClr>
-            </a:solidFill>
-            <a:ln>
-              <a:noFill/>
-            </a:ln>
-          </p:spPr>
-          <p:txBody>
-            <a:bodyPr wrap="square" lIns="91440" tIns="45720" rIns="91440" bIns="45720" anchor="ctr">
-              <a:normAutofit fontScale="85000" lnSpcReduction="20000"/>
-            </a:bodyPr>
-            <a:lstStyle>
-              <a:defPPr>
-                <a:defRPr lang="zh-CN"/>
-              </a:defPPr>
-              <a:lvl1pPr marL="0" algn="l" defTabSz="914400" rtl="0" eaLnBrk="1" latinLnBrk="0" hangingPunct="1">
-                <a:defRPr sz="1800" kern="1200">
-                  <a:solidFill>
-                    <a:schemeClr val="tx1"/>
-                  </a:solidFill>
-                </a:defRPr>
-              </a:lvl1pPr>
-              <a:lvl2pPr marL="457200" algn="l" defTabSz="914400" rtl="0" eaLnBrk="1" latinLnBrk="0" hangingPunct="1">
-                <a:defRPr sz="1800" kern="1200">
-                  <a:solidFill>
-                    <a:schemeClr val="tx1"/>
-                  </a:solidFill>
-                </a:defRPr>
-              </a:lvl2pPr>
-              <a:lvl3pPr marL="914400" algn="l" defTabSz="914400" rtl="0" eaLnBrk="1" latinLnBrk="0" hangingPunct="1">
-                <a:defRPr sz="1800" kern="1200">
-                  <a:solidFill>
-                    <a:schemeClr val="tx1"/>
-                  </a:solidFill>
-                </a:defRPr>
-              </a:lvl3pPr>
-              <a:lvl4pPr marL="1371600" algn="l" defTabSz="914400" rtl="0" eaLnBrk="1" latinLnBrk="0" hangingPunct="1">
-                <a:defRPr sz="1800" kern="1200">
-                  <a:solidFill>
-                    <a:schemeClr val="tx1"/>
-                  </a:solidFill>
-                </a:defRPr>
-              </a:lvl4pPr>
-              <a:lvl5pPr marL="1828800" algn="l" defTabSz="914400" rtl="0" eaLnBrk="1" latinLnBrk="0" hangingPunct="1">
-                <a:defRPr sz="1800" kern="1200">
-                  <a:solidFill>
-                    <a:schemeClr val="tx1"/>
-                  </a:solidFill>
-                </a:defRPr>
-              </a:lvl5pPr>
-              <a:lvl6pPr marL="2286000" algn="l" defTabSz="914400" rtl="0" eaLnBrk="1" latinLnBrk="0" hangingPunct="1">
-                <a:defRPr sz="1800" kern="1200">
-                  <a:solidFill>
-                    <a:schemeClr val="tx1"/>
-                  </a:solidFill>
-                </a:defRPr>
-              </a:lvl6pPr>
-              <a:lvl7pPr marL="2743200" algn="l" defTabSz="914400" rtl="0" eaLnBrk="1" latinLnBrk="0" hangingPunct="1">
-                <a:defRPr sz="1800" kern="1200">
-                  <a:solidFill>
-                    <a:schemeClr val="tx1"/>
-                  </a:solidFill>
-                </a:defRPr>
-              </a:lvl7pPr>
-              <a:lvl8pPr marL="3200400" algn="l" defTabSz="914400" rtl="0" eaLnBrk="1" latinLnBrk="0" hangingPunct="1">
-                <a:defRPr sz="1800" kern="1200">
-                  <a:solidFill>
-                    <a:schemeClr val="tx1"/>
-                  </a:solidFill>
-                </a:defRPr>
-              </a:lvl8pPr>
-              <a:lvl9pPr marL="3657600" algn="l" defTabSz="914400" rtl="0" eaLnBrk="1" latinLnBrk="0" hangingPunct="1">
-                <a:defRPr sz="1800" kern="1200">
-                  <a:solidFill>
-                    <a:schemeClr val="tx1"/>
-                  </a:solidFill>
-                </a:defRPr>
-              </a:lvl9pPr>
-            </a:lstStyle>
-            <a:p>
-              <a:pPr algn="ctr"/>
-              <a:endParaRPr/>
-            </a:p>
-          </p:txBody>
-        </p:sp>
-        <p:cxnSp>
-          <p:nvCxnSpPr>
-            <p:cNvPr id="37" name="直接连接符 36"/>
-            <p:cNvCxnSpPr/>
-            <p:nvPr/>
-          </p:nvCxnSpPr>
-          <p:spPr>
-            <a:xfrm>
-              <a:off x="5828576" y="1309551"/>
-              <a:ext cx="56" cy="1484449"/>
-            </a:xfrm>
-            <a:prstGeom prst="line">
-              <a:avLst/>
-            </a:prstGeom>
-            <a:ln>
-              <a:solidFill>
-                <a:schemeClr val="tx2"/>
-              </a:solidFill>
-            </a:ln>
-          </p:spPr>
-          <p:style>
-            <a:lnRef idx="1">
-              <a:schemeClr val="accent1"/>
-            </a:lnRef>
-            <a:fillRef idx="0">
-              <a:schemeClr val="accent1"/>
-            </a:fillRef>
-            <a:effectRef idx="0">
-              <a:schemeClr val="accent1"/>
-            </a:effectRef>
-            <a:fontRef idx="minor">
-              <a:schemeClr val="tx1"/>
-            </a:fontRef>
-          </p:style>
-        </p:cxnSp>
-        <p:sp>
-          <p:nvSpPr>
-            <p:cNvPr id="38" name="ïṥliďe"/>
-            <p:cNvSpPr/>
-            <p:nvPr/>
-          </p:nvSpPr>
-          <p:spPr bwMode="auto">
-            <a:xfrm>
-              <a:off x="5756569" y="2050673"/>
-              <a:ext cx="144016" cy="144016"/>
-            </a:xfrm>
-            <a:prstGeom prst="ellipse">
-              <a:avLst/>
-            </a:prstGeom>
-            <a:solidFill>
-              <a:schemeClr val="bg1"/>
-            </a:solidFill>
-            <a:ln w="19050" cap="flat" cmpd="sng" algn="ctr">
-              <a:solidFill>
-                <a:schemeClr val="accent1">
-                  <a:lumMod val="100000"/>
-                </a:schemeClr>
-              </a:solidFill>
-              <a:prstDash val="solid"/>
-              <a:round/>
-              <a:headEnd type="none" w="med" len="med"/>
-              <a:tailEnd type="none" w="med" len="med"/>
-            </a:ln>
-          </p:spPr>
-          <p:txBody>
-            <a:bodyPr anchor="ctr"/>
-            <a:lstStyle/>
-            <a:p>
-              <a:pPr algn="ctr"/>
-              <a:endParaRPr/>
-            </a:p>
-          </p:txBody>
-        </p:sp>
-        <p:grpSp>
-          <p:nvGrpSpPr>
-            <p:cNvPr id="43" name="ïŝḻïḋé"/>
-            <p:cNvGrpSpPr/>
-            <p:nvPr/>
-          </p:nvGrpSpPr>
-          <p:grpSpPr>
-            <a:xfrm>
-              <a:off x="4907869" y="1824744"/>
-              <a:ext cx="595872" cy="595872"/>
-              <a:chOff x="5283305" y="1269560"/>
-              <a:chExt cx="595872" cy="595872"/>
-            </a:xfrm>
-          </p:grpSpPr>
-          <p:sp>
-            <p:nvSpPr>
-              <p:cNvPr id="65" name="îś1iďè"/>
-              <p:cNvSpPr/>
-              <p:nvPr/>
-            </p:nvSpPr>
-            <p:spPr bwMode="auto">
-              <a:xfrm rot="2691234">
-                <a:off x="5283305" y="1269560"/>
-                <a:ext cx="595872" cy="595872"/>
-              </a:xfrm>
-              <a:prstGeom prst="teardrop">
-                <a:avLst/>
-              </a:prstGeom>
-              <a:solidFill>
-                <a:schemeClr val="accent1">
-                  <a:lumMod val="100000"/>
-                </a:schemeClr>
-              </a:solidFill>
-              <a:ln w="19050">
-                <a:noFill/>
-                <a:round/>
-              </a:ln>
-            </p:spPr>
-            <p:txBody>
-              <a:bodyPr anchor="ctr"/>
-              <a:lstStyle/>
-              <a:p>
-                <a:pPr algn="ctr"/>
-                <a:endParaRPr/>
-              </a:p>
-            </p:txBody>
-          </p:sp>
-          <p:sp>
-            <p:nvSpPr>
-              <p:cNvPr id="66" name="iṡḻidè"/>
-              <p:cNvSpPr/>
-              <p:nvPr/>
-            </p:nvSpPr>
-            <p:spPr bwMode="auto">
-              <a:xfrm>
-                <a:off x="5298039" y="1280434"/>
-                <a:ext cx="574124" cy="574124"/>
-              </a:xfrm>
-              <a:prstGeom prst="ellipse">
-                <a:avLst/>
-              </a:prstGeom>
-              <a:solidFill>
-                <a:schemeClr val="bg1">
-                  <a:alpha val="0"/>
-                </a:schemeClr>
-              </a:solidFill>
-              <a:ln w="19050">
-                <a:noFill/>
-                <a:round/>
-              </a:ln>
-            </p:spPr>
-            <p:txBody>
-              <a:bodyPr rot="0" spcFirstLastPara="0" vert="horz" wrap="none" lIns="91440" tIns="45720" rIns="91440" bIns="45720" anchor="ctr" anchorCtr="1" forceAA="0" compatLnSpc="1">
-                <a:normAutofit/>
-              </a:bodyPr>
-              <a:lstStyle/>
-              <a:p>
-                <a:pPr algn="ctr"/>
-                <a:r>
-                  <a:rPr lang="en-US" altLang="zh-CN" sz="1600">
-                    <a:solidFill>
-                      <a:schemeClr val="bg1">
-                        <a:lumMod val="100000"/>
-                      </a:schemeClr>
-                    </a:solidFill>
-                    <a:latin typeface="Impact" panose="020B0806030902050204" pitchFamily="34" charset="0"/>
-                  </a:rPr>
-                  <a:t>01</a:t>
-                </a:r>
-              </a:p>
-            </p:txBody>
-          </p:sp>
-        </p:grpSp>
-        <p:sp>
-          <p:nvSpPr>
-            <p:cNvPr id="48" name="išlîḋe"/>
-            <p:cNvSpPr/>
-            <p:nvPr/>
-          </p:nvSpPr>
-          <p:spPr bwMode="auto">
-            <a:xfrm>
-              <a:off x="6096000" y="1900399"/>
-              <a:ext cx="5424485" cy="431406"/>
-            </a:xfrm>
-            <a:prstGeom prst="rect">
-              <a:avLst/>
-            </a:prstGeom>
-            <a:noFill/>
-            <a:ln>
-              <a:noFill/>
-            </a:ln>
-            <a:extLst>
-              <a:ext uri="{909E8E84-426E-40dd-AFC4-6F175D3DCCD1}">
-                <a14:hiddenFill xmlns:a14="http://schemas.microsoft.com/office/drawing/2010/main">
-                  <a:solidFill>
-                    <a:srgbClr val="FFFFFF"/>
-                  </a:solidFill>
-                </a14:hiddenFill>
-              </a:ext>
-              <a:ext uri="{91240B29-F687-4f45-9708-019B960494DF}">
-                <a14:hiddenLine xmlns:a14="http://schemas.microsoft.com/office/drawing/2010/main" w="9525">
-                  <a:solidFill>
-                    <a:srgbClr val="000000"/>
-                  </a:solidFill>
-                  <a:miter lim="800000"/>
-                  <a:headEnd/>
-                  <a:tailEnd/>
-                </a14:hiddenLine>
-              </a:ext>
-            </a:extLst>
-          </p:spPr>
-          <p:txBody>
-            <a:bodyPr wrap="square" lIns="90000" tIns="46800" rIns="90000" bIns="46800" anchor="ctr" anchorCtr="0">
-              <a:noAutofit/>
-            </a:bodyPr>
-            <a:lstStyle>
-              <a:defPPr>
-                <a:defRPr lang="zh-CN"/>
-              </a:defPPr>
-              <a:lvl1pPr marL="0" algn="l" defTabSz="913765" rtl="0" eaLnBrk="1" latinLnBrk="0" hangingPunct="1">
-                <a:defRPr sz="1800" kern="1200">
-                  <a:solidFill>
-                    <a:schemeClr val="tx1"/>
-                  </a:solidFill>
-                </a:defRPr>
-              </a:lvl1pPr>
-              <a:lvl2pPr marL="457200" algn="l" defTabSz="913765" rtl="0" eaLnBrk="1" latinLnBrk="0" hangingPunct="1">
-                <a:defRPr sz="1800" kern="1200">
-                  <a:solidFill>
-                    <a:schemeClr val="tx1"/>
-                  </a:solidFill>
-                </a:defRPr>
-              </a:lvl2pPr>
-              <a:lvl3pPr marL="914400" algn="l" defTabSz="913765" rtl="0" eaLnBrk="1" latinLnBrk="0" hangingPunct="1">
-                <a:defRPr sz="1800" kern="1200">
-                  <a:solidFill>
-                    <a:schemeClr val="tx1"/>
-                  </a:solidFill>
-                </a:defRPr>
-              </a:lvl3pPr>
-              <a:lvl4pPr marL="1371600" algn="l" defTabSz="913765" rtl="0" eaLnBrk="1" latinLnBrk="0" hangingPunct="1">
-                <a:defRPr sz="1800" kern="1200">
-                  <a:solidFill>
-                    <a:schemeClr val="tx1"/>
-                  </a:solidFill>
-                </a:defRPr>
-              </a:lvl4pPr>
-              <a:lvl5pPr marL="1828800" algn="l" defTabSz="913765" rtl="0" eaLnBrk="1" latinLnBrk="0" hangingPunct="1">
-                <a:defRPr sz="1800" kern="1200">
-                  <a:solidFill>
-                    <a:schemeClr val="tx1"/>
-                  </a:solidFill>
-                </a:defRPr>
-              </a:lvl5pPr>
-              <a:lvl6pPr marL="2286000" algn="l" defTabSz="913765" rtl="0" eaLnBrk="1" latinLnBrk="0" hangingPunct="1">
-                <a:defRPr sz="1800" kern="1200">
-                  <a:solidFill>
-                    <a:schemeClr val="tx1"/>
-                  </a:solidFill>
-                </a:defRPr>
-              </a:lvl6pPr>
-              <a:lvl7pPr marL="2743200" algn="l" defTabSz="913765" rtl="0" eaLnBrk="1" latinLnBrk="0" hangingPunct="1">
-                <a:defRPr sz="1800" kern="1200">
-                  <a:solidFill>
-                    <a:schemeClr val="tx1"/>
-                  </a:solidFill>
-                </a:defRPr>
-              </a:lvl7pPr>
-              <a:lvl8pPr marL="3200400" algn="l" defTabSz="913765" rtl="0" eaLnBrk="1" latinLnBrk="0" hangingPunct="1">
-                <a:defRPr sz="1800" kern="1200">
-                  <a:solidFill>
-                    <a:schemeClr val="tx1"/>
-                  </a:solidFill>
-                </a:defRPr>
-              </a:lvl8pPr>
-              <a:lvl9pPr marL="3657600" algn="l" defTabSz="913765" rtl="0" eaLnBrk="1" latinLnBrk="0" hangingPunct="1">
-                <a:defRPr sz="1800" kern="1200">
-                  <a:solidFill>
-                    <a:schemeClr val="tx1"/>
-                  </a:solidFill>
-                </a:defRPr>
-              </a:lvl9pPr>
-            </a:lstStyle>
-            <a:p>
-              <a:pPr>
-                <a:lnSpc>
-                  <a:spcPct val="120000"/>
-                </a:lnSpc>
-              </a:pPr>
-              <a:r>
-                <a:rPr lang="zh-CN" altLang="zh-CN" sz="2400" dirty="0" smtClean="0"/>
-                <a:t>S</a:t>
-              </a:r>
-              <a:r>
-                <a:rPr lang="en-US" altLang="zh-CN" sz="2400" dirty="0" smtClean="0"/>
-                <a:t>eq2Seq + Attention</a:t>
-              </a:r>
-              <a:endParaRPr lang="en-US" altLang="zh-CN" sz="2400" dirty="0"/>
-            </a:p>
-          </p:txBody>
-        </p:sp>
-      </p:grpSp>
-      <p:pic>
-        <p:nvPicPr>
-          <p:cNvPr id="2" name="图片 1" descr="100_100"/>
-          <p:cNvPicPr>
-            <a:picLocks noChangeAspect="1"/>
-          </p:cNvPicPr>
-          <p:nvPr/>
-        </p:nvPicPr>
-        <p:blipFill>
-          <a:blip r:embed="rId4"/>
-          <a:stretch>
-            <a:fillRect/>
-          </a:stretch>
-        </p:blipFill>
-        <p:spPr>
-          <a:xfrm>
-            <a:off x="479425" y="5860415"/>
-            <a:ext cx="952500" cy="952500"/>
-          </a:xfrm>
-          <a:prstGeom prst="rect">
-            <a:avLst/>
-          </a:prstGeom>
-        </p:spPr>
-      </p:pic>
-      <p:sp>
-        <p:nvSpPr>
-          <p:cNvPr id="4" name="文本框 3"/>
-          <p:cNvSpPr txBox="1"/>
-          <p:nvPr userDrawn="1"/>
-        </p:nvSpPr>
-        <p:spPr>
-          <a:xfrm>
-            <a:off x="9568180" y="6277610"/>
-            <a:ext cx="2395220" cy="245110"/>
-          </a:xfrm>
-          <a:prstGeom prst="rect">
-            <a:avLst/>
-          </a:prstGeom>
-          <a:noFill/>
-        </p:spPr>
-        <p:txBody>
-          <a:bodyPr wrap="square" rtlCol="0">
-            <a:spAutoFit/>
-          </a:bodyPr>
-          <a:lstStyle/>
-          <a:p>
-            <a:pPr algn="r"/>
-            <a:r>
-              <a:rPr lang="zh-CN" altLang="en-US" sz="1000">
-                <a:solidFill>
-                  <a:schemeClr val="tx2"/>
-                </a:solidFill>
-                <a:latin typeface="HelveticaNeueLT Std Thin" panose="020B0403020202020204" charset="0"/>
-                <a:cs typeface="HelveticaNeueLT Std Thin" panose="020B0403020202020204" charset="0"/>
-              </a:rPr>
-              <a:t>julyedu.com</a:t>
-            </a:r>
-          </a:p>
-        </p:txBody>
-      </p:sp>
-      <p:sp>
-        <p:nvSpPr>
-          <p:cNvPr id="5" name="页脚占位符 2"/>
-          <p:cNvSpPr>
-            <a:spLocks noGrp="1"/>
-          </p:cNvSpPr>
-          <p:nvPr/>
-        </p:nvSpPr>
-        <p:spPr>
-          <a:xfrm>
-            <a:off x="1431924" y="6233478"/>
-            <a:ext cx="4140201" cy="206381"/>
-          </a:xfrm>
-        </p:spPr>
-        <p:txBody>
-          <a:bodyPr/>
-          <a:lstStyle>
-            <a:defPPr>
-              <a:defRPr lang="zh-CN"/>
-            </a:defPPr>
-            <a:lvl1pPr marL="0" algn="l" defTabSz="913765" rtl="0" eaLnBrk="1" latinLnBrk="0" hangingPunct="1">
-              <a:defRPr sz="1800" kern="1200">
-                <a:solidFill>
-                  <a:schemeClr val="tx1"/>
-                </a:solidFill>
-                <a:latin typeface="+mn-lt"/>
-                <a:ea typeface="+mn-ea"/>
-                <a:cs typeface="+mn-cs"/>
-              </a:defRPr>
-            </a:lvl1pPr>
-            <a:lvl2pPr marL="457200" algn="l" defTabSz="913765" rtl="0" eaLnBrk="1" latinLnBrk="0" hangingPunct="1">
-              <a:defRPr sz="1800" kern="1200">
-                <a:solidFill>
-                  <a:schemeClr val="tx1"/>
-                </a:solidFill>
-                <a:latin typeface="+mn-lt"/>
-                <a:ea typeface="+mn-ea"/>
-                <a:cs typeface="+mn-cs"/>
-              </a:defRPr>
-            </a:lvl2pPr>
-            <a:lvl3pPr marL="914400" algn="l" defTabSz="913765" rtl="0" eaLnBrk="1" latinLnBrk="0" hangingPunct="1">
-              <a:defRPr sz="1800" kern="1200">
-                <a:solidFill>
-                  <a:schemeClr val="tx1"/>
-                </a:solidFill>
-                <a:latin typeface="+mn-lt"/>
-                <a:ea typeface="+mn-ea"/>
-                <a:cs typeface="+mn-cs"/>
-              </a:defRPr>
-            </a:lvl3pPr>
-            <a:lvl4pPr marL="1371600" algn="l" defTabSz="913765" rtl="0" eaLnBrk="1" latinLnBrk="0" hangingPunct="1">
-              <a:defRPr sz="1800" kern="1200">
-                <a:solidFill>
-                  <a:schemeClr val="tx1"/>
-                </a:solidFill>
-                <a:latin typeface="+mn-lt"/>
-                <a:ea typeface="+mn-ea"/>
-                <a:cs typeface="+mn-cs"/>
-              </a:defRPr>
-            </a:lvl4pPr>
-            <a:lvl5pPr marL="1828800" algn="l" defTabSz="913765" rtl="0" eaLnBrk="1" latinLnBrk="0" hangingPunct="1">
-              <a:defRPr sz="1800" kern="1200">
-                <a:solidFill>
-                  <a:schemeClr val="tx1"/>
-                </a:solidFill>
-                <a:latin typeface="+mn-lt"/>
-                <a:ea typeface="+mn-ea"/>
-                <a:cs typeface="+mn-cs"/>
-              </a:defRPr>
-            </a:lvl5pPr>
-            <a:lvl6pPr marL="2286000" algn="l" defTabSz="913765" rtl="0" eaLnBrk="1" latinLnBrk="0" hangingPunct="1">
-              <a:defRPr sz="1800" kern="1200">
-                <a:solidFill>
-                  <a:schemeClr val="tx1"/>
-                </a:solidFill>
-                <a:latin typeface="+mn-lt"/>
-                <a:ea typeface="+mn-ea"/>
-                <a:cs typeface="+mn-cs"/>
-              </a:defRPr>
-            </a:lvl6pPr>
-            <a:lvl7pPr marL="2743200" algn="l" defTabSz="913765" rtl="0" eaLnBrk="1" latinLnBrk="0" hangingPunct="1">
-              <a:defRPr sz="1800" kern="1200">
-                <a:solidFill>
-                  <a:schemeClr val="tx1"/>
-                </a:solidFill>
-                <a:latin typeface="+mn-lt"/>
-                <a:ea typeface="+mn-ea"/>
-                <a:cs typeface="+mn-cs"/>
-              </a:defRPr>
-            </a:lvl7pPr>
-            <a:lvl8pPr marL="3200400" algn="l" defTabSz="913765" rtl="0" eaLnBrk="1" latinLnBrk="0" hangingPunct="1">
-              <a:defRPr sz="1800" kern="1200">
-                <a:solidFill>
-                  <a:schemeClr val="tx1"/>
-                </a:solidFill>
-                <a:latin typeface="+mn-lt"/>
-                <a:ea typeface="+mn-ea"/>
-                <a:cs typeface="+mn-cs"/>
-              </a:defRPr>
-            </a:lvl8pPr>
-            <a:lvl9pPr marL="3657600" algn="l" defTabSz="913765" rtl="0" eaLnBrk="1" latinLnBrk="0" hangingPunct="1">
-              <a:defRPr sz="1800" kern="1200">
-                <a:solidFill>
-                  <a:schemeClr val="tx1"/>
-                </a:solidFill>
-                <a:latin typeface="+mn-lt"/>
-                <a:ea typeface="+mn-ea"/>
-                <a:cs typeface="+mn-cs"/>
-              </a:defRPr>
-            </a:lvl9pPr>
-          </a:lstStyle>
-          <a:p>
-            <a:r>
-              <a:rPr lang="zh-CN" altLang="en-US" sz="1000" dirty="0">
-                <a:solidFill>
-                  <a:schemeClr val="tx2"/>
-                </a:solidFill>
-                <a:sym typeface="+mn-ea"/>
-              </a:rPr>
-              <a:t>推荐系统实战课程</a:t>
-            </a:r>
-            <a:endParaRPr lang="zh-CN" altLang="en-US" sz="1000" dirty="0">
-              <a:solidFill>
-                <a:schemeClr val="tx2"/>
-              </a:solidFill>
-            </a:endParaRPr>
-          </a:p>
-        </p:txBody>
-      </p:sp>
-    </p:spTree>
-  </p:cSld>
-  <p:clrMapOvr>
-    <a:masterClrMapping/>
-  </p:clrMapOvr>
-  <p:timing>
-    <p:tnLst>
-      <p:par>
-        <p:cTn xmlns:p14="http://schemas.microsoft.com/office/powerpoint/2010/main" id="1" dur="indefinite" restart="never" nodeType="tmRoot"/>
-      </p:par>
-    </p:tnLst>
-  </p:timing>
-</p:sld>
-</file>
-
-<file path=ppt/slides/slide3.xml><?xml version="1.0" encoding="utf-8"?>
-<p:sld xmlns:a="http://schemas.openxmlformats.org/drawingml/2006/main" xmlns:r="http://schemas.openxmlformats.org/officeDocument/2006/relationships" xmlns:p="http://schemas.openxmlformats.org/presentationml/2006/main">
-  <p:cSld>
-    <p:spTree>
-      <p:nvGrpSpPr>
-        <p:cNvPr id="1" name=""/>
-        <p:cNvGrpSpPr/>
-        <p:nvPr/>
-      </p:nvGrpSpPr>
-      <p:grpSpPr>
-        <a:xfrm>
-          <a:off x="0" y="0"/>
-          <a:ext cx="0" cy="0"/>
-          <a:chOff x="0" y="0"/>
-          <a:chExt cx="0" cy="0"/>
-        </a:xfrm>
-      </p:grpSpPr>
-      <p:sp>
-        <p:nvSpPr>
-          <p:cNvPr id="12" name="标题 4"/>
-          <p:cNvSpPr>
-            <a:spLocks noGrp="1"/>
-          </p:cNvSpPr>
-          <p:nvPr>
-            <p:ph type="title"/>
-          </p:nvPr>
-        </p:nvSpPr>
-        <p:spPr/>
-        <p:txBody>
-          <a:bodyPr/>
-          <a:lstStyle/>
-          <a:p>
-            <a:r>
-              <a:rPr lang="en-US" altLang="zh-CN" dirty="0" smtClean="0"/>
-              <a:t>Seq2Seq + Attention</a:t>
-            </a:r>
-            <a:endParaRPr lang="zh-CN" altLang="en-US" dirty="0"/>
-          </a:p>
-        </p:txBody>
-      </p:sp>
-      <p:sp>
-        <p:nvSpPr>
-          <p:cNvPr id="13" name="文本占位符 5"/>
-          <p:cNvSpPr>
-            <a:spLocks noGrp="1"/>
-          </p:cNvSpPr>
-          <p:nvPr>
-            <p:ph type="body" idx="1"/>
-          </p:nvPr>
-        </p:nvSpPr>
-        <p:spPr>
-          <a:xfrm>
-            <a:off x="6027447" y="3876675"/>
-            <a:ext cx="5229104" cy="1015623"/>
-          </a:xfrm>
-        </p:spPr>
-        <p:txBody>
-          <a:bodyPr/>
-          <a:lstStyle/>
-          <a:p>
-            <a:pPr lvl="0"/>
-            <a:r>
-              <a:rPr lang="en-US" altLang="zh-CN" dirty="0"/>
-              <a:t>Supporting text here.</a:t>
-            </a:r>
-          </a:p>
-          <a:p>
-            <a:pPr lvl="0"/>
-            <a:r>
-              <a:rPr lang="en-US" altLang="zh-CN" dirty="0"/>
-              <a:t>When you copy &amp; paste, choose "keep text only" option.</a:t>
-            </a:r>
-            <a:endParaRPr lang="zh-CN" altLang="en-US" dirty="0"/>
-          </a:p>
-        </p:txBody>
-      </p:sp>
-      <p:cxnSp>
-        <p:nvCxnSpPr>
-          <p:cNvPr id="18" name="直接连接符 17"/>
-          <p:cNvCxnSpPr/>
-          <p:nvPr/>
-        </p:nvCxnSpPr>
-        <p:spPr>
-          <a:xfrm>
-            <a:off x="5867400" y="3473450"/>
-            <a:ext cx="0" cy="996950"/>
-          </a:xfrm>
-          <a:prstGeom prst="line">
-            <a:avLst/>
-          </a:prstGeom>
-          <a:ln w="12700">
-            <a:solidFill>
-              <a:schemeClr val="bg1"/>
-            </a:solidFill>
-          </a:ln>
-        </p:spPr>
-        <p:style>
-          <a:lnRef idx="1">
-            <a:schemeClr val="accent1"/>
-          </a:lnRef>
-          <a:fillRef idx="0">
-            <a:schemeClr val="accent1"/>
-          </a:fillRef>
-          <a:effectRef idx="0">
-            <a:schemeClr val="accent1"/>
-          </a:effectRef>
-          <a:fontRef idx="minor">
-            <a:schemeClr val="tx1"/>
-          </a:fontRef>
-        </p:style>
-      </p:cxnSp>
-      <p:sp>
-        <p:nvSpPr>
-          <p:cNvPr id="21" name="文本框 20"/>
-          <p:cNvSpPr txBox="1"/>
-          <p:nvPr/>
-        </p:nvSpPr>
-        <p:spPr>
-          <a:xfrm>
-            <a:off x="4483100" y="3483598"/>
-            <a:ext cx="1022345" cy="993152"/>
-          </a:xfrm>
-          <a:prstGeom prst="rect">
-            <a:avLst/>
-          </a:prstGeom>
-          <a:noFill/>
-          <a:ln w="117475">
-            <a:noFill/>
-          </a:ln>
-        </p:spPr>
-        <p:txBody>
-          <a:bodyPr wrap="none" rtlCol="0">
-            <a:prstTxWarp prst="textPlain">
-              <a:avLst/>
-            </a:prstTxWarp>
-            <a:spAutoFit/>
-          </a:bodyPr>
-          <a:lstStyle/>
-          <a:p>
-            <a:r>
-              <a:rPr lang="en-US" altLang="zh-CN" spc="100" dirty="0">
-                <a:solidFill>
-                  <a:schemeClr val="bg1"/>
-                </a:solidFill>
-                <a:latin typeface="Impact" panose="020B0806030902050204" pitchFamily="34" charset="0"/>
-                <a:cs typeface="Arial" panose="020B0604020202020204" pitchFamily="34" charset="0"/>
-              </a:rPr>
-              <a:t>01</a:t>
-            </a:r>
-            <a:endParaRPr lang="zh-CN" altLang="en-US" spc="100" dirty="0">
-              <a:solidFill>
-                <a:schemeClr val="bg1"/>
-              </a:solidFill>
-              <a:latin typeface="Impact" panose="020B0806030902050204" pitchFamily="34" charset="0"/>
-              <a:cs typeface="Arial" panose="020B0604020202020204" pitchFamily="34" charset="0"/>
-            </a:endParaRPr>
-          </a:p>
-        </p:txBody>
-      </p:sp>
-    </p:spTree>
-  </p:cSld>
-  <p:clrMapOvr>
-    <a:masterClrMapping/>
-  </p:clrMapOvr>
-  <p:timing>
-    <p:tnLst>
-      <p:par>
-        <p:cTn xmlns:p14="http://schemas.microsoft.com/office/powerpoint/2010/main" id="1" dur="indefinite" restart="never" nodeType="tmRoot"/>
-      </p:par>
-    </p:tnLst>
-  </p:timing>
-</p:sld>
-</file>
-
-<file path=ppt/slides/slide4.xml><?xml version="1.0" encoding="utf-8"?>
+<file path=ppt/slides/slide10.xml><?xml version="1.0" encoding="utf-8"?>
 <p:sld xmlns:a="http://schemas.openxmlformats.org/drawingml/2006/main" xmlns:r="http://schemas.openxmlformats.org/officeDocument/2006/relationships" xmlns:p="http://schemas.openxmlformats.org/presentationml/2006/main">
   <p:cSld>
     <p:spTree>
@@ -4613,12 +3307,8 @@
           <a:lstStyle/>
           <a:p>
             <a:r>
-              <a:rPr lang="en-US" altLang="zh-CN" dirty="0" smtClean="0"/>
-              <a:t>Encoder Decoder</a:t>
-            </a:r>
-            <a:r>
-              <a:rPr lang="zh-CN" altLang="en-US" dirty="0" smtClean="0"/>
-              <a:t>模型</a:t>
+              <a:rPr lang="en-US" dirty="0" smtClean="0"/>
+              <a:t>Dialogue 数据集</a:t>
             </a:r>
             <a:endParaRPr lang="en-US" dirty="0"/>
           </a:p>
@@ -4641,141 +3331,132 @@
           <a:p>
             <a:fld id="{5DD3DB80-B894-403A-B48E-6FDC1A72010E}" type="slidenum">
               <a:rPr lang="zh-CN" altLang="en-US" smtClean="0"/>
-              <a:t>4</a:t>
+              <a:t>10</a:t>
             </a:fld>
             <a:endParaRPr lang="zh-CN" altLang="en-US"/>
           </a:p>
         </p:txBody>
       </p:sp>
-      <p:pic>
-        <p:nvPicPr>
-          <p:cNvPr id="4" name="Picture 3"/>
-          <p:cNvPicPr>
-            <a:picLocks noChangeAspect="1"/>
-          </p:cNvPicPr>
+      <p:sp>
+        <p:nvSpPr>
+          <p:cNvPr id="4" name="Rectangle 3"/>
+          <p:cNvSpPr/>
           <p:nvPr/>
-        </p:nvPicPr>
-        <p:blipFill>
-          <a:blip r:embed="rId2"/>
-          <a:stretch>
-            <a:fillRect/>
-          </a:stretch>
-        </p:blipFill>
+        </p:nvSpPr>
         <p:spPr>
           <a:xfrm>
-            <a:off x="6016458" y="543426"/>
-            <a:ext cx="5600700" cy="5651500"/>
+            <a:off x="634964" y="1210585"/>
+            <a:ext cx="9733073" cy="3785652"/>
           </a:xfrm>
           <a:prstGeom prst="rect">
             <a:avLst/>
           </a:prstGeom>
         </p:spPr>
-      </p:pic>
-      <p:sp>
-        <p:nvSpPr>
-          <p:cNvPr id="5" name="TextBox 4"/>
-          <p:cNvSpPr txBox="1"/>
-          <p:nvPr/>
-        </p:nvSpPr>
-        <p:spPr>
-          <a:xfrm>
-            <a:off x="735263" y="1737895"/>
-            <a:ext cx="4959684" cy="3785652"/>
-          </a:xfrm>
-          <a:prstGeom prst="rect">
-            <a:avLst/>
-          </a:prstGeom>
-          <a:noFill/>
-        </p:spPr>
         <p:txBody>
-          <a:bodyPr wrap="square" rtlCol="0">
+          <a:bodyPr wrap="square">
             <a:spAutoFit/>
           </a:bodyPr>
           <a:lstStyle/>
           <a:p>
-            <a:pPr marL="285750" indent="-285750">
-              <a:buFontTx/>
-              <a:buChar char="-"/>
-            </a:pPr>
+            <a:r>
+              <a:rPr lang="en-US" sz="2400" dirty="0">
+                <a:hlinkClick r:id="rId2"/>
+              </a:rPr>
+              <a:t>https://github.com/jfainberg/</a:t>
+            </a:r>
+            <a:r>
+              <a:rPr lang="en-US" sz="2400" dirty="0" smtClean="0">
+                <a:hlinkClick r:id="rId2"/>
+              </a:rPr>
+              <a:t>self_dialogue_corpus</a:t>
+            </a:r>
+            <a:endParaRPr lang="en-US" sz="2400" dirty="0" smtClean="0"/>
+          </a:p>
+          <a:p>
+            <a:r>
+              <a:rPr lang="en-US" sz="2400" dirty="0">
+                <a:hlinkClick r:id="rId3"/>
+              </a:rPr>
+              <a:t>https://www.cs.cornell.edu/~cristian/Cornell_Movie-</a:t>
+            </a:r>
+            <a:r>
+              <a:rPr lang="en-US" sz="2400" dirty="0" smtClean="0">
+                <a:hlinkClick r:id="rId3"/>
+              </a:rPr>
+              <a:t>Dialogs_Corpus.html</a:t>
+            </a:r>
+            <a:endParaRPr lang="en-US" sz="2400" dirty="0" smtClean="0"/>
+          </a:p>
+          <a:p>
+            <a:r>
+              <a:rPr lang="en-US" sz="2400" dirty="0">
+                <a:hlinkClick r:id="rId4"/>
+              </a:rPr>
+              <a:t>https://github.com/rkadlec/ubuntu-ranking-dataset-</a:t>
+            </a:r>
+            <a:r>
+              <a:rPr lang="en-US" sz="2400" dirty="0" smtClean="0">
+                <a:hlinkClick r:id="rId4"/>
+              </a:rPr>
+              <a:t>creator</a:t>
+            </a:r>
+            <a:endParaRPr lang="en-US" sz="2400" dirty="0" smtClean="0"/>
+          </a:p>
+          <a:p>
+            <a:r>
+              <a:rPr lang="en-US" sz="2400" dirty="0">
+                <a:hlinkClick r:id="rId5"/>
+              </a:rPr>
+              <a:t>https://github.com/Phylliida/Dialogue-</a:t>
+            </a:r>
+            <a:r>
+              <a:rPr lang="en-US" sz="2400" dirty="0" smtClean="0">
+                <a:hlinkClick r:id="rId5"/>
+              </a:rPr>
+              <a:t>Datasets</a:t>
+            </a:r>
+            <a:endParaRPr lang="en-US" sz="2400" dirty="0" smtClean="0"/>
+          </a:p>
+          <a:p>
+            <a:endParaRPr lang="en-US" sz="2400" dirty="0" smtClean="0"/>
+          </a:p>
+          <a:p>
+            <a:endParaRPr lang="en-US" sz="2400" dirty="0"/>
+          </a:p>
+          <a:p>
+            <a:r>
+              <a:rPr lang="zh-CN" altLang="en-US" sz="2400" dirty="0" smtClean="0"/>
+              <a:t>同学们可以尝试使用</a:t>
+            </a:r>
             <a:r>
               <a:rPr lang="en-US" altLang="zh-CN" sz="2400" dirty="0" smtClean="0"/>
-              <a:t>Encoder </a:t>
+              <a:t>Seq2Seq</a:t>
             </a:r>
             <a:r>
               <a:rPr lang="zh-CN" altLang="en-US" sz="2400" dirty="0" smtClean="0"/>
-              <a:t>是一个 </a:t>
+              <a:t> </a:t>
             </a:r>
             <a:r>
               <a:rPr lang="en-US" altLang="zh-CN" sz="2400" dirty="0" smtClean="0"/>
-              <a:t>GRU</a:t>
-            </a:r>
-          </a:p>
-          <a:p>
-            <a:pPr marL="285750" indent="-285750">
-              <a:buFontTx/>
-              <a:buChar char="-"/>
-            </a:pPr>
+              <a:t>+ Attention</a:t>
+            </a:r>
+            <a:r>
+              <a:rPr lang="zh-CN" altLang="en-US" sz="2400" dirty="0" smtClean="0"/>
+              <a:t>模型训练这些</a:t>
+            </a:r>
             <a:r>
               <a:rPr lang="zh-CN" altLang="zh-CN" sz="2400" dirty="0" smtClean="0"/>
               <a:t>D</a:t>
             </a:r>
             <a:r>
               <a:rPr lang="en-US" altLang="zh-CN" sz="2400" dirty="0" err="1" smtClean="0"/>
-              <a:t>ecoder</a:t>
+              <a:t>ialogue</a:t>
             </a:r>
             <a:r>
               <a:rPr lang="zh-CN" altLang="en-US" sz="2400" dirty="0" smtClean="0"/>
-              <a:t> 也是一个</a:t>
-            </a:r>
-            <a:r>
-              <a:rPr lang="en-US" altLang="zh-CN" sz="2400" dirty="0" smtClean="0"/>
-              <a:t>GRU</a:t>
-            </a:r>
-          </a:p>
-          <a:p>
-            <a:pPr marL="285750" indent="-285750">
-              <a:buFontTx/>
-              <a:buChar char="-"/>
-            </a:pPr>
-            <a:r>
-              <a:rPr lang="zh-CN" altLang="en-US" sz="2400" dirty="0" smtClean="0"/>
-              <a:t>训练采用</a:t>
-            </a:r>
-            <a:r>
-              <a:rPr lang="en-US" altLang="zh-CN" sz="2400" dirty="0" smtClean="0"/>
-              <a:t>cross entropy loss</a:t>
-            </a:r>
-            <a:r>
-              <a:rPr lang="zh-CN" altLang="en-US" sz="2400" dirty="0" smtClean="0"/>
-              <a:t>，与语言模型类似</a:t>
-            </a:r>
-            <a:endParaRPr lang="en-US" altLang="zh-CN" sz="2400" dirty="0"/>
-          </a:p>
-          <a:p>
-            <a:pPr marL="285750" indent="-285750">
-              <a:buFontTx/>
-              <a:buChar char="-"/>
-            </a:pPr>
-            <a:endParaRPr lang="en-US" altLang="zh-CN" sz="2400" dirty="0" smtClean="0"/>
-          </a:p>
-          <a:p>
-            <a:pPr marL="285750" indent="-285750">
-              <a:buFontTx/>
-              <a:buChar char="-"/>
-            </a:pPr>
-            <a:r>
-              <a:rPr lang="zh-CN" altLang="en-US" sz="2400" dirty="0" smtClean="0"/>
-              <a:t>图片来自</a:t>
-            </a:r>
-            <a:r>
-              <a:rPr lang="en-US" altLang="zh-CN" sz="2400" dirty="0" smtClean="0"/>
-              <a:t>Cho et. </a:t>
-            </a:r>
-            <a:r>
-              <a:rPr lang="en-US" altLang="zh-CN" sz="2400" dirty="0"/>
-              <a:t>al, Learning Phrase Representations using RNN Encoder-Decoder for Statistical Machine Translation</a:t>
-            </a:r>
-            <a:endParaRPr lang="en-US" altLang="zh-CN" sz="2400" dirty="0" smtClean="0"/>
+              <a:t>数据集，并观察模型的训练效果。</a:t>
+            </a:r>
+            <a:endParaRPr lang="en-US" sz="2400" dirty="0"/>
           </a:p>
           <a:p>
             <a:endParaRPr lang="en-US" sz="2400" dirty="0"/>
@@ -4785,7 +3466,7 @@
     </p:spTree>
     <p:extLst>
       <p:ext uri="{BB962C8B-B14F-4D97-AF65-F5344CB8AC3E}">
-        <p14:creationId xmlns:p14="http://schemas.microsoft.com/office/powerpoint/2010/main" val="3399878131"/>
+        <p14:creationId xmlns:p14="http://schemas.microsoft.com/office/powerpoint/2010/main" val="81520394"/>
       </p:ext>
     </p:extLst>
   </p:cSld>
@@ -4795,460 +3476,7 @@
 </p:sld>
 </file>
 
-<file path=ppt/slides/slide5.xml><?xml version="1.0" encoding="utf-8"?>
-<p:sld xmlns:a="http://schemas.openxmlformats.org/drawingml/2006/main" xmlns:r="http://schemas.openxmlformats.org/officeDocument/2006/relationships" xmlns:p="http://schemas.openxmlformats.org/presentationml/2006/main">
-  <p:cSld>
-    <p:spTree>
-      <p:nvGrpSpPr>
-        <p:cNvPr id="1" name=""/>
-        <p:cNvGrpSpPr/>
-        <p:nvPr/>
-      </p:nvGrpSpPr>
-      <p:grpSpPr>
-        <a:xfrm>
-          <a:off x="0" y="0"/>
-          <a:ext cx="0" cy="0"/>
-          <a:chOff x="0" y="0"/>
-          <a:chExt cx="0" cy="0"/>
-        </a:xfrm>
-      </p:grpSpPr>
-      <p:sp>
-        <p:nvSpPr>
-          <p:cNvPr id="2" name="Title 1"/>
-          <p:cNvSpPr>
-            <a:spLocks noGrp="1"/>
-          </p:cNvSpPr>
-          <p:nvPr>
-            <p:ph type="title"/>
-          </p:nvPr>
-        </p:nvSpPr>
-        <p:spPr/>
-        <p:txBody>
-          <a:bodyPr/>
-          <a:lstStyle/>
-          <a:p>
-            <a:r>
-              <a:rPr lang="en-US" dirty="0" smtClean="0"/>
-              <a:t>Ba</a:t>
-            </a:r>
-            <a:r>
-              <a:rPr lang="zh-CN" altLang="zh-CN" dirty="0" smtClean="0"/>
-              <a:t>h</a:t>
-            </a:r>
-            <a:r>
-              <a:rPr lang="en-US" altLang="zh-CN" dirty="0" err="1" smtClean="0"/>
-              <a:t>danau</a:t>
-            </a:r>
-            <a:r>
-              <a:rPr lang="en-US" altLang="zh-CN" dirty="0" smtClean="0"/>
-              <a:t> Attention</a:t>
-            </a:r>
-            <a:endParaRPr lang="en-US" dirty="0"/>
-          </a:p>
-        </p:txBody>
-      </p:sp>
-      <p:sp>
-        <p:nvSpPr>
-          <p:cNvPr id="3" name="Slide Number Placeholder 2"/>
-          <p:cNvSpPr>
-            <a:spLocks noGrp="1"/>
-          </p:cNvSpPr>
-          <p:nvPr>
-            <p:ph type="sldNum" sz="quarter" idx="12"/>
-          </p:nvPr>
-        </p:nvSpPr>
-        <p:spPr/>
-        <p:txBody>
-          <a:bodyPr/>
-          <a:lstStyle/>
-          <a:p>
-            <a:fld id="{5DD3DB80-B894-403A-B48E-6FDC1A72010E}" type="slidenum">
-              <a:rPr lang="zh-CN" altLang="en-US" smtClean="0"/>
-              <a:t>5</a:t>
-            </a:fld>
-            <a:endParaRPr lang="zh-CN" altLang="en-US"/>
-          </a:p>
-        </p:txBody>
-      </p:sp>
-      <p:pic>
-        <p:nvPicPr>
-          <p:cNvPr id="4" name="Picture 3"/>
-          <p:cNvPicPr>
-            <a:picLocks noChangeAspect="1"/>
-          </p:cNvPicPr>
-          <p:nvPr/>
-        </p:nvPicPr>
-        <p:blipFill>
-          <a:blip r:embed="rId2"/>
-          <a:stretch>
-            <a:fillRect/>
-          </a:stretch>
-        </p:blipFill>
-        <p:spPr>
-          <a:xfrm>
-            <a:off x="6716963" y="1016001"/>
-            <a:ext cx="3771900" cy="4826000"/>
-          </a:xfrm>
-          <a:prstGeom prst="rect">
-            <a:avLst/>
-          </a:prstGeom>
-        </p:spPr>
-      </p:pic>
-      <p:sp>
-        <p:nvSpPr>
-          <p:cNvPr id="5" name="TextBox 4"/>
-          <p:cNvSpPr txBox="1"/>
-          <p:nvPr/>
-        </p:nvSpPr>
-        <p:spPr>
-          <a:xfrm>
-            <a:off x="735263" y="1483895"/>
-            <a:ext cx="4906211" cy="830997"/>
-          </a:xfrm>
-          <a:prstGeom prst="rect">
-            <a:avLst/>
-          </a:prstGeom>
-          <a:noFill/>
-        </p:spPr>
-        <p:txBody>
-          <a:bodyPr wrap="square" rtlCol="0">
-            <a:spAutoFit/>
-          </a:bodyPr>
-          <a:lstStyle/>
-          <a:p>
-            <a:pPr marL="285750" indent="-285750">
-              <a:buFontTx/>
-              <a:buChar char="-"/>
-            </a:pPr>
-            <a:r>
-              <a:rPr lang="en-US" altLang="zh-CN" sz="2400" dirty="0" smtClean="0"/>
-              <a:t>Encoder</a:t>
-            </a:r>
-            <a:r>
-              <a:rPr lang="zh-CN" altLang="en-US" sz="2400" dirty="0" smtClean="0"/>
-              <a:t>是一个双向</a:t>
-            </a:r>
-            <a:r>
-              <a:rPr lang="zh-CN" altLang="zh-CN" sz="2400" dirty="0" smtClean="0"/>
-              <a:t>R</a:t>
-            </a:r>
-            <a:r>
-              <a:rPr lang="en-US" altLang="zh-CN" sz="2400" dirty="0" smtClean="0"/>
-              <a:t>NN</a:t>
-            </a:r>
-          </a:p>
-          <a:p>
-            <a:pPr marL="285750" indent="-285750">
-              <a:buFontTx/>
-              <a:buChar char="-"/>
-            </a:pPr>
-            <a:r>
-              <a:rPr lang="en-US" altLang="zh-CN" sz="2400" dirty="0" smtClean="0"/>
-              <a:t>Attention Function</a:t>
-            </a:r>
-            <a:endParaRPr lang="en-US" sz="2400" dirty="0"/>
-          </a:p>
-        </p:txBody>
-      </p:sp>
-      <p:pic>
-        <p:nvPicPr>
-          <p:cNvPr id="6" name="Picture 5"/>
-          <p:cNvPicPr>
-            <a:picLocks noChangeAspect="1"/>
-          </p:cNvPicPr>
-          <p:nvPr/>
-        </p:nvPicPr>
-        <p:blipFill>
-          <a:blip r:embed="rId3"/>
-          <a:stretch>
-            <a:fillRect/>
-          </a:stretch>
-        </p:blipFill>
-        <p:spPr>
-          <a:xfrm>
-            <a:off x="923757" y="2319421"/>
-            <a:ext cx="2082800" cy="1016000"/>
-          </a:xfrm>
-          <a:prstGeom prst="rect">
-            <a:avLst/>
-          </a:prstGeom>
-        </p:spPr>
-      </p:pic>
-      <p:pic>
-        <p:nvPicPr>
-          <p:cNvPr id="7" name="Picture 6"/>
-          <p:cNvPicPr>
-            <a:picLocks noChangeAspect="1"/>
-          </p:cNvPicPr>
-          <p:nvPr/>
-        </p:nvPicPr>
-        <p:blipFill>
-          <a:blip r:embed="rId4"/>
-          <a:stretch>
-            <a:fillRect/>
-          </a:stretch>
-        </p:blipFill>
-        <p:spPr>
-          <a:xfrm>
-            <a:off x="664411" y="3540626"/>
-            <a:ext cx="3390900" cy="1689100"/>
-          </a:xfrm>
-          <a:prstGeom prst="rect">
-            <a:avLst/>
-          </a:prstGeom>
-        </p:spPr>
-      </p:pic>
-      <p:sp>
-        <p:nvSpPr>
-          <p:cNvPr id="8" name="TextBox 7"/>
-          <p:cNvSpPr txBox="1"/>
-          <p:nvPr/>
-        </p:nvSpPr>
-        <p:spPr>
-          <a:xfrm>
-            <a:off x="668421" y="5427580"/>
-            <a:ext cx="5547895" cy="646331"/>
-          </a:xfrm>
-          <a:prstGeom prst="rect">
-            <a:avLst/>
-          </a:prstGeom>
-          <a:noFill/>
-        </p:spPr>
-        <p:txBody>
-          <a:bodyPr wrap="square" rtlCol="0">
-            <a:spAutoFit/>
-          </a:bodyPr>
-          <a:lstStyle/>
-          <a:p>
-            <a:r>
-              <a:rPr lang="zh-CN" altLang="en-US" dirty="0" smtClean="0"/>
-              <a:t>图片来自</a:t>
-            </a:r>
-            <a:r>
-              <a:rPr lang="en-US" dirty="0"/>
-              <a:t>Ba</a:t>
-            </a:r>
-            <a:r>
-              <a:rPr lang="zh-CN" altLang="zh-CN" dirty="0"/>
-              <a:t>h</a:t>
-            </a:r>
-            <a:r>
-              <a:rPr lang="en-US" altLang="zh-CN" dirty="0" err="1"/>
-              <a:t>danau</a:t>
-            </a:r>
-            <a:r>
-              <a:rPr lang="en-US" altLang="zh-CN" dirty="0"/>
-              <a:t> </a:t>
-            </a:r>
-            <a:r>
-              <a:rPr lang="en-US" altLang="zh-CN" dirty="0" smtClean="0"/>
-              <a:t>et. al,</a:t>
-            </a:r>
-            <a:r>
-              <a:rPr lang="zh-CN" altLang="en-US" dirty="0" smtClean="0"/>
-              <a:t> </a:t>
-            </a:r>
-            <a:r>
-              <a:rPr lang="en-US" dirty="0" smtClean="0"/>
-              <a:t>Neural </a:t>
-            </a:r>
-            <a:r>
-              <a:rPr lang="en-US" dirty="0"/>
-              <a:t>Machine Translation by Jointly Learning to Align and Translate</a:t>
-            </a:r>
-          </a:p>
-        </p:txBody>
-      </p:sp>
-    </p:spTree>
-    <p:extLst>
-      <p:ext uri="{BB962C8B-B14F-4D97-AF65-F5344CB8AC3E}">
-        <p14:creationId xmlns:p14="http://schemas.microsoft.com/office/powerpoint/2010/main" val="1362014945"/>
-      </p:ext>
-    </p:extLst>
-  </p:cSld>
-  <p:clrMapOvr>
-    <a:masterClrMapping/>
-  </p:clrMapOvr>
-</p:sld>
-</file>
-
-<file path=ppt/slides/slide6.xml><?xml version="1.0" encoding="utf-8"?>
-<p:sld xmlns:a="http://schemas.openxmlformats.org/drawingml/2006/main" xmlns:r="http://schemas.openxmlformats.org/officeDocument/2006/relationships" xmlns:p="http://schemas.openxmlformats.org/presentationml/2006/main">
-  <p:cSld>
-    <p:spTree>
-      <p:nvGrpSpPr>
-        <p:cNvPr id="1" name=""/>
-        <p:cNvGrpSpPr/>
-        <p:nvPr/>
-      </p:nvGrpSpPr>
-      <p:grpSpPr>
-        <a:xfrm>
-          <a:off x="0" y="0"/>
-          <a:ext cx="0" cy="0"/>
-          <a:chOff x="0" y="0"/>
-          <a:chExt cx="0" cy="0"/>
-        </a:xfrm>
-      </p:grpSpPr>
-      <p:sp>
-        <p:nvSpPr>
-          <p:cNvPr id="2" name="Title 1"/>
-          <p:cNvSpPr>
-            <a:spLocks noGrp="1"/>
-          </p:cNvSpPr>
-          <p:nvPr>
-            <p:ph type="title"/>
-          </p:nvPr>
-        </p:nvSpPr>
-        <p:spPr/>
-        <p:txBody>
-          <a:bodyPr/>
-          <a:lstStyle/>
-          <a:p>
-            <a:r>
-              <a:rPr lang="en-US" dirty="0" err="1" smtClean="0"/>
-              <a:t>Luong</a:t>
-            </a:r>
-            <a:r>
-              <a:rPr lang="en-US" dirty="0" smtClean="0"/>
-              <a:t> Attention</a:t>
-            </a:r>
-            <a:endParaRPr lang="en-US" dirty="0"/>
-          </a:p>
-        </p:txBody>
-      </p:sp>
-      <p:sp>
-        <p:nvSpPr>
-          <p:cNvPr id="3" name="Slide Number Placeholder 2"/>
-          <p:cNvSpPr>
-            <a:spLocks noGrp="1"/>
-          </p:cNvSpPr>
-          <p:nvPr>
-            <p:ph type="sldNum" sz="quarter" idx="12"/>
-          </p:nvPr>
-        </p:nvSpPr>
-        <p:spPr/>
-        <p:txBody>
-          <a:bodyPr/>
-          <a:lstStyle/>
-          <a:p>
-            <a:fld id="{5DD3DB80-B894-403A-B48E-6FDC1A72010E}" type="slidenum">
-              <a:rPr lang="zh-CN" altLang="en-US" smtClean="0"/>
-              <a:t>6</a:t>
-            </a:fld>
-            <a:endParaRPr lang="zh-CN" altLang="en-US"/>
-          </a:p>
-        </p:txBody>
-      </p:sp>
-      <p:pic>
-        <p:nvPicPr>
-          <p:cNvPr id="4" name="Picture 3"/>
-          <p:cNvPicPr>
-            <a:picLocks noChangeAspect="1"/>
-          </p:cNvPicPr>
-          <p:nvPr/>
-        </p:nvPicPr>
-        <p:blipFill>
-          <a:blip r:embed="rId2"/>
-          <a:stretch>
-            <a:fillRect/>
-          </a:stretch>
-        </p:blipFill>
-        <p:spPr>
-          <a:xfrm>
-            <a:off x="6165516" y="1095542"/>
-            <a:ext cx="5676900" cy="4800600"/>
-          </a:xfrm>
-          <a:prstGeom prst="rect">
-            <a:avLst/>
-          </a:prstGeom>
-        </p:spPr>
-      </p:pic>
-      <p:pic>
-        <p:nvPicPr>
-          <p:cNvPr id="5" name="Picture 4"/>
-          <p:cNvPicPr>
-            <a:picLocks noChangeAspect="1"/>
-          </p:cNvPicPr>
-          <p:nvPr/>
-        </p:nvPicPr>
-        <p:blipFill>
-          <a:blip r:embed="rId3"/>
-          <a:stretch>
-            <a:fillRect/>
-          </a:stretch>
-        </p:blipFill>
-        <p:spPr>
-          <a:xfrm>
-            <a:off x="227263" y="1472532"/>
-            <a:ext cx="5969000" cy="1333500"/>
-          </a:xfrm>
-          <a:prstGeom prst="rect">
-            <a:avLst/>
-          </a:prstGeom>
-        </p:spPr>
-      </p:pic>
-      <p:pic>
-        <p:nvPicPr>
-          <p:cNvPr id="6" name="Picture 5"/>
-          <p:cNvPicPr>
-            <a:picLocks noChangeAspect="1"/>
-          </p:cNvPicPr>
-          <p:nvPr/>
-        </p:nvPicPr>
-        <p:blipFill>
-          <a:blip r:embed="rId4"/>
-          <a:stretch>
-            <a:fillRect/>
-          </a:stretch>
-        </p:blipFill>
-        <p:spPr>
-          <a:xfrm>
-            <a:off x="818147" y="3116847"/>
-            <a:ext cx="4165600" cy="1333500"/>
-          </a:xfrm>
-          <a:prstGeom prst="rect">
-            <a:avLst/>
-          </a:prstGeom>
-        </p:spPr>
-      </p:pic>
-      <p:pic>
-        <p:nvPicPr>
-          <p:cNvPr id="7" name="Picture 6"/>
-          <p:cNvPicPr>
-            <a:picLocks noChangeAspect="1"/>
-          </p:cNvPicPr>
-          <p:nvPr/>
-        </p:nvPicPr>
-        <p:blipFill>
-          <a:blip r:embed="rId5"/>
-          <a:stretch>
-            <a:fillRect/>
-          </a:stretch>
-        </p:blipFill>
-        <p:spPr>
-          <a:xfrm>
-            <a:off x="1209174" y="4795252"/>
-            <a:ext cx="2768600" cy="596900"/>
-          </a:xfrm>
-          <a:prstGeom prst="rect">
-            <a:avLst/>
-          </a:prstGeom>
-        </p:spPr>
-      </p:pic>
-    </p:spTree>
-    <p:extLst>
-      <p:ext uri="{BB962C8B-B14F-4D97-AF65-F5344CB8AC3E}">
-        <p14:creationId xmlns:p14="http://schemas.microsoft.com/office/powerpoint/2010/main" val="1795457848"/>
-      </p:ext>
-    </p:extLst>
-  </p:cSld>
-  <p:clrMapOvr>
-    <a:masterClrMapping/>
-  </p:clrMapOvr>
-</p:sld>
-</file>
-
-<file path=ppt/slides/slide7.xml><?xml version="1.0" encoding="utf-8"?>
+<file path=ppt/slides/slide11.xml><?xml version="1.0" encoding="utf-8"?>
 <p:sld xmlns:a="http://schemas.openxmlformats.org/drawingml/2006/main" xmlns:r="http://schemas.openxmlformats.org/officeDocument/2006/relationships" xmlns:p="http://schemas.openxmlformats.org/presentationml/2006/main">
   <p:cSld>
     <p:spTree>
@@ -7585,6 +5813,2941 @@
       </p:par>
     </p:tnLst>
   </p:timing>
+</p:sld>
+</file>
+
+<file path=ppt/slides/slide2.xml><?xml version="1.0" encoding="utf-8"?>
+<p:sld xmlns:a="http://schemas.openxmlformats.org/drawingml/2006/main" xmlns:r="http://schemas.openxmlformats.org/officeDocument/2006/relationships" xmlns:p="http://schemas.openxmlformats.org/presentationml/2006/main">
+  <p:cSld>
+    <p:spTree>
+      <p:nvGrpSpPr>
+        <p:cNvPr id="1" name=""/>
+        <p:cNvGrpSpPr/>
+        <p:nvPr/>
+      </p:nvGrpSpPr>
+      <p:grpSpPr>
+        <a:xfrm>
+          <a:off x="0" y="0"/>
+          <a:ext cx="0" cy="0"/>
+          <a:chOff x="0" y="0"/>
+          <a:chExt cx="0" cy="0"/>
+        </a:xfrm>
+      </p:grpSpPr>
+      <p:pic>
+        <p:nvPicPr>
+          <p:cNvPr id="2" name="图片 1" descr="100_100"/>
+          <p:cNvPicPr>
+            <a:picLocks noChangeAspect="1"/>
+          </p:cNvPicPr>
+          <p:nvPr/>
+        </p:nvPicPr>
+        <p:blipFill>
+          <a:blip r:embed="rId4"/>
+          <a:stretch>
+            <a:fillRect/>
+          </a:stretch>
+        </p:blipFill>
+        <p:spPr>
+          <a:xfrm>
+            <a:off x="479425" y="5860415"/>
+            <a:ext cx="952500" cy="952500"/>
+          </a:xfrm>
+          <a:prstGeom prst="rect">
+            <a:avLst/>
+          </a:prstGeom>
+        </p:spPr>
+      </p:pic>
+      <p:sp>
+        <p:nvSpPr>
+          <p:cNvPr id="4" name="文本框 3"/>
+          <p:cNvSpPr txBox="1"/>
+          <p:nvPr/>
+        </p:nvSpPr>
+        <p:spPr>
+          <a:xfrm>
+            <a:off x="9568180" y="6277610"/>
+            <a:ext cx="2395220" cy="245110"/>
+          </a:xfrm>
+          <a:prstGeom prst="rect">
+            <a:avLst/>
+          </a:prstGeom>
+          <a:noFill/>
+        </p:spPr>
+        <p:txBody>
+          <a:bodyPr wrap="square" rtlCol="0">
+            <a:spAutoFit/>
+          </a:bodyPr>
+          <a:lstStyle/>
+          <a:p>
+            <a:pPr algn="r"/>
+            <a:r>
+              <a:rPr lang="zh-CN" altLang="en-US" sz="1000">
+                <a:solidFill>
+                  <a:schemeClr val="tx2"/>
+                </a:solidFill>
+                <a:latin typeface="HelveticaNeueLT Std Thin" panose="020B0403020202020204" charset="0"/>
+                <a:cs typeface="HelveticaNeueLT Std Thin" panose="020B0403020202020204" charset="0"/>
+              </a:rPr>
+              <a:t>julyedu.com</a:t>
+            </a:r>
+          </a:p>
+        </p:txBody>
+      </p:sp>
+      <p:sp>
+        <p:nvSpPr>
+          <p:cNvPr id="5" name="页脚占位符 2"/>
+          <p:cNvSpPr>
+            <a:spLocks noGrp="1"/>
+          </p:cNvSpPr>
+          <p:nvPr/>
+        </p:nvSpPr>
+        <p:spPr>
+          <a:xfrm>
+            <a:off x="1431924" y="6233478"/>
+            <a:ext cx="4140201" cy="206381"/>
+          </a:xfrm>
+        </p:spPr>
+        <p:txBody>
+          <a:bodyPr/>
+          <a:lstStyle>
+            <a:defPPr>
+              <a:defRPr lang="zh-CN"/>
+            </a:defPPr>
+            <a:lvl1pPr marL="0" algn="l" defTabSz="913765" rtl="0" eaLnBrk="1" latinLnBrk="0" hangingPunct="1">
+              <a:defRPr sz="1800" kern="1200">
+                <a:solidFill>
+                  <a:schemeClr val="tx1"/>
+                </a:solidFill>
+                <a:latin typeface="+mn-lt"/>
+                <a:ea typeface="+mn-ea"/>
+                <a:cs typeface="+mn-cs"/>
+              </a:defRPr>
+            </a:lvl1pPr>
+            <a:lvl2pPr marL="457200" algn="l" defTabSz="913765" rtl="0" eaLnBrk="1" latinLnBrk="0" hangingPunct="1">
+              <a:defRPr sz="1800" kern="1200">
+                <a:solidFill>
+                  <a:schemeClr val="tx1"/>
+                </a:solidFill>
+                <a:latin typeface="+mn-lt"/>
+                <a:ea typeface="+mn-ea"/>
+                <a:cs typeface="+mn-cs"/>
+              </a:defRPr>
+            </a:lvl2pPr>
+            <a:lvl3pPr marL="914400" algn="l" defTabSz="913765" rtl="0" eaLnBrk="1" latinLnBrk="0" hangingPunct="1">
+              <a:defRPr sz="1800" kern="1200">
+                <a:solidFill>
+                  <a:schemeClr val="tx1"/>
+                </a:solidFill>
+                <a:latin typeface="+mn-lt"/>
+                <a:ea typeface="+mn-ea"/>
+                <a:cs typeface="+mn-cs"/>
+              </a:defRPr>
+            </a:lvl3pPr>
+            <a:lvl4pPr marL="1371600" algn="l" defTabSz="913765" rtl="0" eaLnBrk="1" latinLnBrk="0" hangingPunct="1">
+              <a:defRPr sz="1800" kern="1200">
+                <a:solidFill>
+                  <a:schemeClr val="tx1"/>
+                </a:solidFill>
+                <a:latin typeface="+mn-lt"/>
+                <a:ea typeface="+mn-ea"/>
+                <a:cs typeface="+mn-cs"/>
+              </a:defRPr>
+            </a:lvl4pPr>
+            <a:lvl5pPr marL="1828800" algn="l" defTabSz="913765" rtl="0" eaLnBrk="1" latinLnBrk="0" hangingPunct="1">
+              <a:defRPr sz="1800" kern="1200">
+                <a:solidFill>
+                  <a:schemeClr val="tx1"/>
+                </a:solidFill>
+                <a:latin typeface="+mn-lt"/>
+                <a:ea typeface="+mn-ea"/>
+                <a:cs typeface="+mn-cs"/>
+              </a:defRPr>
+            </a:lvl5pPr>
+            <a:lvl6pPr marL="2286000" algn="l" defTabSz="913765" rtl="0" eaLnBrk="1" latinLnBrk="0" hangingPunct="1">
+              <a:defRPr sz="1800" kern="1200">
+                <a:solidFill>
+                  <a:schemeClr val="tx1"/>
+                </a:solidFill>
+                <a:latin typeface="+mn-lt"/>
+                <a:ea typeface="+mn-ea"/>
+                <a:cs typeface="+mn-cs"/>
+              </a:defRPr>
+            </a:lvl6pPr>
+            <a:lvl7pPr marL="2743200" algn="l" defTabSz="913765" rtl="0" eaLnBrk="1" latinLnBrk="0" hangingPunct="1">
+              <a:defRPr sz="1800" kern="1200">
+                <a:solidFill>
+                  <a:schemeClr val="tx1"/>
+                </a:solidFill>
+                <a:latin typeface="+mn-lt"/>
+                <a:ea typeface="+mn-ea"/>
+                <a:cs typeface="+mn-cs"/>
+              </a:defRPr>
+            </a:lvl7pPr>
+            <a:lvl8pPr marL="3200400" algn="l" defTabSz="913765" rtl="0" eaLnBrk="1" latinLnBrk="0" hangingPunct="1">
+              <a:defRPr sz="1800" kern="1200">
+                <a:solidFill>
+                  <a:schemeClr val="tx1"/>
+                </a:solidFill>
+                <a:latin typeface="+mn-lt"/>
+                <a:ea typeface="+mn-ea"/>
+                <a:cs typeface="+mn-cs"/>
+              </a:defRPr>
+            </a:lvl8pPr>
+            <a:lvl9pPr marL="3657600" algn="l" defTabSz="913765" rtl="0" eaLnBrk="1" latinLnBrk="0" hangingPunct="1">
+              <a:defRPr sz="1800" kern="1200">
+                <a:solidFill>
+                  <a:schemeClr val="tx1"/>
+                </a:solidFill>
+                <a:latin typeface="+mn-lt"/>
+                <a:ea typeface="+mn-ea"/>
+                <a:cs typeface="+mn-cs"/>
+              </a:defRPr>
+            </a:lvl9pPr>
+          </a:lstStyle>
+          <a:p>
+            <a:r>
+              <a:rPr lang="zh-CN" altLang="en-US" sz="1000" dirty="0">
+                <a:solidFill>
+                  <a:schemeClr val="tx2"/>
+                </a:solidFill>
+                <a:sym typeface="+mn-ea"/>
+              </a:rPr>
+              <a:t>推荐系统实战课程</a:t>
+            </a:r>
+            <a:endParaRPr lang="zh-CN" altLang="en-US" sz="1000" dirty="0">
+              <a:solidFill>
+                <a:schemeClr val="tx2"/>
+              </a:solidFill>
+            </a:endParaRPr>
+          </a:p>
+        </p:txBody>
+      </p:sp>
+      <p:grpSp>
+        <p:nvGrpSpPr>
+          <p:cNvPr id="58" name="3259" descr="本素材由iSlide™ 提供&#10;iSlide™尊重知识产权并注重保护用户享有的各项权利。郑重提醒您：&#10;iSlide™插件中提供的任何信息内容的所有权、知识产权归其原始权利人或权利受让人所有，您免费/购买获得的是信息内容的使用权，并受下述条款的约束；&#10;1. 您仅可以个人非商业用途使用该等信息内容，不可将信息内容的全部或部分用于出售，或以出租、出借、转让、分销、发布等其他任何方式供他人使用；&#10;2. 禁止在接入互联网或移动互联网的任何网站、平台、应用或程序上以任何方式为他人提供iSlide™插件资源内容的下载。&#10;The resource is supplied by iSlide™.&#10;iSlide™ respects all intellectual property rights and protects all the rights its users acquired.Solemnly remind you:&#10;The ownership and intellectual property of the resources supplied in iSlide Add-in belongs to its owner or the assignee of this ownership.you only acquired the usage of the resources supplied in iSlide Add-in, as well as respected the following restrain terms:&#10;1.You are only allowed to use such resource for personal and non-commercial aim, not allowed to use such resource or part of it for the sale; or rent, lend, transfer to others; or distribution or release it in any way.&#10;2.You are not permitted to provide the resource of iSlide Add-in in any website, platform, application access to the Internet or mobile Internet." title="iSlide™ 版权声明  COPYRIGHT NOTICE"/>
+          <p:cNvGrpSpPr>
+            <a:grpSpLocks noChangeAspect="1"/>
+          </p:cNvGrpSpPr>
+          <p:nvPr>
+            <p:custDataLst>
+              <p:tags r:id="rId1"/>
+            </p:custDataLst>
+          </p:nvPr>
+        </p:nvGrpSpPr>
+        <p:grpSpPr>
+          <a:xfrm>
+            <a:off x="669926" y="432195"/>
+            <a:ext cx="10850559" cy="4213412"/>
+            <a:chOff x="669926" y="432195"/>
+            <a:chExt cx="10850559" cy="4213412"/>
+          </a:xfrm>
+        </p:grpSpPr>
+        <p:sp>
+          <p:nvSpPr>
+            <p:cNvPr id="59" name="ï$ľiďe"/>
+            <p:cNvSpPr txBox="1"/>
+            <p:nvPr/>
+          </p:nvSpPr>
+          <p:spPr>
+            <a:xfrm>
+              <a:off x="669926" y="1614821"/>
+              <a:ext cx="2077704" cy="322992"/>
+            </a:xfrm>
+            <a:prstGeom prst="rect">
+              <a:avLst/>
+            </a:prstGeom>
+            <a:noFill/>
+          </p:spPr>
+          <p:txBody>
+            <a:bodyPr wrap="square" lIns="91440" tIns="45720" rIns="91440" bIns="45720" anchor="ctr">
+              <a:normAutofit fontScale="92500" lnSpcReduction="20000"/>
+            </a:bodyPr>
+            <a:lstStyle/>
+            <a:p>
+              <a:pPr algn="r"/>
+              <a:r>
+                <a:rPr lang="en-US" altLang="zh-CN" b="1" dirty="0">
+                  <a:solidFill>
+                    <a:schemeClr val="accent1"/>
+                  </a:solidFill>
+                </a:rPr>
+                <a:t>CONTENTS</a:t>
+              </a:r>
+            </a:p>
+          </p:txBody>
+        </p:sp>
+        <p:sp>
+          <p:nvSpPr>
+            <p:cNvPr id="60" name="ï$ḻîḓê"/>
+            <p:cNvSpPr/>
+            <p:nvPr/>
+          </p:nvSpPr>
+          <p:spPr bwMode="auto">
+            <a:xfrm>
+              <a:off x="2305050" y="1169733"/>
+              <a:ext cx="347330" cy="293912"/>
+            </a:xfrm>
+            <a:custGeom>
+              <a:avLst/>
+              <a:gdLst>
+                <a:gd name="T0" fmla="*/ 106 w 484"/>
+                <a:gd name="T1" fmla="*/ 172 h 410"/>
+                <a:gd name="T2" fmla="*/ 106 w 484"/>
+                <a:gd name="T3" fmla="*/ 238 h 410"/>
+                <a:gd name="T4" fmla="*/ 86 w 484"/>
+                <a:gd name="T5" fmla="*/ 258 h 410"/>
+                <a:gd name="T6" fmla="*/ 20 w 484"/>
+                <a:gd name="T7" fmla="*/ 258 h 410"/>
+                <a:gd name="T8" fmla="*/ 0 w 484"/>
+                <a:gd name="T9" fmla="*/ 238 h 410"/>
+                <a:gd name="T10" fmla="*/ 0 w 484"/>
+                <a:gd name="T11" fmla="*/ 172 h 410"/>
+                <a:gd name="T12" fmla="*/ 20 w 484"/>
+                <a:gd name="T13" fmla="*/ 152 h 410"/>
+                <a:gd name="T14" fmla="*/ 86 w 484"/>
+                <a:gd name="T15" fmla="*/ 152 h 410"/>
+                <a:gd name="T16" fmla="*/ 106 w 484"/>
+                <a:gd name="T17" fmla="*/ 172 h 410"/>
+                <a:gd name="T18" fmla="*/ 464 w 484"/>
+                <a:gd name="T19" fmla="*/ 152 h 410"/>
+                <a:gd name="T20" fmla="*/ 177 w 484"/>
+                <a:gd name="T21" fmla="*/ 152 h 410"/>
+                <a:gd name="T22" fmla="*/ 167 w 484"/>
+                <a:gd name="T23" fmla="*/ 152 h 410"/>
+                <a:gd name="T24" fmla="*/ 147 w 484"/>
+                <a:gd name="T25" fmla="*/ 172 h 410"/>
+                <a:gd name="T26" fmla="*/ 147 w 484"/>
+                <a:gd name="T27" fmla="*/ 238 h 410"/>
+                <a:gd name="T28" fmla="*/ 167 w 484"/>
+                <a:gd name="T29" fmla="*/ 258 h 410"/>
+                <a:gd name="T30" fmla="*/ 177 w 484"/>
+                <a:gd name="T31" fmla="*/ 258 h 410"/>
+                <a:gd name="T32" fmla="*/ 464 w 484"/>
+                <a:gd name="T33" fmla="*/ 258 h 410"/>
+                <a:gd name="T34" fmla="*/ 484 w 484"/>
+                <a:gd name="T35" fmla="*/ 238 h 410"/>
+                <a:gd name="T36" fmla="*/ 484 w 484"/>
+                <a:gd name="T37" fmla="*/ 172 h 410"/>
+                <a:gd name="T38" fmla="*/ 464 w 484"/>
+                <a:gd name="T39" fmla="*/ 152 h 410"/>
+                <a:gd name="T40" fmla="*/ 86 w 484"/>
+                <a:gd name="T41" fmla="*/ 0 h 410"/>
+                <a:gd name="T42" fmla="*/ 20 w 484"/>
+                <a:gd name="T43" fmla="*/ 0 h 410"/>
+                <a:gd name="T44" fmla="*/ 0 w 484"/>
+                <a:gd name="T45" fmla="*/ 20 h 410"/>
+                <a:gd name="T46" fmla="*/ 0 w 484"/>
+                <a:gd name="T47" fmla="*/ 87 h 410"/>
+                <a:gd name="T48" fmla="*/ 20 w 484"/>
+                <a:gd name="T49" fmla="*/ 107 h 410"/>
+                <a:gd name="T50" fmla="*/ 86 w 484"/>
+                <a:gd name="T51" fmla="*/ 107 h 410"/>
+                <a:gd name="T52" fmla="*/ 106 w 484"/>
+                <a:gd name="T53" fmla="*/ 87 h 410"/>
+                <a:gd name="T54" fmla="*/ 106 w 484"/>
+                <a:gd name="T55" fmla="*/ 20 h 410"/>
+                <a:gd name="T56" fmla="*/ 86 w 484"/>
+                <a:gd name="T57" fmla="*/ 0 h 410"/>
+                <a:gd name="T58" fmla="*/ 464 w 484"/>
+                <a:gd name="T59" fmla="*/ 0 h 410"/>
+                <a:gd name="T60" fmla="*/ 177 w 484"/>
+                <a:gd name="T61" fmla="*/ 0 h 410"/>
+                <a:gd name="T62" fmla="*/ 167 w 484"/>
+                <a:gd name="T63" fmla="*/ 0 h 410"/>
+                <a:gd name="T64" fmla="*/ 147 w 484"/>
+                <a:gd name="T65" fmla="*/ 20 h 410"/>
+                <a:gd name="T66" fmla="*/ 147 w 484"/>
+                <a:gd name="T67" fmla="*/ 87 h 410"/>
+                <a:gd name="T68" fmla="*/ 167 w 484"/>
+                <a:gd name="T69" fmla="*/ 107 h 410"/>
+                <a:gd name="T70" fmla="*/ 177 w 484"/>
+                <a:gd name="T71" fmla="*/ 107 h 410"/>
+                <a:gd name="T72" fmla="*/ 464 w 484"/>
+                <a:gd name="T73" fmla="*/ 107 h 410"/>
+                <a:gd name="T74" fmla="*/ 484 w 484"/>
+                <a:gd name="T75" fmla="*/ 87 h 410"/>
+                <a:gd name="T76" fmla="*/ 484 w 484"/>
+                <a:gd name="T77" fmla="*/ 20 h 410"/>
+                <a:gd name="T78" fmla="*/ 464 w 484"/>
+                <a:gd name="T79" fmla="*/ 0 h 410"/>
+                <a:gd name="T80" fmla="*/ 86 w 484"/>
+                <a:gd name="T81" fmla="*/ 303 h 410"/>
+                <a:gd name="T82" fmla="*/ 20 w 484"/>
+                <a:gd name="T83" fmla="*/ 303 h 410"/>
+                <a:gd name="T84" fmla="*/ 0 w 484"/>
+                <a:gd name="T85" fmla="*/ 323 h 410"/>
+                <a:gd name="T86" fmla="*/ 0 w 484"/>
+                <a:gd name="T87" fmla="*/ 390 h 410"/>
+                <a:gd name="T88" fmla="*/ 20 w 484"/>
+                <a:gd name="T89" fmla="*/ 410 h 410"/>
+                <a:gd name="T90" fmla="*/ 86 w 484"/>
+                <a:gd name="T91" fmla="*/ 410 h 410"/>
+                <a:gd name="T92" fmla="*/ 106 w 484"/>
+                <a:gd name="T93" fmla="*/ 390 h 410"/>
+                <a:gd name="T94" fmla="*/ 106 w 484"/>
+                <a:gd name="T95" fmla="*/ 323 h 410"/>
+                <a:gd name="T96" fmla="*/ 86 w 484"/>
+                <a:gd name="T97" fmla="*/ 303 h 410"/>
+                <a:gd name="T98" fmla="*/ 464 w 484"/>
+                <a:gd name="T99" fmla="*/ 303 h 410"/>
+                <a:gd name="T100" fmla="*/ 177 w 484"/>
+                <a:gd name="T101" fmla="*/ 303 h 410"/>
+                <a:gd name="T102" fmla="*/ 167 w 484"/>
+                <a:gd name="T103" fmla="*/ 303 h 410"/>
+                <a:gd name="T104" fmla="*/ 147 w 484"/>
+                <a:gd name="T105" fmla="*/ 323 h 410"/>
+                <a:gd name="T106" fmla="*/ 147 w 484"/>
+                <a:gd name="T107" fmla="*/ 390 h 410"/>
+                <a:gd name="T108" fmla="*/ 167 w 484"/>
+                <a:gd name="T109" fmla="*/ 410 h 410"/>
+                <a:gd name="T110" fmla="*/ 177 w 484"/>
+                <a:gd name="T111" fmla="*/ 410 h 410"/>
+                <a:gd name="T112" fmla="*/ 464 w 484"/>
+                <a:gd name="T113" fmla="*/ 410 h 410"/>
+                <a:gd name="T114" fmla="*/ 484 w 484"/>
+                <a:gd name="T115" fmla="*/ 390 h 410"/>
+                <a:gd name="T116" fmla="*/ 484 w 484"/>
+                <a:gd name="T117" fmla="*/ 323 h 410"/>
+                <a:gd name="T118" fmla="*/ 464 w 484"/>
+                <a:gd name="T119" fmla="*/ 303 h 410"/>
+              </a:gdLst>
+              <a:ahLst/>
+              <a:cxnLst>
+                <a:cxn ang="0">
+                  <a:pos x="T0" y="T1"/>
+                </a:cxn>
+                <a:cxn ang="0">
+                  <a:pos x="T2" y="T3"/>
+                </a:cxn>
+                <a:cxn ang="0">
+                  <a:pos x="T4" y="T5"/>
+                </a:cxn>
+                <a:cxn ang="0">
+                  <a:pos x="T6" y="T7"/>
+                </a:cxn>
+                <a:cxn ang="0">
+                  <a:pos x="T8" y="T9"/>
+                </a:cxn>
+                <a:cxn ang="0">
+                  <a:pos x="T10" y="T11"/>
+                </a:cxn>
+                <a:cxn ang="0">
+                  <a:pos x="T12" y="T13"/>
+                </a:cxn>
+                <a:cxn ang="0">
+                  <a:pos x="T14" y="T15"/>
+                </a:cxn>
+                <a:cxn ang="0">
+                  <a:pos x="T16" y="T17"/>
+                </a:cxn>
+                <a:cxn ang="0">
+                  <a:pos x="T18" y="T19"/>
+                </a:cxn>
+                <a:cxn ang="0">
+                  <a:pos x="T20" y="T21"/>
+                </a:cxn>
+                <a:cxn ang="0">
+                  <a:pos x="T22" y="T23"/>
+                </a:cxn>
+                <a:cxn ang="0">
+                  <a:pos x="T24" y="T25"/>
+                </a:cxn>
+                <a:cxn ang="0">
+                  <a:pos x="T26" y="T27"/>
+                </a:cxn>
+                <a:cxn ang="0">
+                  <a:pos x="T28" y="T29"/>
+                </a:cxn>
+                <a:cxn ang="0">
+                  <a:pos x="T30" y="T31"/>
+                </a:cxn>
+                <a:cxn ang="0">
+                  <a:pos x="T32" y="T33"/>
+                </a:cxn>
+                <a:cxn ang="0">
+                  <a:pos x="T34" y="T35"/>
+                </a:cxn>
+                <a:cxn ang="0">
+                  <a:pos x="T36" y="T37"/>
+                </a:cxn>
+                <a:cxn ang="0">
+                  <a:pos x="T38" y="T39"/>
+                </a:cxn>
+                <a:cxn ang="0">
+                  <a:pos x="T40" y="T41"/>
+                </a:cxn>
+                <a:cxn ang="0">
+                  <a:pos x="T42" y="T43"/>
+                </a:cxn>
+                <a:cxn ang="0">
+                  <a:pos x="T44" y="T45"/>
+                </a:cxn>
+                <a:cxn ang="0">
+                  <a:pos x="T46" y="T47"/>
+                </a:cxn>
+                <a:cxn ang="0">
+                  <a:pos x="T48" y="T49"/>
+                </a:cxn>
+                <a:cxn ang="0">
+                  <a:pos x="T50" y="T51"/>
+                </a:cxn>
+                <a:cxn ang="0">
+                  <a:pos x="T52" y="T53"/>
+                </a:cxn>
+                <a:cxn ang="0">
+                  <a:pos x="T54" y="T55"/>
+                </a:cxn>
+                <a:cxn ang="0">
+                  <a:pos x="T56" y="T57"/>
+                </a:cxn>
+                <a:cxn ang="0">
+                  <a:pos x="T58" y="T59"/>
+                </a:cxn>
+                <a:cxn ang="0">
+                  <a:pos x="T60" y="T61"/>
+                </a:cxn>
+                <a:cxn ang="0">
+                  <a:pos x="T62" y="T63"/>
+                </a:cxn>
+                <a:cxn ang="0">
+                  <a:pos x="T64" y="T65"/>
+                </a:cxn>
+                <a:cxn ang="0">
+                  <a:pos x="T66" y="T67"/>
+                </a:cxn>
+                <a:cxn ang="0">
+                  <a:pos x="T68" y="T69"/>
+                </a:cxn>
+                <a:cxn ang="0">
+                  <a:pos x="T70" y="T71"/>
+                </a:cxn>
+                <a:cxn ang="0">
+                  <a:pos x="T72" y="T73"/>
+                </a:cxn>
+                <a:cxn ang="0">
+                  <a:pos x="T74" y="T75"/>
+                </a:cxn>
+                <a:cxn ang="0">
+                  <a:pos x="T76" y="T77"/>
+                </a:cxn>
+                <a:cxn ang="0">
+                  <a:pos x="T78" y="T79"/>
+                </a:cxn>
+                <a:cxn ang="0">
+                  <a:pos x="T80" y="T81"/>
+                </a:cxn>
+                <a:cxn ang="0">
+                  <a:pos x="T82" y="T83"/>
+                </a:cxn>
+                <a:cxn ang="0">
+                  <a:pos x="T84" y="T85"/>
+                </a:cxn>
+                <a:cxn ang="0">
+                  <a:pos x="T86" y="T87"/>
+                </a:cxn>
+                <a:cxn ang="0">
+                  <a:pos x="T88" y="T89"/>
+                </a:cxn>
+                <a:cxn ang="0">
+                  <a:pos x="T90" y="T91"/>
+                </a:cxn>
+                <a:cxn ang="0">
+                  <a:pos x="T92" y="T93"/>
+                </a:cxn>
+                <a:cxn ang="0">
+                  <a:pos x="T94" y="T95"/>
+                </a:cxn>
+                <a:cxn ang="0">
+                  <a:pos x="T96" y="T97"/>
+                </a:cxn>
+                <a:cxn ang="0">
+                  <a:pos x="T98" y="T99"/>
+                </a:cxn>
+                <a:cxn ang="0">
+                  <a:pos x="T100" y="T101"/>
+                </a:cxn>
+                <a:cxn ang="0">
+                  <a:pos x="T102" y="T103"/>
+                </a:cxn>
+                <a:cxn ang="0">
+                  <a:pos x="T104" y="T105"/>
+                </a:cxn>
+                <a:cxn ang="0">
+                  <a:pos x="T106" y="T107"/>
+                </a:cxn>
+                <a:cxn ang="0">
+                  <a:pos x="T108" y="T109"/>
+                </a:cxn>
+                <a:cxn ang="0">
+                  <a:pos x="T110" y="T111"/>
+                </a:cxn>
+                <a:cxn ang="0">
+                  <a:pos x="T112" y="T113"/>
+                </a:cxn>
+                <a:cxn ang="0">
+                  <a:pos x="T114" y="T115"/>
+                </a:cxn>
+                <a:cxn ang="0">
+                  <a:pos x="T116" y="T117"/>
+                </a:cxn>
+                <a:cxn ang="0">
+                  <a:pos x="T118" y="T119"/>
+                </a:cxn>
+              </a:cxnLst>
+              <a:rect l="0" t="0" r="r" b="b"/>
+              <a:pathLst>
+                <a:path w="484" h="410">
+                  <a:moveTo>
+                    <a:pt x="106" y="172"/>
+                  </a:moveTo>
+                  <a:lnTo>
+                    <a:pt x="106" y="238"/>
+                  </a:lnTo>
+                  <a:cubicBezTo>
+                    <a:pt x="106" y="249"/>
+                    <a:pt x="97" y="258"/>
+                    <a:pt x="86" y="258"/>
+                  </a:cubicBezTo>
+                  <a:lnTo>
+                    <a:pt x="20" y="258"/>
+                  </a:lnTo>
+                  <a:cubicBezTo>
+                    <a:pt x="9" y="258"/>
+                    <a:pt x="0" y="249"/>
+                    <a:pt x="0" y="238"/>
+                  </a:cubicBezTo>
+                  <a:lnTo>
+                    <a:pt x="0" y="172"/>
+                  </a:lnTo>
+                  <a:cubicBezTo>
+                    <a:pt x="0" y="161"/>
+                    <a:pt x="9" y="152"/>
+                    <a:pt x="20" y="152"/>
+                  </a:cubicBezTo>
+                  <a:lnTo>
+                    <a:pt x="86" y="152"/>
+                  </a:lnTo>
+                  <a:cubicBezTo>
+                    <a:pt x="97" y="152"/>
+                    <a:pt x="106" y="161"/>
+                    <a:pt x="106" y="172"/>
+                  </a:cubicBezTo>
+                  <a:close/>
+                  <a:moveTo>
+                    <a:pt x="464" y="152"/>
+                  </a:moveTo>
+                  <a:lnTo>
+                    <a:pt x="177" y="152"/>
+                  </a:lnTo>
+                  <a:lnTo>
+                    <a:pt x="167" y="152"/>
+                  </a:lnTo>
+                  <a:cubicBezTo>
+                    <a:pt x="156" y="152"/>
+                    <a:pt x="147" y="161"/>
+                    <a:pt x="147" y="172"/>
+                  </a:cubicBezTo>
+                  <a:lnTo>
+                    <a:pt x="147" y="238"/>
+                  </a:lnTo>
+                  <a:cubicBezTo>
+                    <a:pt x="147" y="249"/>
+                    <a:pt x="156" y="258"/>
+                    <a:pt x="167" y="258"/>
+                  </a:cubicBezTo>
+                  <a:lnTo>
+                    <a:pt x="177" y="258"/>
+                  </a:lnTo>
+                  <a:lnTo>
+                    <a:pt x="464" y="258"/>
+                  </a:lnTo>
+                  <a:cubicBezTo>
+                    <a:pt x="475" y="258"/>
+                    <a:pt x="484" y="249"/>
+                    <a:pt x="484" y="238"/>
+                  </a:cubicBezTo>
+                  <a:lnTo>
+                    <a:pt x="484" y="172"/>
+                  </a:lnTo>
+                  <a:cubicBezTo>
+                    <a:pt x="484" y="161"/>
+                    <a:pt x="475" y="152"/>
+                    <a:pt x="464" y="152"/>
+                  </a:cubicBezTo>
+                  <a:close/>
+                  <a:moveTo>
+                    <a:pt x="86" y="0"/>
+                  </a:moveTo>
+                  <a:lnTo>
+                    <a:pt x="20" y="0"/>
+                  </a:lnTo>
+                  <a:cubicBezTo>
+                    <a:pt x="9" y="0"/>
+                    <a:pt x="0" y="9"/>
+                    <a:pt x="0" y="20"/>
+                  </a:cubicBezTo>
+                  <a:lnTo>
+                    <a:pt x="0" y="87"/>
+                  </a:lnTo>
+                  <a:cubicBezTo>
+                    <a:pt x="0" y="98"/>
+                    <a:pt x="9" y="107"/>
+                    <a:pt x="20" y="107"/>
+                  </a:cubicBezTo>
+                  <a:lnTo>
+                    <a:pt x="86" y="107"/>
+                  </a:lnTo>
+                  <a:cubicBezTo>
+                    <a:pt x="97" y="107"/>
+                    <a:pt x="106" y="98"/>
+                    <a:pt x="106" y="87"/>
+                  </a:cubicBezTo>
+                  <a:lnTo>
+                    <a:pt x="106" y="20"/>
+                  </a:lnTo>
+                  <a:cubicBezTo>
+                    <a:pt x="106" y="9"/>
+                    <a:pt x="97" y="0"/>
+                    <a:pt x="86" y="0"/>
+                  </a:cubicBezTo>
+                  <a:close/>
+                  <a:moveTo>
+                    <a:pt x="464" y="0"/>
+                  </a:moveTo>
+                  <a:lnTo>
+                    <a:pt x="177" y="0"/>
+                  </a:lnTo>
+                  <a:lnTo>
+                    <a:pt x="167" y="0"/>
+                  </a:lnTo>
+                  <a:cubicBezTo>
+                    <a:pt x="156" y="0"/>
+                    <a:pt x="147" y="9"/>
+                    <a:pt x="147" y="20"/>
+                  </a:cubicBezTo>
+                  <a:lnTo>
+                    <a:pt x="147" y="87"/>
+                  </a:lnTo>
+                  <a:cubicBezTo>
+                    <a:pt x="147" y="98"/>
+                    <a:pt x="156" y="107"/>
+                    <a:pt x="167" y="107"/>
+                  </a:cubicBezTo>
+                  <a:lnTo>
+                    <a:pt x="177" y="107"/>
+                  </a:lnTo>
+                  <a:lnTo>
+                    <a:pt x="464" y="107"/>
+                  </a:lnTo>
+                  <a:cubicBezTo>
+                    <a:pt x="475" y="107"/>
+                    <a:pt x="484" y="98"/>
+                    <a:pt x="484" y="87"/>
+                  </a:cubicBezTo>
+                  <a:lnTo>
+                    <a:pt x="484" y="20"/>
+                  </a:lnTo>
+                  <a:cubicBezTo>
+                    <a:pt x="484" y="9"/>
+                    <a:pt x="475" y="0"/>
+                    <a:pt x="464" y="0"/>
+                  </a:cubicBezTo>
+                  <a:close/>
+                  <a:moveTo>
+                    <a:pt x="86" y="303"/>
+                  </a:moveTo>
+                  <a:lnTo>
+                    <a:pt x="20" y="303"/>
+                  </a:lnTo>
+                  <a:cubicBezTo>
+                    <a:pt x="9" y="303"/>
+                    <a:pt x="0" y="312"/>
+                    <a:pt x="0" y="323"/>
+                  </a:cubicBezTo>
+                  <a:lnTo>
+                    <a:pt x="0" y="390"/>
+                  </a:lnTo>
+                  <a:cubicBezTo>
+                    <a:pt x="0" y="401"/>
+                    <a:pt x="9" y="410"/>
+                    <a:pt x="20" y="410"/>
+                  </a:cubicBezTo>
+                  <a:lnTo>
+                    <a:pt x="86" y="410"/>
+                  </a:lnTo>
+                  <a:cubicBezTo>
+                    <a:pt x="97" y="410"/>
+                    <a:pt x="106" y="401"/>
+                    <a:pt x="106" y="390"/>
+                  </a:cubicBezTo>
+                  <a:lnTo>
+                    <a:pt x="106" y="323"/>
+                  </a:lnTo>
+                  <a:cubicBezTo>
+                    <a:pt x="106" y="312"/>
+                    <a:pt x="97" y="303"/>
+                    <a:pt x="86" y="303"/>
+                  </a:cubicBezTo>
+                  <a:close/>
+                  <a:moveTo>
+                    <a:pt x="464" y="303"/>
+                  </a:moveTo>
+                  <a:lnTo>
+                    <a:pt x="177" y="303"/>
+                  </a:lnTo>
+                  <a:lnTo>
+                    <a:pt x="167" y="303"/>
+                  </a:lnTo>
+                  <a:cubicBezTo>
+                    <a:pt x="156" y="303"/>
+                    <a:pt x="147" y="312"/>
+                    <a:pt x="147" y="323"/>
+                  </a:cubicBezTo>
+                  <a:lnTo>
+                    <a:pt x="147" y="390"/>
+                  </a:lnTo>
+                  <a:cubicBezTo>
+                    <a:pt x="147" y="401"/>
+                    <a:pt x="156" y="410"/>
+                    <a:pt x="167" y="410"/>
+                  </a:cubicBezTo>
+                  <a:lnTo>
+                    <a:pt x="177" y="410"/>
+                  </a:lnTo>
+                  <a:lnTo>
+                    <a:pt x="464" y="410"/>
+                  </a:lnTo>
+                  <a:cubicBezTo>
+                    <a:pt x="475" y="410"/>
+                    <a:pt x="484" y="401"/>
+                    <a:pt x="484" y="390"/>
+                  </a:cubicBezTo>
+                  <a:lnTo>
+                    <a:pt x="484" y="323"/>
+                  </a:lnTo>
+                  <a:cubicBezTo>
+                    <a:pt x="484" y="312"/>
+                    <a:pt x="475" y="303"/>
+                    <a:pt x="464" y="303"/>
+                  </a:cubicBezTo>
+                  <a:close/>
+                </a:path>
+              </a:pathLst>
+            </a:custGeom>
+            <a:solidFill>
+              <a:schemeClr val="bg1">
+                <a:lumMod val="85000"/>
+              </a:schemeClr>
+            </a:solidFill>
+            <a:ln>
+              <a:noFill/>
+            </a:ln>
+          </p:spPr>
+          <p:txBody>
+            <a:bodyPr wrap="square" lIns="91440" tIns="45720" rIns="91440" bIns="45720" anchor="ctr">
+              <a:normAutofit fontScale="85000" lnSpcReduction="20000"/>
+            </a:bodyPr>
+            <a:lstStyle>
+              <a:defPPr>
+                <a:defRPr lang="zh-CN"/>
+              </a:defPPr>
+              <a:lvl1pPr marL="0" algn="l" defTabSz="914400" rtl="0" eaLnBrk="1" latinLnBrk="0" hangingPunct="1">
+                <a:defRPr sz="1800" kern="1200">
+                  <a:solidFill>
+                    <a:schemeClr val="tx1"/>
+                  </a:solidFill>
+                </a:defRPr>
+              </a:lvl1pPr>
+              <a:lvl2pPr marL="457200" algn="l" defTabSz="914400" rtl="0" eaLnBrk="1" latinLnBrk="0" hangingPunct="1">
+                <a:defRPr sz="1800" kern="1200">
+                  <a:solidFill>
+                    <a:schemeClr val="tx1"/>
+                  </a:solidFill>
+                </a:defRPr>
+              </a:lvl2pPr>
+              <a:lvl3pPr marL="914400" algn="l" defTabSz="914400" rtl="0" eaLnBrk="1" latinLnBrk="0" hangingPunct="1">
+                <a:defRPr sz="1800" kern="1200">
+                  <a:solidFill>
+                    <a:schemeClr val="tx1"/>
+                  </a:solidFill>
+                </a:defRPr>
+              </a:lvl3pPr>
+              <a:lvl4pPr marL="1371600" algn="l" defTabSz="914400" rtl="0" eaLnBrk="1" latinLnBrk="0" hangingPunct="1">
+                <a:defRPr sz="1800" kern="1200">
+                  <a:solidFill>
+                    <a:schemeClr val="tx1"/>
+                  </a:solidFill>
+                </a:defRPr>
+              </a:lvl4pPr>
+              <a:lvl5pPr marL="1828800" algn="l" defTabSz="914400" rtl="0" eaLnBrk="1" latinLnBrk="0" hangingPunct="1">
+                <a:defRPr sz="1800" kern="1200">
+                  <a:solidFill>
+                    <a:schemeClr val="tx1"/>
+                  </a:solidFill>
+                </a:defRPr>
+              </a:lvl5pPr>
+              <a:lvl6pPr marL="2286000" algn="l" defTabSz="914400" rtl="0" eaLnBrk="1" latinLnBrk="0" hangingPunct="1">
+                <a:defRPr sz="1800" kern="1200">
+                  <a:solidFill>
+                    <a:schemeClr val="tx1"/>
+                  </a:solidFill>
+                </a:defRPr>
+              </a:lvl6pPr>
+              <a:lvl7pPr marL="2743200" algn="l" defTabSz="914400" rtl="0" eaLnBrk="1" latinLnBrk="0" hangingPunct="1">
+                <a:defRPr sz="1800" kern="1200">
+                  <a:solidFill>
+                    <a:schemeClr val="tx1"/>
+                  </a:solidFill>
+                </a:defRPr>
+              </a:lvl7pPr>
+              <a:lvl8pPr marL="3200400" algn="l" defTabSz="914400" rtl="0" eaLnBrk="1" latinLnBrk="0" hangingPunct="1">
+                <a:defRPr sz="1800" kern="1200">
+                  <a:solidFill>
+                    <a:schemeClr val="tx1"/>
+                  </a:solidFill>
+                </a:defRPr>
+              </a:lvl8pPr>
+              <a:lvl9pPr marL="3657600" algn="l" defTabSz="914400" rtl="0" eaLnBrk="1" latinLnBrk="0" hangingPunct="1">
+                <a:defRPr sz="1800" kern="1200">
+                  <a:solidFill>
+                    <a:schemeClr val="tx1"/>
+                  </a:solidFill>
+                </a:defRPr>
+              </a:lvl9pPr>
+            </a:lstStyle>
+            <a:p>
+              <a:pPr algn="ctr"/>
+              <a:endParaRPr/>
+            </a:p>
+          </p:txBody>
+        </p:sp>
+        <p:cxnSp>
+          <p:nvCxnSpPr>
+            <p:cNvPr id="61" name="直接连接符 36"/>
+            <p:cNvCxnSpPr/>
+            <p:nvPr/>
+          </p:nvCxnSpPr>
+          <p:spPr>
+            <a:xfrm>
+              <a:off x="5828576" y="432195"/>
+              <a:ext cx="20890" cy="4213412"/>
+            </a:xfrm>
+            <a:prstGeom prst="line">
+              <a:avLst/>
+            </a:prstGeom>
+            <a:ln>
+              <a:solidFill>
+                <a:schemeClr val="tx2"/>
+              </a:solidFill>
+            </a:ln>
+          </p:spPr>
+          <p:style>
+            <a:lnRef idx="1">
+              <a:schemeClr val="accent1"/>
+            </a:lnRef>
+            <a:fillRef idx="0">
+              <a:schemeClr val="accent1"/>
+            </a:fillRef>
+            <a:effectRef idx="0">
+              <a:schemeClr val="accent1"/>
+            </a:effectRef>
+            <a:fontRef idx="minor">
+              <a:schemeClr val="tx1"/>
+            </a:fontRef>
+          </p:style>
+        </p:cxnSp>
+        <p:sp>
+          <p:nvSpPr>
+            <p:cNvPr id="62" name="ïṥliďe"/>
+            <p:cNvSpPr/>
+            <p:nvPr/>
+          </p:nvSpPr>
+          <p:spPr bwMode="auto">
+            <a:xfrm>
+              <a:off x="5756569" y="2050673"/>
+              <a:ext cx="144016" cy="144016"/>
+            </a:xfrm>
+            <a:prstGeom prst="ellipse">
+              <a:avLst/>
+            </a:prstGeom>
+            <a:solidFill>
+              <a:schemeClr val="bg1"/>
+            </a:solidFill>
+            <a:ln w="19050" cap="flat" cmpd="sng" algn="ctr">
+              <a:solidFill>
+                <a:schemeClr val="accent1">
+                  <a:lumMod val="100000"/>
+                </a:schemeClr>
+              </a:solidFill>
+              <a:prstDash val="solid"/>
+              <a:round/>
+              <a:headEnd type="none" w="med" len="med"/>
+              <a:tailEnd type="none" w="med" len="med"/>
+            </a:ln>
+          </p:spPr>
+          <p:txBody>
+            <a:bodyPr anchor="ctr"/>
+            <a:lstStyle/>
+            <a:p>
+              <a:pPr algn="ctr"/>
+              <a:endParaRPr/>
+            </a:p>
+          </p:txBody>
+        </p:sp>
+        <p:sp>
+          <p:nvSpPr>
+            <p:cNvPr id="67" name="ïslïďè"/>
+            <p:cNvSpPr/>
+            <p:nvPr/>
+          </p:nvSpPr>
+          <p:spPr bwMode="auto">
+            <a:xfrm>
+              <a:off x="5756568" y="2981424"/>
+              <a:ext cx="144016" cy="144016"/>
+            </a:xfrm>
+            <a:prstGeom prst="ellipse">
+              <a:avLst/>
+            </a:prstGeom>
+            <a:solidFill>
+              <a:schemeClr val="bg1"/>
+            </a:solidFill>
+            <a:ln w="19050" cap="flat" cmpd="sng" algn="ctr">
+              <a:solidFill>
+                <a:schemeClr val="bg1">
+                  <a:lumMod val="65000"/>
+                </a:schemeClr>
+              </a:solidFill>
+              <a:prstDash val="solid"/>
+              <a:round/>
+              <a:headEnd type="none" w="med" len="med"/>
+              <a:tailEnd type="none" w="med" len="med"/>
+            </a:ln>
+          </p:spPr>
+          <p:txBody>
+            <a:bodyPr anchor="ctr"/>
+            <a:lstStyle/>
+            <a:p>
+              <a:pPr algn="ctr"/>
+              <a:endParaRPr/>
+            </a:p>
+          </p:txBody>
+        </p:sp>
+        <p:grpSp>
+          <p:nvGrpSpPr>
+            <p:cNvPr id="70" name="ïŝḻïḋé"/>
+            <p:cNvGrpSpPr/>
+            <p:nvPr/>
+          </p:nvGrpSpPr>
+          <p:grpSpPr>
+            <a:xfrm>
+              <a:off x="4907869" y="1824744"/>
+              <a:ext cx="595872" cy="595872"/>
+              <a:chOff x="5283305" y="1269560"/>
+              <a:chExt cx="595872" cy="595872"/>
+            </a:xfrm>
+          </p:grpSpPr>
+          <p:sp>
+            <p:nvSpPr>
+              <p:cNvPr id="87" name="îś1iďè"/>
+              <p:cNvSpPr/>
+              <p:nvPr/>
+            </p:nvSpPr>
+            <p:spPr bwMode="auto">
+              <a:xfrm rot="2691234">
+                <a:off x="5283305" y="1269560"/>
+                <a:ext cx="595872" cy="595872"/>
+              </a:xfrm>
+              <a:prstGeom prst="teardrop">
+                <a:avLst/>
+              </a:prstGeom>
+              <a:solidFill>
+                <a:schemeClr val="accent1">
+                  <a:lumMod val="100000"/>
+                </a:schemeClr>
+              </a:solidFill>
+              <a:ln w="19050">
+                <a:noFill/>
+                <a:round/>
+              </a:ln>
+            </p:spPr>
+            <p:txBody>
+              <a:bodyPr anchor="ctr"/>
+              <a:lstStyle/>
+              <a:p>
+                <a:pPr algn="ctr"/>
+                <a:endParaRPr/>
+              </a:p>
+            </p:txBody>
+          </p:sp>
+          <p:sp>
+            <p:nvSpPr>
+              <p:cNvPr id="88" name="iṡḻidè"/>
+              <p:cNvSpPr/>
+              <p:nvPr/>
+            </p:nvSpPr>
+            <p:spPr bwMode="auto">
+              <a:xfrm>
+                <a:off x="5298039" y="1280434"/>
+                <a:ext cx="574124" cy="574124"/>
+              </a:xfrm>
+              <a:prstGeom prst="ellipse">
+                <a:avLst/>
+              </a:prstGeom>
+              <a:solidFill>
+                <a:schemeClr val="bg1">
+                  <a:alpha val="0"/>
+                </a:schemeClr>
+              </a:solidFill>
+              <a:ln w="19050">
+                <a:noFill/>
+                <a:round/>
+              </a:ln>
+            </p:spPr>
+            <p:txBody>
+              <a:bodyPr rot="0" spcFirstLastPara="0" vert="horz" wrap="none" lIns="91440" tIns="45720" rIns="91440" bIns="45720" anchor="ctr" anchorCtr="1" forceAA="0" compatLnSpc="1">
+                <a:normAutofit/>
+              </a:bodyPr>
+              <a:lstStyle/>
+              <a:p>
+                <a:pPr algn="ctr"/>
+                <a:r>
+                  <a:rPr lang="en-US" altLang="zh-CN" sz="1600">
+                    <a:solidFill>
+                      <a:schemeClr val="bg1">
+                        <a:lumMod val="100000"/>
+                      </a:schemeClr>
+                    </a:solidFill>
+                    <a:latin typeface="Impact" panose="020B0806030902050204" pitchFamily="34" charset="0"/>
+                  </a:rPr>
+                  <a:t>01</a:t>
+                </a:r>
+              </a:p>
+            </p:txBody>
+          </p:sp>
+        </p:grpSp>
+        <p:grpSp>
+          <p:nvGrpSpPr>
+            <p:cNvPr id="71" name="ïšḷiḋè"/>
+            <p:cNvGrpSpPr/>
+            <p:nvPr/>
+          </p:nvGrpSpPr>
+          <p:grpSpPr>
+            <a:xfrm>
+              <a:off x="4907868" y="2755496"/>
+              <a:ext cx="595872" cy="595872"/>
+              <a:chOff x="5283304" y="2200312"/>
+              <a:chExt cx="595872" cy="595872"/>
+            </a:xfrm>
+            <a:solidFill>
+              <a:schemeClr val="bg1">
+                <a:lumMod val="65000"/>
+              </a:schemeClr>
+            </a:solidFill>
+          </p:grpSpPr>
+          <p:sp>
+            <p:nvSpPr>
+              <p:cNvPr id="85" name="ïşliḍé"/>
+              <p:cNvSpPr/>
+              <p:nvPr/>
+            </p:nvSpPr>
+            <p:spPr bwMode="auto">
+              <a:xfrm rot="2691234">
+                <a:off x="5283304" y="2200312"/>
+                <a:ext cx="595872" cy="595872"/>
+              </a:xfrm>
+              <a:prstGeom prst="teardrop">
+                <a:avLst/>
+              </a:prstGeom>
+              <a:grpFill/>
+              <a:ln w="19050">
+                <a:noFill/>
+                <a:round/>
+              </a:ln>
+            </p:spPr>
+            <p:txBody>
+              <a:bodyPr anchor="ctr"/>
+              <a:lstStyle/>
+              <a:p>
+                <a:pPr algn="ctr"/>
+                <a:endParaRPr/>
+              </a:p>
+            </p:txBody>
+          </p:sp>
+          <p:sp>
+            <p:nvSpPr>
+              <p:cNvPr id="86" name="íṩḷíḍé"/>
+              <p:cNvSpPr/>
+              <p:nvPr/>
+            </p:nvSpPr>
+            <p:spPr bwMode="auto">
+              <a:xfrm>
+                <a:off x="5298039" y="2211186"/>
+                <a:ext cx="574124" cy="574124"/>
+              </a:xfrm>
+              <a:prstGeom prst="ellipse">
+                <a:avLst/>
+              </a:prstGeom>
+              <a:grpFill/>
+              <a:ln w="19050">
+                <a:noFill/>
+                <a:round/>
+              </a:ln>
+            </p:spPr>
+            <p:txBody>
+              <a:bodyPr rot="0" spcFirstLastPara="0" vert="horz" wrap="none" lIns="91440" tIns="45720" rIns="91440" bIns="45720" anchor="ctr" anchorCtr="1" forceAA="0" compatLnSpc="1">
+                <a:normAutofit/>
+              </a:bodyPr>
+              <a:lstStyle/>
+              <a:p>
+                <a:pPr algn="ctr"/>
+                <a:r>
+                  <a:rPr lang="en-US" altLang="zh-CN" sz="1600">
+                    <a:solidFill>
+                      <a:schemeClr val="bg1">
+                        <a:lumMod val="100000"/>
+                      </a:schemeClr>
+                    </a:solidFill>
+                    <a:latin typeface="Impact" panose="020B0806030902050204" pitchFamily="34" charset="0"/>
+                  </a:rPr>
+                  <a:t>02</a:t>
+                </a:r>
+              </a:p>
+            </p:txBody>
+          </p:sp>
+        </p:grpSp>
+        <p:sp>
+          <p:nvSpPr>
+            <p:cNvPr id="74" name="išlîḋe"/>
+            <p:cNvSpPr/>
+            <p:nvPr/>
+          </p:nvSpPr>
+          <p:spPr bwMode="auto">
+            <a:xfrm>
+              <a:off x="6096000" y="1900399"/>
+              <a:ext cx="5424485" cy="431406"/>
+            </a:xfrm>
+            <a:prstGeom prst="rect">
+              <a:avLst/>
+            </a:prstGeom>
+            <a:noFill/>
+            <a:ln>
+              <a:noFill/>
+            </a:ln>
+            <a:extLst>
+              <a:ext uri="{909E8E84-426E-40dd-AFC4-6F175D3DCCD1}">
+                <a14:hiddenFill xmlns:a14="http://schemas.microsoft.com/office/drawing/2010/main">
+                  <a:solidFill>
+                    <a:srgbClr val="FFFFFF"/>
+                  </a:solidFill>
+                </a14:hiddenFill>
+              </a:ext>
+              <a:ext uri="{91240B29-F687-4f45-9708-019B960494DF}">
+                <a14:hiddenLine xmlns:a14="http://schemas.microsoft.com/office/drawing/2010/main" w="9525">
+                  <a:solidFill>
+                    <a:srgbClr val="000000"/>
+                  </a:solidFill>
+                  <a:miter lim="800000"/>
+                  <a:headEnd/>
+                  <a:tailEnd/>
+                </a14:hiddenLine>
+              </a:ext>
+            </a:extLst>
+          </p:spPr>
+          <p:txBody>
+            <a:bodyPr wrap="square" lIns="90000" tIns="46800" rIns="90000" bIns="46800" anchor="ctr" anchorCtr="0">
+              <a:noAutofit/>
+            </a:bodyPr>
+            <a:lstStyle>
+              <a:defPPr>
+                <a:defRPr lang="zh-CN"/>
+              </a:defPPr>
+              <a:lvl1pPr marL="0" algn="l" defTabSz="913765" rtl="0" eaLnBrk="1" latinLnBrk="0" hangingPunct="1">
+                <a:defRPr sz="1800" kern="1200">
+                  <a:solidFill>
+                    <a:schemeClr val="tx1"/>
+                  </a:solidFill>
+                </a:defRPr>
+              </a:lvl1pPr>
+              <a:lvl2pPr marL="457200" algn="l" defTabSz="913765" rtl="0" eaLnBrk="1" latinLnBrk="0" hangingPunct="1">
+                <a:defRPr sz="1800" kern="1200">
+                  <a:solidFill>
+                    <a:schemeClr val="tx1"/>
+                  </a:solidFill>
+                </a:defRPr>
+              </a:lvl2pPr>
+              <a:lvl3pPr marL="914400" algn="l" defTabSz="913765" rtl="0" eaLnBrk="1" latinLnBrk="0" hangingPunct="1">
+                <a:defRPr sz="1800" kern="1200">
+                  <a:solidFill>
+                    <a:schemeClr val="tx1"/>
+                  </a:solidFill>
+                </a:defRPr>
+              </a:lvl3pPr>
+              <a:lvl4pPr marL="1371600" algn="l" defTabSz="913765" rtl="0" eaLnBrk="1" latinLnBrk="0" hangingPunct="1">
+                <a:defRPr sz="1800" kern="1200">
+                  <a:solidFill>
+                    <a:schemeClr val="tx1"/>
+                  </a:solidFill>
+                </a:defRPr>
+              </a:lvl4pPr>
+              <a:lvl5pPr marL="1828800" algn="l" defTabSz="913765" rtl="0" eaLnBrk="1" latinLnBrk="0" hangingPunct="1">
+                <a:defRPr sz="1800" kern="1200">
+                  <a:solidFill>
+                    <a:schemeClr val="tx1"/>
+                  </a:solidFill>
+                </a:defRPr>
+              </a:lvl5pPr>
+              <a:lvl6pPr marL="2286000" algn="l" defTabSz="913765" rtl="0" eaLnBrk="1" latinLnBrk="0" hangingPunct="1">
+                <a:defRPr sz="1800" kern="1200">
+                  <a:solidFill>
+                    <a:schemeClr val="tx1"/>
+                  </a:solidFill>
+                </a:defRPr>
+              </a:lvl6pPr>
+              <a:lvl7pPr marL="2743200" algn="l" defTabSz="913765" rtl="0" eaLnBrk="1" latinLnBrk="0" hangingPunct="1">
+                <a:defRPr sz="1800" kern="1200">
+                  <a:solidFill>
+                    <a:schemeClr val="tx1"/>
+                  </a:solidFill>
+                </a:defRPr>
+              </a:lvl7pPr>
+              <a:lvl8pPr marL="3200400" algn="l" defTabSz="913765" rtl="0" eaLnBrk="1" latinLnBrk="0" hangingPunct="1">
+                <a:defRPr sz="1800" kern="1200">
+                  <a:solidFill>
+                    <a:schemeClr val="tx1"/>
+                  </a:solidFill>
+                </a:defRPr>
+              </a:lvl8pPr>
+              <a:lvl9pPr marL="3657600" algn="l" defTabSz="913765" rtl="0" eaLnBrk="1" latinLnBrk="0" hangingPunct="1">
+                <a:defRPr sz="1800" kern="1200">
+                  <a:solidFill>
+                    <a:schemeClr val="tx1"/>
+                  </a:solidFill>
+                </a:defRPr>
+              </a:lvl9pPr>
+            </a:lstStyle>
+            <a:p>
+              <a:pPr>
+                <a:lnSpc>
+                  <a:spcPct val="120000"/>
+                </a:lnSpc>
+              </a:pPr>
+              <a:r>
+                <a:rPr lang="zh-CN" altLang="zh-CN" sz="2400" dirty="0"/>
+                <a:t>S</a:t>
+              </a:r>
+              <a:r>
+                <a:rPr lang="en-US" altLang="zh-CN" sz="2400" dirty="0"/>
+                <a:t>eq2Seq + Attention</a:t>
+              </a:r>
+              <a:endParaRPr lang="en-US" altLang="zh-CN" sz="2400" dirty="0"/>
+            </a:p>
+          </p:txBody>
+        </p:sp>
+        <p:sp>
+          <p:nvSpPr>
+            <p:cNvPr id="75" name="î$ḻîďê"/>
+            <p:cNvSpPr/>
+            <p:nvPr/>
+          </p:nvSpPr>
+          <p:spPr bwMode="auto">
+            <a:xfrm>
+              <a:off x="6096000" y="2837729"/>
+              <a:ext cx="5424485" cy="431406"/>
+            </a:xfrm>
+            <a:prstGeom prst="rect">
+              <a:avLst/>
+            </a:prstGeom>
+            <a:noFill/>
+            <a:ln>
+              <a:noFill/>
+            </a:ln>
+            <a:extLst>
+              <a:ext uri="{909E8E84-426E-40dd-AFC4-6F175D3DCCD1}">
+                <a14:hiddenFill xmlns:a14="http://schemas.microsoft.com/office/drawing/2010/main">
+                  <a:solidFill>
+                    <a:srgbClr val="FFFFFF"/>
+                  </a:solidFill>
+                </a14:hiddenFill>
+              </a:ext>
+              <a:ext uri="{91240B29-F687-4f45-9708-019B960494DF}">
+                <a14:hiddenLine xmlns:a14="http://schemas.microsoft.com/office/drawing/2010/main" w="9525">
+                  <a:solidFill>
+                    <a:srgbClr val="000000"/>
+                  </a:solidFill>
+                  <a:miter lim="800000"/>
+                  <a:headEnd/>
+                  <a:tailEnd/>
+                </a14:hiddenLine>
+              </a:ext>
+            </a:extLst>
+          </p:spPr>
+          <p:txBody>
+            <a:bodyPr wrap="square" lIns="90000" tIns="46800" rIns="90000" bIns="46800" anchor="ctr" anchorCtr="0">
+              <a:noAutofit/>
+            </a:bodyPr>
+            <a:lstStyle>
+              <a:defPPr>
+                <a:defRPr lang="zh-CN"/>
+              </a:defPPr>
+              <a:lvl1pPr marL="0" algn="l" defTabSz="913765" rtl="0" eaLnBrk="1" latinLnBrk="0" hangingPunct="1">
+                <a:defRPr sz="1800" kern="1200">
+                  <a:solidFill>
+                    <a:schemeClr val="tx1"/>
+                  </a:solidFill>
+                </a:defRPr>
+              </a:lvl1pPr>
+              <a:lvl2pPr marL="457200" algn="l" defTabSz="913765" rtl="0" eaLnBrk="1" latinLnBrk="0" hangingPunct="1">
+                <a:defRPr sz="1800" kern="1200">
+                  <a:solidFill>
+                    <a:schemeClr val="tx1"/>
+                  </a:solidFill>
+                </a:defRPr>
+              </a:lvl2pPr>
+              <a:lvl3pPr marL="914400" algn="l" defTabSz="913765" rtl="0" eaLnBrk="1" latinLnBrk="0" hangingPunct="1">
+                <a:defRPr sz="1800" kern="1200">
+                  <a:solidFill>
+                    <a:schemeClr val="tx1"/>
+                  </a:solidFill>
+                </a:defRPr>
+              </a:lvl3pPr>
+              <a:lvl4pPr marL="1371600" algn="l" defTabSz="913765" rtl="0" eaLnBrk="1" latinLnBrk="0" hangingPunct="1">
+                <a:defRPr sz="1800" kern="1200">
+                  <a:solidFill>
+                    <a:schemeClr val="tx1"/>
+                  </a:solidFill>
+                </a:defRPr>
+              </a:lvl4pPr>
+              <a:lvl5pPr marL="1828800" algn="l" defTabSz="913765" rtl="0" eaLnBrk="1" latinLnBrk="0" hangingPunct="1">
+                <a:defRPr sz="1800" kern="1200">
+                  <a:solidFill>
+                    <a:schemeClr val="tx1"/>
+                  </a:solidFill>
+                </a:defRPr>
+              </a:lvl5pPr>
+              <a:lvl6pPr marL="2286000" algn="l" defTabSz="913765" rtl="0" eaLnBrk="1" latinLnBrk="0" hangingPunct="1">
+                <a:defRPr sz="1800" kern="1200">
+                  <a:solidFill>
+                    <a:schemeClr val="tx1"/>
+                  </a:solidFill>
+                </a:defRPr>
+              </a:lvl6pPr>
+              <a:lvl7pPr marL="2743200" algn="l" defTabSz="913765" rtl="0" eaLnBrk="1" latinLnBrk="0" hangingPunct="1">
+                <a:defRPr sz="1800" kern="1200">
+                  <a:solidFill>
+                    <a:schemeClr val="tx1"/>
+                  </a:solidFill>
+                </a:defRPr>
+              </a:lvl7pPr>
+              <a:lvl8pPr marL="3200400" algn="l" defTabSz="913765" rtl="0" eaLnBrk="1" latinLnBrk="0" hangingPunct="1">
+                <a:defRPr sz="1800" kern="1200">
+                  <a:solidFill>
+                    <a:schemeClr val="tx1"/>
+                  </a:solidFill>
+                </a:defRPr>
+              </a:lvl8pPr>
+              <a:lvl9pPr marL="3657600" algn="l" defTabSz="913765" rtl="0" eaLnBrk="1" latinLnBrk="0" hangingPunct="1">
+                <a:defRPr sz="1800" kern="1200">
+                  <a:solidFill>
+                    <a:schemeClr val="tx1"/>
+                  </a:solidFill>
+                </a:defRPr>
+              </a:lvl9pPr>
+            </a:lstStyle>
+            <a:p>
+              <a:pPr>
+                <a:lnSpc>
+                  <a:spcPct val="120000"/>
+                </a:lnSpc>
+              </a:pPr>
+              <a:r>
+                <a:rPr lang="zh-CN" altLang="en-US" sz="2400" dirty="0" smtClean="0"/>
+                <a:t>聊天机器人</a:t>
+              </a:r>
+              <a:endParaRPr lang="en-US" altLang="zh-CN" sz="2400" dirty="0"/>
+            </a:p>
+          </p:txBody>
+        </p:sp>
+        <p:cxnSp>
+          <p:nvCxnSpPr>
+            <p:cNvPr id="78" name="直接连接符 52"/>
+            <p:cNvCxnSpPr/>
+            <p:nvPr/>
+          </p:nvCxnSpPr>
+          <p:spPr>
+            <a:xfrm>
+              <a:off x="6286500" y="2632088"/>
+              <a:ext cx="5233985" cy="0"/>
+            </a:xfrm>
+            <a:prstGeom prst="line">
+              <a:avLst/>
+            </a:prstGeom>
+            <a:ln w="3175">
+              <a:solidFill>
+                <a:schemeClr val="bg1">
+                  <a:lumMod val="75000"/>
+                </a:schemeClr>
+              </a:solidFill>
+            </a:ln>
+          </p:spPr>
+          <p:style>
+            <a:lnRef idx="1">
+              <a:schemeClr val="accent1"/>
+            </a:lnRef>
+            <a:fillRef idx="0">
+              <a:schemeClr val="accent1"/>
+            </a:fillRef>
+            <a:effectRef idx="0">
+              <a:schemeClr val="accent1"/>
+            </a:effectRef>
+            <a:fontRef idx="minor">
+              <a:schemeClr val="tx1"/>
+            </a:fontRef>
+          </p:style>
+        </p:cxnSp>
+        <p:cxnSp>
+          <p:nvCxnSpPr>
+            <p:cNvPr id="79" name="直接连接符 53"/>
+            <p:cNvCxnSpPr/>
+            <p:nvPr/>
+          </p:nvCxnSpPr>
+          <p:spPr>
+            <a:xfrm>
+              <a:off x="6286500" y="3559189"/>
+              <a:ext cx="5233985" cy="0"/>
+            </a:xfrm>
+            <a:prstGeom prst="line">
+              <a:avLst/>
+            </a:prstGeom>
+            <a:ln w="3175">
+              <a:solidFill>
+                <a:schemeClr val="bg1">
+                  <a:lumMod val="75000"/>
+                </a:schemeClr>
+              </a:solidFill>
+            </a:ln>
+          </p:spPr>
+          <p:style>
+            <a:lnRef idx="1">
+              <a:schemeClr val="accent1"/>
+            </a:lnRef>
+            <a:fillRef idx="0">
+              <a:schemeClr val="accent1"/>
+            </a:fillRef>
+            <a:effectRef idx="0">
+              <a:schemeClr val="accent1"/>
+            </a:effectRef>
+            <a:fontRef idx="minor">
+              <a:schemeClr val="tx1"/>
+            </a:fontRef>
+          </p:style>
+        </p:cxnSp>
+      </p:grpSp>
+    </p:spTree>
+    <p:extLst>
+      <p:ext uri="{BB962C8B-B14F-4D97-AF65-F5344CB8AC3E}">
+        <p14:creationId xmlns:p14="http://schemas.microsoft.com/office/powerpoint/2010/main" val="2768815669"/>
+      </p:ext>
+    </p:extLst>
+  </p:cSld>
+  <p:clrMapOvr>
+    <a:masterClrMapping/>
+  </p:clrMapOvr>
+  <p:timing>
+    <p:tnLst>
+      <p:par>
+        <p:cTn xmlns:p14="http://schemas.microsoft.com/office/powerpoint/2010/main" id="1" dur="indefinite" restart="never" nodeType="tmRoot"/>
+      </p:par>
+    </p:tnLst>
+  </p:timing>
+</p:sld>
+</file>
+
+<file path=ppt/slides/slide3.xml><?xml version="1.0" encoding="utf-8"?>
+<p:sld xmlns:a="http://schemas.openxmlformats.org/drawingml/2006/main" xmlns:r="http://schemas.openxmlformats.org/officeDocument/2006/relationships" xmlns:p="http://schemas.openxmlformats.org/presentationml/2006/main">
+  <p:cSld>
+    <p:spTree>
+      <p:nvGrpSpPr>
+        <p:cNvPr id="1" name=""/>
+        <p:cNvGrpSpPr/>
+        <p:nvPr/>
+      </p:nvGrpSpPr>
+      <p:grpSpPr>
+        <a:xfrm>
+          <a:off x="0" y="0"/>
+          <a:ext cx="0" cy="0"/>
+          <a:chOff x="0" y="0"/>
+          <a:chExt cx="0" cy="0"/>
+        </a:xfrm>
+      </p:grpSpPr>
+      <p:sp>
+        <p:nvSpPr>
+          <p:cNvPr id="12" name="标题 4"/>
+          <p:cNvSpPr>
+            <a:spLocks noGrp="1"/>
+          </p:cNvSpPr>
+          <p:nvPr>
+            <p:ph type="title"/>
+          </p:nvPr>
+        </p:nvSpPr>
+        <p:spPr/>
+        <p:txBody>
+          <a:bodyPr/>
+          <a:lstStyle/>
+          <a:p>
+            <a:r>
+              <a:rPr lang="en-US" altLang="zh-CN" dirty="0" smtClean="0"/>
+              <a:t>Seq2Seq + Attention</a:t>
+            </a:r>
+            <a:endParaRPr lang="zh-CN" altLang="en-US" dirty="0"/>
+          </a:p>
+        </p:txBody>
+      </p:sp>
+      <p:sp>
+        <p:nvSpPr>
+          <p:cNvPr id="13" name="文本占位符 5"/>
+          <p:cNvSpPr>
+            <a:spLocks noGrp="1"/>
+          </p:cNvSpPr>
+          <p:nvPr>
+            <p:ph type="body" idx="1"/>
+          </p:nvPr>
+        </p:nvSpPr>
+        <p:spPr>
+          <a:xfrm>
+            <a:off x="6027447" y="3876675"/>
+            <a:ext cx="5229104" cy="1015623"/>
+          </a:xfrm>
+        </p:spPr>
+        <p:txBody>
+          <a:bodyPr/>
+          <a:lstStyle/>
+          <a:p>
+            <a:pPr lvl="0"/>
+            <a:r>
+              <a:rPr lang="en-US" altLang="zh-CN" dirty="0"/>
+              <a:t>Supporting text here.</a:t>
+            </a:r>
+          </a:p>
+          <a:p>
+            <a:pPr lvl="0"/>
+            <a:r>
+              <a:rPr lang="en-US" altLang="zh-CN" dirty="0"/>
+              <a:t>When you copy &amp; paste, choose "keep text only" option.</a:t>
+            </a:r>
+            <a:endParaRPr lang="zh-CN" altLang="en-US" dirty="0"/>
+          </a:p>
+        </p:txBody>
+      </p:sp>
+      <p:cxnSp>
+        <p:nvCxnSpPr>
+          <p:cNvPr id="18" name="直接连接符 17"/>
+          <p:cNvCxnSpPr/>
+          <p:nvPr/>
+        </p:nvCxnSpPr>
+        <p:spPr>
+          <a:xfrm>
+            <a:off x="5867400" y="3473450"/>
+            <a:ext cx="0" cy="996950"/>
+          </a:xfrm>
+          <a:prstGeom prst="line">
+            <a:avLst/>
+          </a:prstGeom>
+          <a:ln w="12700">
+            <a:solidFill>
+              <a:schemeClr val="bg1"/>
+            </a:solidFill>
+          </a:ln>
+        </p:spPr>
+        <p:style>
+          <a:lnRef idx="1">
+            <a:schemeClr val="accent1"/>
+          </a:lnRef>
+          <a:fillRef idx="0">
+            <a:schemeClr val="accent1"/>
+          </a:fillRef>
+          <a:effectRef idx="0">
+            <a:schemeClr val="accent1"/>
+          </a:effectRef>
+          <a:fontRef idx="minor">
+            <a:schemeClr val="tx1"/>
+          </a:fontRef>
+        </p:style>
+      </p:cxnSp>
+      <p:sp>
+        <p:nvSpPr>
+          <p:cNvPr id="21" name="文本框 20"/>
+          <p:cNvSpPr txBox="1"/>
+          <p:nvPr/>
+        </p:nvSpPr>
+        <p:spPr>
+          <a:xfrm>
+            <a:off x="4483100" y="3483598"/>
+            <a:ext cx="1022345" cy="993152"/>
+          </a:xfrm>
+          <a:prstGeom prst="rect">
+            <a:avLst/>
+          </a:prstGeom>
+          <a:noFill/>
+          <a:ln w="117475">
+            <a:noFill/>
+          </a:ln>
+        </p:spPr>
+        <p:txBody>
+          <a:bodyPr wrap="none" rtlCol="0">
+            <a:prstTxWarp prst="textPlain">
+              <a:avLst/>
+            </a:prstTxWarp>
+            <a:spAutoFit/>
+          </a:bodyPr>
+          <a:lstStyle/>
+          <a:p>
+            <a:r>
+              <a:rPr lang="en-US" altLang="zh-CN" spc="100" dirty="0">
+                <a:solidFill>
+                  <a:schemeClr val="bg1"/>
+                </a:solidFill>
+                <a:latin typeface="Impact" panose="020B0806030902050204" pitchFamily="34" charset="0"/>
+                <a:cs typeface="Arial" panose="020B0604020202020204" pitchFamily="34" charset="0"/>
+              </a:rPr>
+              <a:t>01</a:t>
+            </a:r>
+            <a:endParaRPr lang="zh-CN" altLang="en-US" spc="100" dirty="0">
+              <a:solidFill>
+                <a:schemeClr val="bg1"/>
+              </a:solidFill>
+              <a:latin typeface="Impact" panose="020B0806030902050204" pitchFamily="34" charset="0"/>
+              <a:cs typeface="Arial" panose="020B0604020202020204" pitchFamily="34" charset="0"/>
+            </a:endParaRPr>
+          </a:p>
+        </p:txBody>
+      </p:sp>
+    </p:spTree>
+  </p:cSld>
+  <p:clrMapOvr>
+    <a:masterClrMapping/>
+  </p:clrMapOvr>
+  <p:timing>
+    <p:tnLst>
+      <p:par>
+        <p:cTn xmlns:p14="http://schemas.microsoft.com/office/powerpoint/2010/main" id="1" dur="indefinite" restart="never" nodeType="tmRoot"/>
+      </p:par>
+    </p:tnLst>
+  </p:timing>
+</p:sld>
+</file>
+
+<file path=ppt/slides/slide4.xml><?xml version="1.0" encoding="utf-8"?>
+<p:sld xmlns:a="http://schemas.openxmlformats.org/drawingml/2006/main" xmlns:r="http://schemas.openxmlformats.org/officeDocument/2006/relationships" xmlns:p="http://schemas.openxmlformats.org/presentationml/2006/main">
+  <p:cSld>
+    <p:spTree>
+      <p:nvGrpSpPr>
+        <p:cNvPr id="1" name=""/>
+        <p:cNvGrpSpPr/>
+        <p:nvPr/>
+      </p:nvGrpSpPr>
+      <p:grpSpPr>
+        <a:xfrm>
+          <a:off x="0" y="0"/>
+          <a:ext cx="0" cy="0"/>
+          <a:chOff x="0" y="0"/>
+          <a:chExt cx="0" cy="0"/>
+        </a:xfrm>
+      </p:grpSpPr>
+      <p:sp>
+        <p:nvSpPr>
+          <p:cNvPr id="2" name="Title 1"/>
+          <p:cNvSpPr>
+            <a:spLocks noGrp="1"/>
+          </p:cNvSpPr>
+          <p:nvPr>
+            <p:ph type="title"/>
+          </p:nvPr>
+        </p:nvSpPr>
+        <p:spPr/>
+        <p:txBody>
+          <a:bodyPr/>
+          <a:lstStyle/>
+          <a:p>
+            <a:r>
+              <a:rPr lang="en-US" altLang="zh-CN" dirty="0" smtClean="0"/>
+              <a:t>Encoder Decoder</a:t>
+            </a:r>
+            <a:r>
+              <a:rPr lang="zh-CN" altLang="en-US" dirty="0" smtClean="0"/>
+              <a:t>模型</a:t>
+            </a:r>
+            <a:endParaRPr lang="en-US" dirty="0"/>
+          </a:p>
+        </p:txBody>
+      </p:sp>
+      <p:sp>
+        <p:nvSpPr>
+          <p:cNvPr id="3" name="Slide Number Placeholder 2"/>
+          <p:cNvSpPr>
+            <a:spLocks noGrp="1"/>
+          </p:cNvSpPr>
+          <p:nvPr>
+            <p:ph type="sldNum" sz="quarter" idx="12"/>
+          </p:nvPr>
+        </p:nvSpPr>
+        <p:spPr/>
+        <p:txBody>
+          <a:bodyPr/>
+          <a:lstStyle/>
+          <a:p>
+            <a:fld id="{5DD3DB80-B894-403A-B48E-6FDC1A72010E}" type="slidenum">
+              <a:rPr lang="zh-CN" altLang="en-US" smtClean="0"/>
+              <a:t>4</a:t>
+            </a:fld>
+            <a:endParaRPr lang="zh-CN" altLang="en-US"/>
+          </a:p>
+        </p:txBody>
+      </p:sp>
+      <p:pic>
+        <p:nvPicPr>
+          <p:cNvPr id="4" name="Picture 3"/>
+          <p:cNvPicPr>
+            <a:picLocks noChangeAspect="1"/>
+          </p:cNvPicPr>
+          <p:nvPr/>
+        </p:nvPicPr>
+        <p:blipFill>
+          <a:blip r:embed="rId2"/>
+          <a:stretch>
+            <a:fillRect/>
+          </a:stretch>
+        </p:blipFill>
+        <p:spPr>
+          <a:xfrm>
+            <a:off x="6016458" y="543426"/>
+            <a:ext cx="5600700" cy="5651500"/>
+          </a:xfrm>
+          <a:prstGeom prst="rect">
+            <a:avLst/>
+          </a:prstGeom>
+        </p:spPr>
+      </p:pic>
+      <p:sp>
+        <p:nvSpPr>
+          <p:cNvPr id="5" name="TextBox 4"/>
+          <p:cNvSpPr txBox="1"/>
+          <p:nvPr/>
+        </p:nvSpPr>
+        <p:spPr>
+          <a:xfrm>
+            <a:off x="735263" y="1737895"/>
+            <a:ext cx="4959684" cy="3785652"/>
+          </a:xfrm>
+          <a:prstGeom prst="rect">
+            <a:avLst/>
+          </a:prstGeom>
+          <a:noFill/>
+        </p:spPr>
+        <p:txBody>
+          <a:bodyPr wrap="square" rtlCol="0">
+            <a:spAutoFit/>
+          </a:bodyPr>
+          <a:lstStyle/>
+          <a:p>
+            <a:pPr marL="285750" indent="-285750">
+              <a:buFontTx/>
+              <a:buChar char="-"/>
+            </a:pPr>
+            <a:r>
+              <a:rPr lang="en-US" altLang="zh-CN" sz="2400" dirty="0" smtClean="0"/>
+              <a:t>Encoder </a:t>
+            </a:r>
+            <a:r>
+              <a:rPr lang="zh-CN" altLang="en-US" sz="2400" dirty="0" smtClean="0"/>
+              <a:t>是一个 </a:t>
+            </a:r>
+            <a:r>
+              <a:rPr lang="en-US" altLang="zh-CN" sz="2400" dirty="0" smtClean="0"/>
+              <a:t>GRU</a:t>
+            </a:r>
+          </a:p>
+          <a:p>
+            <a:pPr marL="285750" indent="-285750">
+              <a:buFontTx/>
+              <a:buChar char="-"/>
+            </a:pPr>
+            <a:r>
+              <a:rPr lang="zh-CN" altLang="zh-CN" sz="2400" dirty="0" smtClean="0"/>
+              <a:t>D</a:t>
+            </a:r>
+            <a:r>
+              <a:rPr lang="en-US" altLang="zh-CN" sz="2400" dirty="0" err="1" smtClean="0"/>
+              <a:t>ecoder</a:t>
+            </a:r>
+            <a:r>
+              <a:rPr lang="zh-CN" altLang="en-US" sz="2400" dirty="0" smtClean="0"/>
+              <a:t> 也是一个</a:t>
+            </a:r>
+            <a:r>
+              <a:rPr lang="en-US" altLang="zh-CN" sz="2400" dirty="0" smtClean="0"/>
+              <a:t>GRU</a:t>
+            </a:r>
+          </a:p>
+          <a:p>
+            <a:pPr marL="285750" indent="-285750">
+              <a:buFontTx/>
+              <a:buChar char="-"/>
+            </a:pPr>
+            <a:r>
+              <a:rPr lang="zh-CN" altLang="en-US" sz="2400" dirty="0" smtClean="0"/>
+              <a:t>训练采用</a:t>
+            </a:r>
+            <a:r>
+              <a:rPr lang="en-US" altLang="zh-CN" sz="2400" dirty="0" smtClean="0"/>
+              <a:t>cross entropy loss</a:t>
+            </a:r>
+            <a:r>
+              <a:rPr lang="zh-CN" altLang="en-US" sz="2400" dirty="0" smtClean="0"/>
+              <a:t>，与语言模型类似</a:t>
+            </a:r>
+            <a:endParaRPr lang="en-US" altLang="zh-CN" sz="2400" dirty="0"/>
+          </a:p>
+          <a:p>
+            <a:pPr marL="285750" indent="-285750">
+              <a:buFontTx/>
+              <a:buChar char="-"/>
+            </a:pPr>
+            <a:endParaRPr lang="en-US" altLang="zh-CN" sz="2400" dirty="0" smtClean="0"/>
+          </a:p>
+          <a:p>
+            <a:pPr marL="285750" indent="-285750">
+              <a:buFontTx/>
+              <a:buChar char="-"/>
+            </a:pPr>
+            <a:r>
+              <a:rPr lang="zh-CN" altLang="en-US" sz="2400" dirty="0" smtClean="0"/>
+              <a:t>图片来自</a:t>
+            </a:r>
+            <a:r>
+              <a:rPr lang="en-US" altLang="zh-CN" sz="2400" dirty="0" smtClean="0"/>
+              <a:t>Cho et. </a:t>
+            </a:r>
+            <a:r>
+              <a:rPr lang="en-US" altLang="zh-CN" sz="2400" dirty="0"/>
+              <a:t>al, Learning Phrase Representations using RNN Encoder-Decoder for Statistical Machine Translation</a:t>
+            </a:r>
+            <a:endParaRPr lang="en-US" altLang="zh-CN" sz="2400" dirty="0" smtClean="0"/>
+          </a:p>
+          <a:p>
+            <a:endParaRPr lang="en-US" sz="2400" dirty="0"/>
+          </a:p>
+        </p:txBody>
+      </p:sp>
+    </p:spTree>
+    <p:extLst>
+      <p:ext uri="{BB962C8B-B14F-4D97-AF65-F5344CB8AC3E}">
+        <p14:creationId xmlns:p14="http://schemas.microsoft.com/office/powerpoint/2010/main" val="3399878131"/>
+      </p:ext>
+    </p:extLst>
+  </p:cSld>
+  <p:clrMapOvr>
+    <a:masterClrMapping/>
+  </p:clrMapOvr>
+</p:sld>
+</file>
+
+<file path=ppt/slides/slide5.xml><?xml version="1.0" encoding="utf-8"?>
+<p:sld xmlns:a="http://schemas.openxmlformats.org/drawingml/2006/main" xmlns:r="http://schemas.openxmlformats.org/officeDocument/2006/relationships" xmlns:p="http://schemas.openxmlformats.org/presentationml/2006/main">
+  <p:cSld>
+    <p:spTree>
+      <p:nvGrpSpPr>
+        <p:cNvPr id="1" name=""/>
+        <p:cNvGrpSpPr/>
+        <p:nvPr/>
+      </p:nvGrpSpPr>
+      <p:grpSpPr>
+        <a:xfrm>
+          <a:off x="0" y="0"/>
+          <a:ext cx="0" cy="0"/>
+          <a:chOff x="0" y="0"/>
+          <a:chExt cx="0" cy="0"/>
+        </a:xfrm>
+      </p:grpSpPr>
+      <p:sp>
+        <p:nvSpPr>
+          <p:cNvPr id="2" name="Title 1"/>
+          <p:cNvSpPr>
+            <a:spLocks noGrp="1"/>
+          </p:cNvSpPr>
+          <p:nvPr>
+            <p:ph type="title"/>
+          </p:nvPr>
+        </p:nvSpPr>
+        <p:spPr/>
+        <p:txBody>
+          <a:bodyPr/>
+          <a:lstStyle/>
+          <a:p>
+            <a:r>
+              <a:rPr lang="en-US" dirty="0" smtClean="0"/>
+              <a:t>Ba</a:t>
+            </a:r>
+            <a:r>
+              <a:rPr lang="zh-CN" altLang="zh-CN" dirty="0" smtClean="0"/>
+              <a:t>h</a:t>
+            </a:r>
+            <a:r>
+              <a:rPr lang="en-US" altLang="zh-CN" dirty="0" err="1" smtClean="0"/>
+              <a:t>danau</a:t>
+            </a:r>
+            <a:r>
+              <a:rPr lang="en-US" altLang="zh-CN" dirty="0" smtClean="0"/>
+              <a:t> Attention</a:t>
+            </a:r>
+            <a:endParaRPr lang="en-US" dirty="0"/>
+          </a:p>
+        </p:txBody>
+      </p:sp>
+      <p:sp>
+        <p:nvSpPr>
+          <p:cNvPr id="3" name="Slide Number Placeholder 2"/>
+          <p:cNvSpPr>
+            <a:spLocks noGrp="1"/>
+          </p:cNvSpPr>
+          <p:nvPr>
+            <p:ph type="sldNum" sz="quarter" idx="12"/>
+          </p:nvPr>
+        </p:nvSpPr>
+        <p:spPr/>
+        <p:txBody>
+          <a:bodyPr/>
+          <a:lstStyle/>
+          <a:p>
+            <a:fld id="{5DD3DB80-B894-403A-B48E-6FDC1A72010E}" type="slidenum">
+              <a:rPr lang="zh-CN" altLang="en-US" smtClean="0"/>
+              <a:t>5</a:t>
+            </a:fld>
+            <a:endParaRPr lang="zh-CN" altLang="en-US"/>
+          </a:p>
+        </p:txBody>
+      </p:sp>
+      <p:pic>
+        <p:nvPicPr>
+          <p:cNvPr id="4" name="Picture 3"/>
+          <p:cNvPicPr>
+            <a:picLocks noChangeAspect="1"/>
+          </p:cNvPicPr>
+          <p:nvPr/>
+        </p:nvPicPr>
+        <p:blipFill>
+          <a:blip r:embed="rId2"/>
+          <a:stretch>
+            <a:fillRect/>
+          </a:stretch>
+        </p:blipFill>
+        <p:spPr>
+          <a:xfrm>
+            <a:off x="6716963" y="1016001"/>
+            <a:ext cx="3771900" cy="4826000"/>
+          </a:xfrm>
+          <a:prstGeom prst="rect">
+            <a:avLst/>
+          </a:prstGeom>
+        </p:spPr>
+      </p:pic>
+      <p:sp>
+        <p:nvSpPr>
+          <p:cNvPr id="5" name="TextBox 4"/>
+          <p:cNvSpPr txBox="1"/>
+          <p:nvPr/>
+        </p:nvSpPr>
+        <p:spPr>
+          <a:xfrm>
+            <a:off x="735263" y="1483895"/>
+            <a:ext cx="4906211" cy="830997"/>
+          </a:xfrm>
+          <a:prstGeom prst="rect">
+            <a:avLst/>
+          </a:prstGeom>
+          <a:noFill/>
+        </p:spPr>
+        <p:txBody>
+          <a:bodyPr wrap="square" rtlCol="0">
+            <a:spAutoFit/>
+          </a:bodyPr>
+          <a:lstStyle/>
+          <a:p>
+            <a:pPr marL="285750" indent="-285750">
+              <a:buFontTx/>
+              <a:buChar char="-"/>
+            </a:pPr>
+            <a:r>
+              <a:rPr lang="en-US" altLang="zh-CN" sz="2400" dirty="0" smtClean="0"/>
+              <a:t>Encoder</a:t>
+            </a:r>
+            <a:r>
+              <a:rPr lang="zh-CN" altLang="en-US" sz="2400" dirty="0" smtClean="0"/>
+              <a:t>是一个双向</a:t>
+            </a:r>
+            <a:r>
+              <a:rPr lang="zh-CN" altLang="zh-CN" sz="2400" dirty="0" smtClean="0"/>
+              <a:t>R</a:t>
+            </a:r>
+            <a:r>
+              <a:rPr lang="en-US" altLang="zh-CN" sz="2400" dirty="0" smtClean="0"/>
+              <a:t>NN</a:t>
+            </a:r>
+          </a:p>
+          <a:p>
+            <a:pPr marL="285750" indent="-285750">
+              <a:buFontTx/>
+              <a:buChar char="-"/>
+            </a:pPr>
+            <a:r>
+              <a:rPr lang="en-US" altLang="zh-CN" sz="2400" dirty="0" smtClean="0"/>
+              <a:t>Attention Function</a:t>
+            </a:r>
+            <a:endParaRPr lang="en-US" sz="2400" dirty="0"/>
+          </a:p>
+        </p:txBody>
+      </p:sp>
+      <p:pic>
+        <p:nvPicPr>
+          <p:cNvPr id="6" name="Picture 5"/>
+          <p:cNvPicPr>
+            <a:picLocks noChangeAspect="1"/>
+          </p:cNvPicPr>
+          <p:nvPr/>
+        </p:nvPicPr>
+        <p:blipFill>
+          <a:blip r:embed="rId3"/>
+          <a:stretch>
+            <a:fillRect/>
+          </a:stretch>
+        </p:blipFill>
+        <p:spPr>
+          <a:xfrm>
+            <a:off x="923757" y="2319421"/>
+            <a:ext cx="2082800" cy="1016000"/>
+          </a:xfrm>
+          <a:prstGeom prst="rect">
+            <a:avLst/>
+          </a:prstGeom>
+        </p:spPr>
+      </p:pic>
+      <p:pic>
+        <p:nvPicPr>
+          <p:cNvPr id="7" name="Picture 6"/>
+          <p:cNvPicPr>
+            <a:picLocks noChangeAspect="1"/>
+          </p:cNvPicPr>
+          <p:nvPr/>
+        </p:nvPicPr>
+        <p:blipFill>
+          <a:blip r:embed="rId4"/>
+          <a:stretch>
+            <a:fillRect/>
+          </a:stretch>
+        </p:blipFill>
+        <p:spPr>
+          <a:xfrm>
+            <a:off x="664411" y="3540626"/>
+            <a:ext cx="3390900" cy="1689100"/>
+          </a:xfrm>
+          <a:prstGeom prst="rect">
+            <a:avLst/>
+          </a:prstGeom>
+        </p:spPr>
+      </p:pic>
+      <p:sp>
+        <p:nvSpPr>
+          <p:cNvPr id="8" name="TextBox 7"/>
+          <p:cNvSpPr txBox="1"/>
+          <p:nvPr/>
+        </p:nvSpPr>
+        <p:spPr>
+          <a:xfrm>
+            <a:off x="668421" y="5427580"/>
+            <a:ext cx="5547895" cy="646331"/>
+          </a:xfrm>
+          <a:prstGeom prst="rect">
+            <a:avLst/>
+          </a:prstGeom>
+          <a:noFill/>
+        </p:spPr>
+        <p:txBody>
+          <a:bodyPr wrap="square" rtlCol="0">
+            <a:spAutoFit/>
+          </a:bodyPr>
+          <a:lstStyle/>
+          <a:p>
+            <a:r>
+              <a:rPr lang="zh-CN" altLang="en-US" dirty="0" smtClean="0"/>
+              <a:t>图片来自</a:t>
+            </a:r>
+            <a:r>
+              <a:rPr lang="en-US" dirty="0"/>
+              <a:t>Ba</a:t>
+            </a:r>
+            <a:r>
+              <a:rPr lang="zh-CN" altLang="zh-CN" dirty="0"/>
+              <a:t>h</a:t>
+            </a:r>
+            <a:r>
+              <a:rPr lang="en-US" altLang="zh-CN" dirty="0" err="1"/>
+              <a:t>danau</a:t>
+            </a:r>
+            <a:r>
+              <a:rPr lang="en-US" altLang="zh-CN" dirty="0"/>
+              <a:t> </a:t>
+            </a:r>
+            <a:r>
+              <a:rPr lang="en-US" altLang="zh-CN" dirty="0" smtClean="0"/>
+              <a:t>et. al,</a:t>
+            </a:r>
+            <a:r>
+              <a:rPr lang="zh-CN" altLang="en-US" dirty="0" smtClean="0"/>
+              <a:t> </a:t>
+            </a:r>
+            <a:r>
+              <a:rPr lang="en-US" dirty="0" smtClean="0"/>
+              <a:t>Neural </a:t>
+            </a:r>
+            <a:r>
+              <a:rPr lang="en-US" dirty="0"/>
+              <a:t>Machine Translation by Jointly Learning to Align and Translate</a:t>
+            </a:r>
+          </a:p>
+        </p:txBody>
+      </p:sp>
+    </p:spTree>
+    <p:extLst>
+      <p:ext uri="{BB962C8B-B14F-4D97-AF65-F5344CB8AC3E}">
+        <p14:creationId xmlns:p14="http://schemas.microsoft.com/office/powerpoint/2010/main" val="1362014945"/>
+      </p:ext>
+    </p:extLst>
+  </p:cSld>
+  <p:clrMapOvr>
+    <a:masterClrMapping/>
+  </p:clrMapOvr>
+</p:sld>
+</file>
+
+<file path=ppt/slides/slide6.xml><?xml version="1.0" encoding="utf-8"?>
+<p:sld xmlns:a="http://schemas.openxmlformats.org/drawingml/2006/main" xmlns:r="http://schemas.openxmlformats.org/officeDocument/2006/relationships" xmlns:p="http://schemas.openxmlformats.org/presentationml/2006/main">
+  <p:cSld>
+    <p:spTree>
+      <p:nvGrpSpPr>
+        <p:cNvPr id="1" name=""/>
+        <p:cNvGrpSpPr/>
+        <p:nvPr/>
+      </p:nvGrpSpPr>
+      <p:grpSpPr>
+        <a:xfrm>
+          <a:off x="0" y="0"/>
+          <a:ext cx="0" cy="0"/>
+          <a:chOff x="0" y="0"/>
+          <a:chExt cx="0" cy="0"/>
+        </a:xfrm>
+      </p:grpSpPr>
+      <p:sp>
+        <p:nvSpPr>
+          <p:cNvPr id="2" name="Title 1"/>
+          <p:cNvSpPr>
+            <a:spLocks noGrp="1"/>
+          </p:cNvSpPr>
+          <p:nvPr>
+            <p:ph type="title"/>
+          </p:nvPr>
+        </p:nvSpPr>
+        <p:spPr/>
+        <p:txBody>
+          <a:bodyPr/>
+          <a:lstStyle/>
+          <a:p>
+            <a:r>
+              <a:rPr lang="en-US" dirty="0" err="1" smtClean="0"/>
+              <a:t>Luong</a:t>
+            </a:r>
+            <a:r>
+              <a:rPr lang="en-US" dirty="0" smtClean="0"/>
+              <a:t> Attention</a:t>
+            </a:r>
+            <a:endParaRPr lang="en-US" dirty="0"/>
+          </a:p>
+        </p:txBody>
+      </p:sp>
+      <p:sp>
+        <p:nvSpPr>
+          <p:cNvPr id="3" name="Slide Number Placeholder 2"/>
+          <p:cNvSpPr>
+            <a:spLocks noGrp="1"/>
+          </p:cNvSpPr>
+          <p:nvPr>
+            <p:ph type="sldNum" sz="quarter" idx="12"/>
+          </p:nvPr>
+        </p:nvSpPr>
+        <p:spPr/>
+        <p:txBody>
+          <a:bodyPr/>
+          <a:lstStyle/>
+          <a:p>
+            <a:fld id="{5DD3DB80-B894-403A-B48E-6FDC1A72010E}" type="slidenum">
+              <a:rPr lang="zh-CN" altLang="en-US" smtClean="0"/>
+              <a:t>6</a:t>
+            </a:fld>
+            <a:endParaRPr lang="zh-CN" altLang="en-US"/>
+          </a:p>
+        </p:txBody>
+      </p:sp>
+      <p:pic>
+        <p:nvPicPr>
+          <p:cNvPr id="4" name="Picture 3"/>
+          <p:cNvPicPr>
+            <a:picLocks noChangeAspect="1"/>
+          </p:cNvPicPr>
+          <p:nvPr/>
+        </p:nvPicPr>
+        <p:blipFill>
+          <a:blip r:embed="rId2"/>
+          <a:stretch>
+            <a:fillRect/>
+          </a:stretch>
+        </p:blipFill>
+        <p:spPr>
+          <a:xfrm>
+            <a:off x="6165516" y="1095542"/>
+            <a:ext cx="5676900" cy="4800600"/>
+          </a:xfrm>
+          <a:prstGeom prst="rect">
+            <a:avLst/>
+          </a:prstGeom>
+        </p:spPr>
+      </p:pic>
+      <p:pic>
+        <p:nvPicPr>
+          <p:cNvPr id="5" name="Picture 4"/>
+          <p:cNvPicPr>
+            <a:picLocks noChangeAspect="1"/>
+          </p:cNvPicPr>
+          <p:nvPr/>
+        </p:nvPicPr>
+        <p:blipFill>
+          <a:blip r:embed="rId3"/>
+          <a:stretch>
+            <a:fillRect/>
+          </a:stretch>
+        </p:blipFill>
+        <p:spPr>
+          <a:xfrm>
+            <a:off x="227263" y="1472532"/>
+            <a:ext cx="5969000" cy="1333500"/>
+          </a:xfrm>
+          <a:prstGeom prst="rect">
+            <a:avLst/>
+          </a:prstGeom>
+        </p:spPr>
+      </p:pic>
+      <p:pic>
+        <p:nvPicPr>
+          <p:cNvPr id="6" name="Picture 5"/>
+          <p:cNvPicPr>
+            <a:picLocks noChangeAspect="1"/>
+          </p:cNvPicPr>
+          <p:nvPr/>
+        </p:nvPicPr>
+        <p:blipFill>
+          <a:blip r:embed="rId4"/>
+          <a:stretch>
+            <a:fillRect/>
+          </a:stretch>
+        </p:blipFill>
+        <p:spPr>
+          <a:xfrm>
+            <a:off x="818147" y="3116847"/>
+            <a:ext cx="4165600" cy="1333500"/>
+          </a:xfrm>
+          <a:prstGeom prst="rect">
+            <a:avLst/>
+          </a:prstGeom>
+        </p:spPr>
+      </p:pic>
+      <p:pic>
+        <p:nvPicPr>
+          <p:cNvPr id="7" name="Picture 6"/>
+          <p:cNvPicPr>
+            <a:picLocks noChangeAspect="1"/>
+          </p:cNvPicPr>
+          <p:nvPr/>
+        </p:nvPicPr>
+        <p:blipFill>
+          <a:blip r:embed="rId5"/>
+          <a:stretch>
+            <a:fillRect/>
+          </a:stretch>
+        </p:blipFill>
+        <p:spPr>
+          <a:xfrm>
+            <a:off x="1209174" y="4795252"/>
+            <a:ext cx="2768600" cy="596900"/>
+          </a:xfrm>
+          <a:prstGeom prst="rect">
+            <a:avLst/>
+          </a:prstGeom>
+        </p:spPr>
+      </p:pic>
+    </p:spTree>
+    <p:extLst>
+      <p:ext uri="{BB962C8B-B14F-4D97-AF65-F5344CB8AC3E}">
+        <p14:creationId xmlns:p14="http://schemas.microsoft.com/office/powerpoint/2010/main" val="1795457848"/>
+      </p:ext>
+    </p:extLst>
+  </p:cSld>
+  <p:clrMapOvr>
+    <a:masterClrMapping/>
+  </p:clrMapOvr>
+</p:sld>
+</file>
+
+<file path=ppt/slides/slide7.xml><?xml version="1.0" encoding="utf-8"?>
+<p:sld xmlns:a="http://schemas.openxmlformats.org/drawingml/2006/main" xmlns:r="http://schemas.openxmlformats.org/officeDocument/2006/relationships" xmlns:p="http://schemas.openxmlformats.org/presentationml/2006/main">
+  <p:cSld>
+    <p:spTree>
+      <p:nvGrpSpPr>
+        <p:cNvPr id="1" name=""/>
+        <p:cNvGrpSpPr/>
+        <p:nvPr/>
+      </p:nvGrpSpPr>
+      <p:grpSpPr>
+        <a:xfrm>
+          <a:off x="0" y="0"/>
+          <a:ext cx="0" cy="0"/>
+          <a:chOff x="0" y="0"/>
+          <a:chExt cx="0" cy="0"/>
+        </a:xfrm>
+      </p:grpSpPr>
+      <p:sp>
+        <p:nvSpPr>
+          <p:cNvPr id="12" name="标题 4"/>
+          <p:cNvSpPr>
+            <a:spLocks noGrp="1"/>
+          </p:cNvSpPr>
+          <p:nvPr>
+            <p:ph type="title"/>
+          </p:nvPr>
+        </p:nvSpPr>
+        <p:spPr/>
+        <p:txBody>
+          <a:bodyPr/>
+          <a:lstStyle/>
+          <a:p>
+            <a:r>
+              <a:rPr lang="zh-CN" altLang="en-US" dirty="0" smtClean="0"/>
+              <a:t>聊天机器人</a:t>
+            </a:r>
+            <a:endParaRPr lang="zh-CN" altLang="en-US" dirty="0"/>
+          </a:p>
+        </p:txBody>
+      </p:sp>
+      <p:sp>
+        <p:nvSpPr>
+          <p:cNvPr id="13" name="文本占位符 5"/>
+          <p:cNvSpPr>
+            <a:spLocks noGrp="1"/>
+          </p:cNvSpPr>
+          <p:nvPr>
+            <p:ph type="body" idx="1"/>
+          </p:nvPr>
+        </p:nvSpPr>
+        <p:spPr>
+          <a:xfrm>
+            <a:off x="6027447" y="3876675"/>
+            <a:ext cx="5229104" cy="1015623"/>
+          </a:xfrm>
+        </p:spPr>
+        <p:txBody>
+          <a:bodyPr/>
+          <a:lstStyle/>
+          <a:p>
+            <a:pPr lvl="0"/>
+            <a:r>
+              <a:rPr lang="en-US" altLang="zh-CN" dirty="0"/>
+              <a:t>Supporting text here.</a:t>
+            </a:r>
+          </a:p>
+          <a:p>
+            <a:pPr lvl="0"/>
+            <a:r>
+              <a:rPr lang="en-US" altLang="zh-CN" dirty="0"/>
+              <a:t>When you copy &amp; paste, choose "keep text only" option.</a:t>
+            </a:r>
+            <a:endParaRPr lang="zh-CN" altLang="en-US" dirty="0"/>
+          </a:p>
+        </p:txBody>
+      </p:sp>
+      <p:cxnSp>
+        <p:nvCxnSpPr>
+          <p:cNvPr id="18" name="直接连接符 17"/>
+          <p:cNvCxnSpPr/>
+          <p:nvPr/>
+        </p:nvCxnSpPr>
+        <p:spPr>
+          <a:xfrm>
+            <a:off x="5867400" y="3473450"/>
+            <a:ext cx="0" cy="996950"/>
+          </a:xfrm>
+          <a:prstGeom prst="line">
+            <a:avLst/>
+          </a:prstGeom>
+          <a:ln w="12700">
+            <a:solidFill>
+              <a:schemeClr val="bg1"/>
+            </a:solidFill>
+          </a:ln>
+        </p:spPr>
+        <p:style>
+          <a:lnRef idx="1">
+            <a:schemeClr val="accent1"/>
+          </a:lnRef>
+          <a:fillRef idx="0">
+            <a:schemeClr val="accent1"/>
+          </a:fillRef>
+          <a:effectRef idx="0">
+            <a:schemeClr val="accent1"/>
+          </a:effectRef>
+          <a:fontRef idx="minor">
+            <a:schemeClr val="tx1"/>
+          </a:fontRef>
+        </p:style>
+      </p:cxnSp>
+      <p:sp>
+        <p:nvSpPr>
+          <p:cNvPr id="21" name="文本框 20"/>
+          <p:cNvSpPr txBox="1"/>
+          <p:nvPr/>
+        </p:nvSpPr>
+        <p:spPr>
+          <a:xfrm>
+            <a:off x="4483100" y="3483598"/>
+            <a:ext cx="1022345" cy="993152"/>
+          </a:xfrm>
+          <a:prstGeom prst="rect">
+            <a:avLst/>
+          </a:prstGeom>
+          <a:noFill/>
+          <a:ln w="117475">
+            <a:noFill/>
+          </a:ln>
+        </p:spPr>
+        <p:txBody>
+          <a:bodyPr wrap="none" rtlCol="0">
+            <a:prstTxWarp prst="textPlain">
+              <a:avLst/>
+            </a:prstTxWarp>
+            <a:spAutoFit/>
+          </a:bodyPr>
+          <a:lstStyle/>
+          <a:p>
+            <a:r>
+              <a:rPr lang="en-US" altLang="zh-CN" spc="100" dirty="0" smtClean="0">
+                <a:solidFill>
+                  <a:schemeClr val="bg1"/>
+                </a:solidFill>
+                <a:latin typeface="Impact" panose="020B0806030902050204" pitchFamily="34" charset="0"/>
+                <a:cs typeface="Arial" panose="020B0604020202020204" pitchFamily="34" charset="0"/>
+              </a:rPr>
+              <a:t>0</a:t>
+            </a:r>
+            <a:r>
+              <a:rPr lang="en-US" altLang="zh-CN" spc="100" dirty="0" smtClean="0">
+                <a:solidFill>
+                  <a:schemeClr val="bg1"/>
+                </a:solidFill>
+                <a:latin typeface="Impact" panose="020B0806030902050204" pitchFamily="34" charset="0"/>
+                <a:cs typeface="Arial" panose="020B0604020202020204" pitchFamily="34" charset="0"/>
+              </a:rPr>
+              <a:t>2</a:t>
+            </a:r>
+            <a:endParaRPr lang="zh-CN" altLang="en-US" spc="100" dirty="0">
+              <a:solidFill>
+                <a:schemeClr val="bg1"/>
+              </a:solidFill>
+              <a:latin typeface="Impact" panose="020B0806030902050204" pitchFamily="34" charset="0"/>
+              <a:cs typeface="Arial" panose="020B0604020202020204" pitchFamily="34" charset="0"/>
+            </a:endParaRPr>
+          </a:p>
+        </p:txBody>
+      </p:sp>
+    </p:spTree>
+    <p:extLst>
+      <p:ext uri="{BB962C8B-B14F-4D97-AF65-F5344CB8AC3E}">
+        <p14:creationId xmlns:p14="http://schemas.microsoft.com/office/powerpoint/2010/main" val="3233647488"/>
+      </p:ext>
+    </p:extLst>
+  </p:cSld>
+  <p:clrMapOvr>
+    <a:masterClrMapping/>
+  </p:clrMapOvr>
+  <p:timing>
+    <p:tnLst>
+      <p:par>
+        <p:cTn xmlns:p14="http://schemas.microsoft.com/office/powerpoint/2010/main" id="1" dur="indefinite" restart="never" nodeType="tmRoot"/>
+      </p:par>
+    </p:tnLst>
+  </p:timing>
+</p:sld>
+</file>
+
+<file path=ppt/slides/slide8.xml><?xml version="1.0" encoding="utf-8"?>
+<p:sld xmlns:a="http://schemas.openxmlformats.org/drawingml/2006/main" xmlns:r="http://schemas.openxmlformats.org/officeDocument/2006/relationships" xmlns:p="http://schemas.openxmlformats.org/presentationml/2006/main">
+  <p:cSld>
+    <p:spTree>
+      <p:nvGrpSpPr>
+        <p:cNvPr id="1" name=""/>
+        <p:cNvGrpSpPr/>
+        <p:nvPr/>
+      </p:nvGrpSpPr>
+      <p:grpSpPr>
+        <a:xfrm>
+          <a:off x="0" y="0"/>
+          <a:ext cx="0" cy="0"/>
+          <a:chOff x="0" y="0"/>
+          <a:chExt cx="0" cy="0"/>
+        </a:xfrm>
+      </p:grpSpPr>
+      <p:sp>
+        <p:nvSpPr>
+          <p:cNvPr id="2" name="Title 1"/>
+          <p:cNvSpPr>
+            <a:spLocks noGrp="1"/>
+          </p:cNvSpPr>
+          <p:nvPr>
+            <p:ph type="title"/>
+          </p:nvPr>
+        </p:nvSpPr>
+        <p:spPr/>
+        <p:txBody>
+          <a:bodyPr/>
+          <a:lstStyle/>
+          <a:p>
+            <a:r>
+              <a:rPr lang="zh-CN" altLang="en-US" dirty="0" smtClean="0"/>
+              <a:t>聊天机器人架构</a:t>
+            </a:r>
+            <a:endParaRPr lang="en-US" dirty="0"/>
+          </a:p>
+        </p:txBody>
+      </p:sp>
+      <p:sp>
+        <p:nvSpPr>
+          <p:cNvPr id="3" name="Slide Number Placeholder 2"/>
+          <p:cNvSpPr>
+            <a:spLocks noGrp="1"/>
+          </p:cNvSpPr>
+          <p:nvPr>
+            <p:ph type="sldNum" sz="quarter" idx="12"/>
+          </p:nvPr>
+        </p:nvSpPr>
+        <p:spPr/>
+        <p:txBody>
+          <a:bodyPr/>
+          <a:lstStyle/>
+          <a:p>
+            <a:fld id="{5DD3DB80-B894-403A-B48E-6FDC1A72010E}" type="slidenum">
+              <a:rPr lang="zh-CN" altLang="en-US" smtClean="0"/>
+              <a:t>8</a:t>
+            </a:fld>
+            <a:endParaRPr lang="zh-CN" altLang="en-US"/>
+          </a:p>
+        </p:txBody>
+      </p:sp>
+      <p:pic>
+        <p:nvPicPr>
+          <p:cNvPr id="4" name="Picture 3"/>
+          <p:cNvPicPr>
+            <a:picLocks noChangeAspect="1"/>
+          </p:cNvPicPr>
+          <p:nvPr/>
+        </p:nvPicPr>
+        <p:blipFill>
+          <a:blip r:embed="rId2"/>
+          <a:stretch>
+            <a:fillRect/>
+          </a:stretch>
+        </p:blipFill>
+        <p:spPr>
+          <a:xfrm>
+            <a:off x="1031373" y="1129632"/>
+            <a:ext cx="9275680" cy="4597511"/>
+          </a:xfrm>
+          <a:prstGeom prst="rect">
+            <a:avLst/>
+          </a:prstGeom>
+        </p:spPr>
+      </p:pic>
+      <p:sp>
+        <p:nvSpPr>
+          <p:cNvPr id="5" name="Rectangle 4"/>
+          <p:cNvSpPr/>
+          <p:nvPr/>
+        </p:nvSpPr>
+        <p:spPr>
+          <a:xfrm>
+            <a:off x="1457158" y="5819624"/>
+            <a:ext cx="7887368" cy="646331"/>
+          </a:xfrm>
+          <a:prstGeom prst="rect">
+            <a:avLst/>
+          </a:prstGeom>
+        </p:spPr>
+        <p:txBody>
+          <a:bodyPr wrap="square">
+            <a:spAutoFit/>
+          </a:bodyPr>
+          <a:lstStyle/>
+          <a:p>
+            <a:r>
+              <a:rPr lang="en-US" dirty="0"/>
+              <a:t>https://</a:t>
+            </a:r>
+            <a:r>
+              <a:rPr lang="en-US" dirty="0" err="1"/>
+              <a:t>m.media-amazon.com</a:t>
+            </a:r>
+            <a:r>
+              <a:rPr lang="en-US" dirty="0"/>
+              <a:t>/images/G/01/mobile-apps/</a:t>
+            </a:r>
+            <a:r>
+              <a:rPr lang="en-US" dirty="0" err="1"/>
+              <a:t>dex</a:t>
+            </a:r>
+            <a:r>
+              <a:rPr lang="en-US" dirty="0"/>
+              <a:t>/</a:t>
+            </a:r>
+            <a:r>
+              <a:rPr lang="en-US" dirty="0" err="1"/>
+              <a:t>alexa</a:t>
+            </a:r>
+            <a:r>
+              <a:rPr lang="en-US" dirty="0"/>
+              <a:t>/</a:t>
+            </a:r>
+            <a:r>
+              <a:rPr lang="en-US" dirty="0" err="1"/>
+              <a:t>alexaprize</a:t>
+            </a:r>
+            <a:r>
+              <a:rPr lang="en-US" dirty="0"/>
+              <a:t>/assets/</a:t>
+            </a:r>
+            <a:r>
+              <a:rPr lang="en-US" dirty="0" err="1"/>
+              <a:t>pdf</a:t>
+            </a:r>
+            <a:r>
+              <a:rPr lang="en-US" dirty="0"/>
+              <a:t>/2018/</a:t>
+            </a:r>
+            <a:r>
+              <a:rPr lang="en-US" dirty="0" err="1"/>
+              <a:t>Gunrock.pdf</a:t>
+            </a:r>
+            <a:endParaRPr lang="en-US" dirty="0"/>
+          </a:p>
+        </p:txBody>
+      </p:sp>
+    </p:spTree>
+    <p:extLst>
+      <p:ext uri="{BB962C8B-B14F-4D97-AF65-F5344CB8AC3E}">
+        <p14:creationId xmlns:p14="http://schemas.microsoft.com/office/powerpoint/2010/main" val="915383543"/>
+      </p:ext>
+    </p:extLst>
+  </p:cSld>
+  <p:clrMapOvr>
+    <a:masterClrMapping/>
+  </p:clrMapOvr>
+</p:sld>
+</file>
+
+<file path=ppt/slides/slide9.xml><?xml version="1.0" encoding="utf-8"?>
+<p:sld xmlns:a="http://schemas.openxmlformats.org/drawingml/2006/main" xmlns:r="http://schemas.openxmlformats.org/officeDocument/2006/relationships" xmlns:p="http://schemas.openxmlformats.org/presentationml/2006/main">
+  <p:cSld>
+    <p:spTree>
+      <p:nvGrpSpPr>
+        <p:cNvPr id="1" name=""/>
+        <p:cNvGrpSpPr/>
+        <p:nvPr/>
+      </p:nvGrpSpPr>
+      <p:grpSpPr>
+        <a:xfrm>
+          <a:off x="0" y="0"/>
+          <a:ext cx="0" cy="0"/>
+          <a:chOff x="0" y="0"/>
+          <a:chExt cx="0" cy="0"/>
+        </a:xfrm>
+      </p:grpSpPr>
+      <p:sp>
+        <p:nvSpPr>
+          <p:cNvPr id="2" name="Title 1"/>
+          <p:cNvSpPr>
+            <a:spLocks noGrp="1"/>
+          </p:cNvSpPr>
+          <p:nvPr>
+            <p:ph type="title"/>
+          </p:nvPr>
+        </p:nvSpPr>
+        <p:spPr/>
+        <p:txBody>
+          <a:bodyPr/>
+          <a:lstStyle/>
+          <a:p>
+            <a:r>
+              <a:rPr lang="en-US" dirty="0" err="1" smtClean="0"/>
+              <a:t>主要component</a:t>
+            </a:r>
+            <a:endParaRPr lang="en-US" dirty="0"/>
+          </a:p>
+        </p:txBody>
+      </p:sp>
+      <p:sp>
+        <p:nvSpPr>
+          <p:cNvPr id="3" name="Slide Number Placeholder 2"/>
+          <p:cNvSpPr>
+            <a:spLocks noGrp="1"/>
+          </p:cNvSpPr>
+          <p:nvPr>
+            <p:ph type="sldNum" sz="quarter" idx="12"/>
+          </p:nvPr>
+        </p:nvSpPr>
+        <p:spPr/>
+        <p:txBody>
+          <a:bodyPr/>
+          <a:lstStyle/>
+          <a:p>
+            <a:fld id="{5DD3DB80-B894-403A-B48E-6FDC1A72010E}" type="slidenum">
+              <a:rPr lang="zh-CN" altLang="en-US" smtClean="0"/>
+              <a:t>9</a:t>
+            </a:fld>
+            <a:endParaRPr lang="zh-CN" altLang="en-US"/>
+          </a:p>
+        </p:txBody>
+      </p:sp>
+      <p:sp>
+        <p:nvSpPr>
+          <p:cNvPr id="4" name="TextBox 3"/>
+          <p:cNvSpPr txBox="1"/>
+          <p:nvPr/>
+        </p:nvSpPr>
+        <p:spPr>
+          <a:xfrm>
+            <a:off x="935789" y="1403684"/>
+            <a:ext cx="9692106" cy="2677656"/>
+          </a:xfrm>
+          <a:prstGeom prst="rect">
+            <a:avLst/>
+          </a:prstGeom>
+          <a:noFill/>
+        </p:spPr>
+        <p:txBody>
+          <a:bodyPr wrap="square" rtlCol="0">
+            <a:spAutoFit/>
+          </a:bodyPr>
+          <a:lstStyle/>
+          <a:p>
+            <a:pPr marL="285750" indent="-285750">
+              <a:buFontTx/>
+              <a:buChar char="-"/>
+            </a:pPr>
+            <a:r>
+              <a:rPr lang="zh-CN" altLang="en-US" sz="2400" dirty="0" smtClean="0"/>
+              <a:t>自然语言理解</a:t>
+            </a:r>
+            <a:r>
+              <a:rPr lang="zh-CN" altLang="zh-CN" sz="2400" dirty="0" smtClean="0"/>
+              <a:t>：</a:t>
+            </a:r>
+            <a:r>
+              <a:rPr lang="zh-CN" altLang="en-US" sz="2400" dirty="0" smtClean="0"/>
+              <a:t>情感分类，主题分类，命名实体识别</a:t>
+            </a:r>
+            <a:endParaRPr lang="en-US" altLang="zh-CN" sz="2400" dirty="0" smtClean="0"/>
+          </a:p>
+          <a:p>
+            <a:pPr marL="285750" indent="-285750">
+              <a:buFontTx/>
+              <a:buChar char="-"/>
+            </a:pPr>
+            <a:r>
+              <a:rPr lang="zh-CN" altLang="en-US" sz="2400" dirty="0" smtClean="0"/>
+              <a:t>聊天管理：</a:t>
+            </a:r>
+            <a:r>
+              <a:rPr lang="en-US" altLang="zh-CN" sz="2400" dirty="0" smtClean="0"/>
+              <a:t>Intent classification</a:t>
+            </a:r>
+            <a:r>
+              <a:rPr lang="zh-CN" altLang="en-US" sz="2400" dirty="0" smtClean="0"/>
+              <a:t>，聊天状态存储</a:t>
+            </a:r>
+            <a:endParaRPr lang="en-US" altLang="zh-CN" sz="2400" dirty="0" smtClean="0"/>
+          </a:p>
+          <a:p>
+            <a:pPr marL="285750" indent="-285750">
+              <a:buFontTx/>
+              <a:buChar char="-"/>
+            </a:pPr>
+            <a:r>
+              <a:rPr lang="zh-CN" altLang="en-US" sz="2400" dirty="0" smtClean="0"/>
+              <a:t>语言生成：提取式，填充</a:t>
+            </a:r>
+            <a:r>
+              <a:rPr lang="en-US" altLang="zh-CN" sz="2400" dirty="0" smtClean="0"/>
+              <a:t>template</a:t>
+            </a:r>
+            <a:r>
+              <a:rPr lang="zh-CN" altLang="en-US" sz="2400" dirty="0" smtClean="0"/>
+              <a:t>，神经网络生成式</a:t>
+            </a:r>
+            <a:endParaRPr lang="en-US" altLang="zh-CN" sz="2400" dirty="0" smtClean="0"/>
+          </a:p>
+          <a:p>
+            <a:pPr marL="285750" indent="-285750">
+              <a:buFontTx/>
+              <a:buChar char="-"/>
+            </a:pPr>
+            <a:r>
+              <a:rPr lang="zh-CN" altLang="en-US" sz="2400" dirty="0" smtClean="0"/>
+              <a:t>对生成的可能回复做排序</a:t>
+            </a:r>
+            <a:endParaRPr lang="en-US" altLang="zh-CN" sz="2400" dirty="0" smtClean="0"/>
+          </a:p>
+          <a:p>
+            <a:pPr marL="285750" indent="-285750">
+              <a:buFontTx/>
+              <a:buChar char="-"/>
+            </a:pPr>
+            <a:endParaRPr lang="en-US" altLang="zh-CN" sz="2400" dirty="0"/>
+          </a:p>
+          <a:p>
+            <a:pPr marL="285750" indent="-285750">
+              <a:buFontTx/>
+              <a:buChar char="-"/>
+            </a:pPr>
+            <a:r>
+              <a:rPr lang="zh-CN" altLang="en-US" sz="2400" dirty="0" smtClean="0"/>
+              <a:t>知识库：如果是任务型机器人，有固定的知识库。如果是开放式机器人，可以从各种渠道获取知识。</a:t>
+            </a:r>
+            <a:endParaRPr lang="en-US" altLang="zh-CN" sz="2400" dirty="0" smtClean="0"/>
+          </a:p>
+        </p:txBody>
+      </p:sp>
+    </p:spTree>
+    <p:extLst>
+      <p:ext uri="{BB962C8B-B14F-4D97-AF65-F5344CB8AC3E}">
+        <p14:creationId xmlns:p14="http://schemas.microsoft.com/office/powerpoint/2010/main" val="1372812412"/>
+      </p:ext>
+    </p:extLst>
+  </p:cSld>
+  <p:clrMapOvr>
+    <a:masterClrMapping/>
+  </p:clrMapOvr>
 </p:sld>
 </file>
 
@@ -7799,7 +8962,7 @@
   <a:extraClrSchemeLst/>
   <a:extLst>
     <a:ext uri="{05A4C25C-085E-4340-85A3-A5531E510DB2}">
-      <thm15:themeFamily xmlns:thm15="http://schemas.microsoft.com/office/thememl/2012/main" xmlns="" name="Office Theme" id="{62F939B6-93AF-4DB8-9C6B-D6C7DFDC589F}" vid="{4A3C46E8-61CC-4603-A589-7422A47A8E4A}"/>
+      <thm15:themeFamily xmlns="" xmlns:thm15="http://schemas.microsoft.com/office/thememl/2012/main" name="Office Theme" id="{62F939B6-93AF-4DB8-9C6B-D6C7DFDC589F}" vid="{4A3C46E8-61CC-4603-A589-7422A47A8E4A}"/>
     </a:ext>
   </a:extLst>
 </a:theme>
@@ -8060,7 +9223,7 @@
   <a:extraClrSchemeLst/>
   <a:extLst>
     <a:ext uri="{05A4C25C-085E-4340-85A3-A5531E510DB2}">
-      <thm15:themeFamily xmlns:thm15="http://schemas.microsoft.com/office/thememl/2012/main" xmlns="" name="Office Theme" id="{62F939B6-93AF-4DB8-9C6B-D6C7DFDC589F}" vid="{4A3C46E8-61CC-4603-A589-7422A47A8E4A}"/>
+      <thm15:themeFamily xmlns="" xmlns:thm15="http://schemas.microsoft.com/office/thememl/2012/main" name="Office Theme" id="{62F939B6-93AF-4DB8-9C6B-D6C7DFDC589F}" vid="{4A3C46E8-61CC-4603-A589-7422A47A8E4A}"/>
     </a:ext>
   </a:extLst>
 </a:theme>
@@ -8321,7 +9484,7 @@
   <a:extraClrSchemeLst/>
   <a:extLst>
     <a:ext uri="{05A4C25C-085E-4340-85A3-A5531E510DB2}">
-      <thm15:themeFamily xmlns:thm15="http://schemas.microsoft.com/office/thememl/2012/main" xmlns="" name="Office Theme" id="{62F939B6-93AF-4DB8-9C6B-D6C7DFDC589F}" vid="{4A3C46E8-61CC-4603-A589-7422A47A8E4A}"/>
+      <thm15:themeFamily xmlns="" xmlns:thm15="http://schemas.microsoft.com/office/thememl/2012/main" name="Office Theme" id="{62F939B6-93AF-4DB8-9C6B-D6C7DFDC589F}" vid="{4A3C46E8-61CC-4603-A589-7422A47A8E4A}"/>
     </a:ext>
   </a:extLst>
 </a:theme>

--- a/第七课seq2seq.pptx
+++ b/第七课seq2seq.pptx
@@ -7681,12 +7681,17 @@
             </a:r>
             <a:r>
               <a:rPr lang="zh-CN" altLang="en-US" sz="2400" dirty="0" smtClean="0"/>
-              <a:t> 也是一个</a:t>
+              <a:t> </a:t>
+            </a:r>
+            <a:r>
+              <a:rPr lang="zh-CN" altLang="en-US" sz="2400" dirty="0" smtClean="0"/>
+              <a:t>也是一个</a:t>
             </a:r>
             <a:r>
               <a:rPr lang="en-US" altLang="zh-CN" sz="2400" dirty="0" smtClean="0"/>
-              <a:t>GRU</a:t>
-            </a:r>
+              <a:t> GRU</a:t>
+            </a:r>
+            <a:endParaRPr lang="en-US" altLang="zh-CN" sz="2400" dirty="0" smtClean="0"/>
           </a:p>
           <a:p>
             <a:pPr marL="285750" indent="-285750">
@@ -8472,8 +8477,8 @@
         </p:blipFill>
         <p:spPr>
           <a:xfrm>
-            <a:off x="1031373" y="1129632"/>
-            <a:ext cx="9275680" cy="4597511"/>
+            <a:off x="1031373" y="1003736"/>
+            <a:ext cx="9529680" cy="4723407"/>
           </a:xfrm>
           <a:prstGeom prst="rect">
             <a:avLst/>
@@ -8703,7 +8708,11 @@
             </a:r>
             <a:r>
               <a:rPr lang="zh-CN" altLang="en-US" sz="2400" dirty="0" smtClean="0"/>
-              <a:t>，神经网络生成式</a:t>
+              <a:t>，</a:t>
+            </a:r>
+            <a:r>
+              <a:rPr lang="zh-CN" altLang="en-US" sz="2400" smtClean="0"/>
+              <a:t>神经网络生成</a:t>
             </a:r>
             <a:endParaRPr lang="en-US" altLang="zh-CN" sz="2400" dirty="0" smtClean="0"/>
           </a:p>
